--- a/SparkEd/The Business Case for SQL 2019.pptx
+++ b/SparkEd/The Business Case for SQL 2019.pptx
@@ -6,10 +6,10 @@
     <p:sldMasterId id="2147483704" r:id="rId2"/>
   </p:sldMasterIdLst>
   <p:notesMasterIdLst>
-    <p:notesMasterId r:id="rId64"/>
+    <p:notesMasterId r:id="rId63"/>
   </p:notesMasterIdLst>
   <p:handoutMasterIdLst>
-    <p:handoutMasterId r:id="rId65"/>
+    <p:handoutMasterId r:id="rId64"/>
   </p:handoutMasterIdLst>
   <p:sldIdLst>
     <p:sldId id="451" r:id="rId3"/>
@@ -17,8 +17,8 @@
     <p:sldId id="257" r:id="rId5"/>
     <p:sldId id="265" r:id="rId6"/>
     <p:sldId id="328" r:id="rId7"/>
-    <p:sldId id="440" r:id="rId8"/>
-    <p:sldId id="448" r:id="rId9"/>
+    <p:sldId id="448" r:id="rId8"/>
+    <p:sldId id="440" r:id="rId9"/>
     <p:sldId id="460" r:id="rId10"/>
     <p:sldId id="429" r:id="rId11"/>
     <p:sldId id="452" r:id="rId12"/>
@@ -44,8 +44,8 @@
     <p:sldId id="444" r:id="rId32"/>
     <p:sldId id="445" r:id="rId33"/>
     <p:sldId id="427" r:id="rId34"/>
-    <p:sldId id="462" r:id="rId35"/>
-    <p:sldId id="449" r:id="rId36"/>
+    <p:sldId id="449" r:id="rId35"/>
+    <p:sldId id="462" r:id="rId36"/>
     <p:sldId id="450" r:id="rId37"/>
     <p:sldId id="428" r:id="rId38"/>
     <p:sldId id="426" r:id="rId39"/>
@@ -58,21 +58,20 @@
     <p:sldId id="442" r:id="rId46"/>
     <p:sldId id="342" r:id="rId47"/>
     <p:sldId id="422" r:id="rId48"/>
-    <p:sldId id="423" r:id="rId49"/>
-    <p:sldId id="424" r:id="rId50"/>
-    <p:sldId id="420" r:id="rId51"/>
-    <p:sldId id="459" r:id="rId52"/>
-    <p:sldId id="447" r:id="rId53"/>
-    <p:sldId id="454" r:id="rId54"/>
-    <p:sldId id="419" r:id="rId55"/>
-    <p:sldId id="421" r:id="rId56"/>
-    <p:sldId id="446" r:id="rId57"/>
-    <p:sldId id="337" r:id="rId58"/>
-    <p:sldId id="334" r:id="rId59"/>
-    <p:sldId id="336" r:id="rId60"/>
-    <p:sldId id="439" r:id="rId61"/>
-    <p:sldId id="414" r:id="rId62"/>
-    <p:sldId id="413" r:id="rId63"/>
+    <p:sldId id="424" r:id="rId49"/>
+    <p:sldId id="420" r:id="rId50"/>
+    <p:sldId id="459" r:id="rId51"/>
+    <p:sldId id="447" r:id="rId52"/>
+    <p:sldId id="454" r:id="rId53"/>
+    <p:sldId id="419" r:id="rId54"/>
+    <p:sldId id="421" r:id="rId55"/>
+    <p:sldId id="446" r:id="rId56"/>
+    <p:sldId id="337" r:id="rId57"/>
+    <p:sldId id="334" r:id="rId58"/>
+    <p:sldId id="336" r:id="rId59"/>
+    <p:sldId id="439" r:id="rId60"/>
+    <p:sldId id="414" r:id="rId61"/>
+    <p:sldId id="413" r:id="rId62"/>
   </p:sldIdLst>
   <p:sldSz cx="11520488" cy="6480175"/>
   <p:notesSz cx="6858000" cy="9144000"/>
@@ -196,7 +195,7 @@
 <file path=ppt/revisionInfo.xml><?xml version="1.0" encoding="utf-8"?>
 <p1510:revInfo xmlns:a="http://schemas.openxmlformats.org/drawingml/2006/main" xmlns:r="http://schemas.openxmlformats.org/officeDocument/2006/relationships" xmlns:p1510="http://schemas.microsoft.com/office/powerpoint/2015/10/main">
   <p1510:revLst>
-    <p1510:client id="{E5DB32EC-D1A5-4769-8CAA-B91F52B581C9}" v="75" dt="2020-03-06T20:15:27.256"/>
+    <p1510:client id="{7C04E485-BC9E-431E-8B01-28F58B0CC4E6}" v="319" dt="2020-03-26T00:34:05.543"/>
   </p1510:revLst>
 </p1510:revInfo>
 </file>
@@ -754,6 +753,512 @@
       </pc:sldChg>
     </pc:docChg>
   </pc:docChgLst>
+  <pc:docChgLst>
+    <pc:chgData name="william a" userId="c66c7249b60d4ab2" providerId="LiveId" clId="{7C04E485-BC9E-431E-8B01-28F58B0CC4E6}"/>
+    <pc:docChg chg="undo custSel addSld delSld modSld sldOrd">
+      <pc:chgData name="william a" userId="c66c7249b60d4ab2" providerId="LiveId" clId="{7C04E485-BC9E-431E-8B01-28F58B0CC4E6}" dt="2020-03-26T00:34:05.542" v="1353" actId="1076"/>
+      <pc:docMkLst>
+        <pc:docMk/>
+      </pc:docMkLst>
+      <pc:sldChg chg="modSp">
+        <pc:chgData name="william a" userId="c66c7249b60d4ab2" providerId="LiveId" clId="{7C04E485-BC9E-431E-8B01-28F58B0CC4E6}" dt="2020-03-26T00:08:00.324" v="1" actId="20577"/>
+        <pc:sldMkLst>
+          <pc:docMk/>
+          <pc:sldMk cId="3454701021" sldId="265"/>
+        </pc:sldMkLst>
+        <pc:spChg chg="mod">
+          <ac:chgData name="william a" userId="c66c7249b60d4ab2" providerId="LiveId" clId="{7C04E485-BC9E-431E-8B01-28F58B0CC4E6}" dt="2020-03-26T00:08:00.324" v="1" actId="20577"/>
+          <ac:spMkLst>
+            <pc:docMk/>
+            <pc:sldMk cId="3454701021" sldId="265"/>
+            <ac:spMk id="19" creationId="{00000000-0000-0000-0000-000000000000}"/>
+          </ac:spMkLst>
+        </pc:spChg>
+      </pc:sldChg>
+      <pc:sldChg chg="modSp">
+        <pc:chgData name="william a" userId="c66c7249b60d4ab2" providerId="LiveId" clId="{7C04E485-BC9E-431E-8B01-28F58B0CC4E6}" dt="2020-03-26T00:16:56.772" v="429" actId="6549"/>
+        <pc:sldMkLst>
+          <pc:docMk/>
+          <pc:sldMk cId="3589157498" sldId="270"/>
+        </pc:sldMkLst>
+        <pc:spChg chg="mod">
+          <ac:chgData name="william a" userId="c66c7249b60d4ab2" providerId="LiveId" clId="{7C04E485-BC9E-431E-8B01-28F58B0CC4E6}" dt="2020-03-26T00:16:56.772" v="429" actId="6549"/>
+          <ac:spMkLst>
+            <pc:docMk/>
+            <pc:sldMk cId="3589157498" sldId="270"/>
+            <ac:spMk id="2" creationId="{3A456A49-D9F1-4953-8152-0834928543C1}"/>
+          </ac:spMkLst>
+        </pc:spChg>
+      </pc:sldChg>
+      <pc:sldChg chg="modSp modTransition">
+        <pc:chgData name="william a" userId="c66c7249b60d4ab2" providerId="LiveId" clId="{7C04E485-BC9E-431E-8B01-28F58B0CC4E6}" dt="2020-03-26T00:18:36.384" v="544"/>
+        <pc:sldMkLst>
+          <pc:docMk/>
+          <pc:sldMk cId="3233637152" sldId="276"/>
+        </pc:sldMkLst>
+        <pc:spChg chg="mod">
+          <ac:chgData name="william a" userId="c66c7249b60d4ab2" providerId="LiveId" clId="{7C04E485-BC9E-431E-8B01-28F58B0CC4E6}" dt="2020-03-26T00:18:28.216" v="543" actId="6549"/>
+          <ac:spMkLst>
+            <pc:docMk/>
+            <pc:sldMk cId="3233637152" sldId="276"/>
+            <ac:spMk id="2" creationId="{3A456A49-D9F1-4953-8152-0834928543C1}"/>
+          </ac:spMkLst>
+        </pc:spChg>
+        <pc:spChg chg="mod">
+          <ac:chgData name="william a" userId="c66c7249b60d4ab2" providerId="LiveId" clId="{7C04E485-BC9E-431E-8B01-28F58B0CC4E6}" dt="2020-03-26T00:17:19.919" v="443" actId="20577"/>
+          <ac:spMkLst>
+            <pc:docMk/>
+            <pc:sldMk cId="3233637152" sldId="276"/>
+            <ac:spMk id="4" creationId="{00000000-0000-0000-0000-000000000000}"/>
+          </ac:spMkLst>
+        </pc:spChg>
+      </pc:sldChg>
+      <pc:sldChg chg="modSp modAnim">
+        <pc:chgData name="william a" userId="c66c7249b60d4ab2" providerId="LiveId" clId="{7C04E485-BC9E-431E-8B01-28F58B0CC4E6}" dt="2020-03-26T00:11:20.793" v="136" actId="20577"/>
+        <pc:sldMkLst>
+          <pc:docMk/>
+          <pc:sldMk cId="2025268503" sldId="328"/>
+        </pc:sldMkLst>
+        <pc:spChg chg="mod">
+          <ac:chgData name="william a" userId="c66c7249b60d4ab2" providerId="LiveId" clId="{7C04E485-BC9E-431E-8B01-28F58B0CC4E6}" dt="2020-03-26T00:11:20.793" v="136" actId="20577"/>
+          <ac:spMkLst>
+            <pc:docMk/>
+            <pc:sldMk cId="2025268503" sldId="328"/>
+            <ac:spMk id="19" creationId="{00000000-0000-0000-0000-000000000000}"/>
+          </ac:spMkLst>
+        </pc:spChg>
+      </pc:sldChg>
+      <pc:sldChg chg="delSp modSp modTransition delAnim">
+        <pc:chgData name="william a" userId="c66c7249b60d4ab2" providerId="LiveId" clId="{7C04E485-BC9E-431E-8B01-28F58B0CC4E6}" dt="2020-03-26T00:24:17.529" v="1035"/>
+        <pc:sldMkLst>
+          <pc:docMk/>
+          <pc:sldMk cId="2786184365" sldId="331"/>
+        </pc:sldMkLst>
+        <pc:spChg chg="mod">
+          <ac:chgData name="william a" userId="c66c7249b60d4ab2" providerId="LiveId" clId="{7C04E485-BC9E-431E-8B01-28F58B0CC4E6}" dt="2020-03-26T00:23:38.910" v="1031" actId="6549"/>
+          <ac:spMkLst>
+            <pc:docMk/>
+            <pc:sldMk cId="2786184365" sldId="331"/>
+            <ac:spMk id="2" creationId="{3A456A49-D9F1-4953-8152-0834928543C1}"/>
+          </ac:spMkLst>
+        </pc:spChg>
+        <pc:spChg chg="del mod">
+          <ac:chgData name="william a" userId="c66c7249b60d4ab2" providerId="LiveId" clId="{7C04E485-BC9E-431E-8B01-28F58B0CC4E6}" dt="2020-03-26T00:22:09.801" v="848" actId="478"/>
+          <ac:spMkLst>
+            <pc:docMk/>
+            <pc:sldMk cId="2786184365" sldId="331"/>
+            <ac:spMk id="3" creationId="{B41B3BEA-427F-451C-A605-E0C341468C30}"/>
+          </ac:spMkLst>
+        </pc:spChg>
+      </pc:sldChg>
+      <pc:sldChg chg="modSp">
+        <pc:chgData name="william a" userId="c66c7249b60d4ab2" providerId="LiveId" clId="{7C04E485-BC9E-431E-8B01-28F58B0CC4E6}" dt="2020-03-26T00:19:21.654" v="556" actId="403"/>
+        <pc:sldMkLst>
+          <pc:docMk/>
+          <pc:sldMk cId="179837880" sldId="341"/>
+        </pc:sldMkLst>
+        <pc:spChg chg="mod">
+          <ac:chgData name="william a" userId="c66c7249b60d4ab2" providerId="LiveId" clId="{7C04E485-BC9E-431E-8B01-28F58B0CC4E6}" dt="2020-03-26T00:19:11.398" v="545" actId="20577"/>
+          <ac:spMkLst>
+            <pc:docMk/>
+            <pc:sldMk cId="179837880" sldId="341"/>
+            <ac:spMk id="4" creationId="{936E64B9-6958-4EA0-B73B-3029689BAE36}"/>
+          </ac:spMkLst>
+        </pc:spChg>
+        <pc:spChg chg="mod">
+          <ac:chgData name="william a" userId="c66c7249b60d4ab2" providerId="LiveId" clId="{7C04E485-BC9E-431E-8B01-28F58B0CC4E6}" dt="2020-03-26T00:19:21.654" v="556" actId="403"/>
+          <ac:spMkLst>
+            <pc:docMk/>
+            <pc:sldMk cId="179837880" sldId="341"/>
+            <ac:spMk id="6" creationId="{CEEA99C5-4B23-4AA3-B491-EAEFBFDF734E}"/>
+          </ac:spMkLst>
+        </pc:spChg>
+      </pc:sldChg>
+      <pc:sldChg chg="modTransition">
+        <pc:chgData name="william a" userId="c66c7249b60d4ab2" providerId="LiveId" clId="{7C04E485-BC9E-431E-8B01-28F58B0CC4E6}" dt="2020-03-26T00:28:21.367" v="1165"/>
+        <pc:sldMkLst>
+          <pc:docMk/>
+          <pc:sldMk cId="798057443" sldId="342"/>
+        </pc:sldMkLst>
+      </pc:sldChg>
+      <pc:sldChg chg="modSp">
+        <pc:chgData name="william a" userId="c66c7249b60d4ab2" providerId="LiveId" clId="{7C04E485-BC9E-431E-8B01-28F58B0CC4E6}" dt="2020-03-26T00:34:05.542" v="1353" actId="1076"/>
+        <pc:sldMkLst>
+          <pc:docMk/>
+          <pc:sldMk cId="2576131179" sldId="413"/>
+        </pc:sldMkLst>
+        <pc:spChg chg="mod">
+          <ac:chgData name="william a" userId="c66c7249b60d4ab2" providerId="LiveId" clId="{7C04E485-BC9E-431E-8B01-28F58B0CC4E6}" dt="2020-03-26T00:33:32.031" v="1350" actId="6549"/>
+          <ac:spMkLst>
+            <pc:docMk/>
+            <pc:sldMk cId="2576131179" sldId="413"/>
+            <ac:spMk id="4" creationId="{00000000-0000-0000-0000-000000000000}"/>
+          </ac:spMkLst>
+        </pc:spChg>
+        <pc:picChg chg="mod">
+          <ac:chgData name="william a" userId="c66c7249b60d4ab2" providerId="LiveId" clId="{7C04E485-BC9E-431E-8B01-28F58B0CC4E6}" dt="2020-03-26T00:34:05.542" v="1353" actId="1076"/>
+          <ac:picMkLst>
+            <pc:docMk/>
+            <pc:sldMk cId="2576131179" sldId="413"/>
+            <ac:picMk id="6" creationId="{2BAE5041-34BB-4C0C-A938-11DDAAA023DE}"/>
+          </ac:picMkLst>
+        </pc:picChg>
+      </pc:sldChg>
+      <pc:sldChg chg="modSp">
+        <pc:chgData name="william a" userId="c66c7249b60d4ab2" providerId="LiveId" clId="{7C04E485-BC9E-431E-8B01-28F58B0CC4E6}" dt="2020-03-26T00:33:18.749" v="1347" actId="1035"/>
+        <pc:sldMkLst>
+          <pc:docMk/>
+          <pc:sldMk cId="282819259" sldId="414"/>
+        </pc:sldMkLst>
+        <pc:spChg chg="mod">
+          <ac:chgData name="william a" userId="c66c7249b60d4ab2" providerId="LiveId" clId="{7C04E485-BC9E-431E-8B01-28F58B0CC4E6}" dt="2020-03-26T00:32:47.919" v="1327" actId="20577"/>
+          <ac:spMkLst>
+            <pc:docMk/>
+            <pc:sldMk cId="282819259" sldId="414"/>
+            <ac:spMk id="2" creationId="{A142EB46-D0F2-4A77-85A1-6FD48128CE80}"/>
+          </ac:spMkLst>
+        </pc:spChg>
+        <pc:picChg chg="mod">
+          <ac:chgData name="william a" userId="c66c7249b60d4ab2" providerId="LiveId" clId="{7C04E485-BC9E-431E-8B01-28F58B0CC4E6}" dt="2020-03-26T00:33:18.749" v="1347" actId="1035"/>
+          <ac:picMkLst>
+            <pc:docMk/>
+            <pc:sldMk cId="282819259" sldId="414"/>
+            <ac:picMk id="4" creationId="{BD4A47C2-CD56-4B1E-AE27-9339E64E4ADB}"/>
+          </ac:picMkLst>
+        </pc:picChg>
+        <pc:picChg chg="mod">
+          <ac:chgData name="william a" userId="c66c7249b60d4ab2" providerId="LiveId" clId="{7C04E485-BC9E-431E-8B01-28F58B0CC4E6}" dt="2020-03-26T00:33:05.520" v="1343" actId="1036"/>
+          <ac:picMkLst>
+            <pc:docMk/>
+            <pc:sldMk cId="282819259" sldId="414"/>
+            <ac:picMk id="1026" creationId="{00000000-0000-0000-0000-000000000000}"/>
+          </ac:picMkLst>
+        </pc:picChg>
+      </pc:sldChg>
+      <pc:sldChg chg="modSp">
+        <pc:chgData name="william a" userId="c66c7249b60d4ab2" providerId="LiveId" clId="{7C04E485-BC9E-431E-8B01-28F58B0CC4E6}" dt="2020-03-26T00:27:00.721" v="1067" actId="255"/>
+        <pc:sldMkLst>
+          <pc:docMk/>
+          <pc:sldMk cId="2126541291" sldId="415"/>
+        </pc:sldMkLst>
+        <pc:spChg chg="mod">
+          <ac:chgData name="william a" userId="c66c7249b60d4ab2" providerId="LiveId" clId="{7C04E485-BC9E-431E-8B01-28F58B0CC4E6}" dt="2020-03-26T00:27:00.721" v="1067" actId="255"/>
+          <ac:spMkLst>
+            <pc:docMk/>
+            <pc:sldMk cId="2126541291" sldId="415"/>
+            <ac:spMk id="2" creationId="{3A456A49-D9F1-4953-8152-0834928543C1}"/>
+          </ac:spMkLst>
+        </pc:spChg>
+      </pc:sldChg>
+      <pc:sldChg chg="addSp delSp modSp">
+        <pc:chgData name="william a" userId="c66c7249b60d4ab2" providerId="LiveId" clId="{7C04E485-BC9E-431E-8B01-28F58B0CC4E6}" dt="2020-03-26T00:24:43.423" v="1037"/>
+        <pc:sldMkLst>
+          <pc:docMk/>
+          <pc:sldMk cId="4266078741" sldId="418"/>
+        </pc:sldMkLst>
+        <pc:spChg chg="mod">
+          <ac:chgData name="william a" userId="c66c7249b60d4ab2" providerId="LiveId" clId="{7C04E485-BC9E-431E-8B01-28F58B0CC4E6}" dt="2020-03-26T00:20:48.097" v="686" actId="20577"/>
+          <ac:spMkLst>
+            <pc:docMk/>
+            <pc:sldMk cId="4266078741" sldId="418"/>
+            <ac:spMk id="2" creationId="{3A456A49-D9F1-4953-8152-0834928543C1}"/>
+          </ac:spMkLst>
+        </pc:spChg>
+        <pc:spChg chg="add del">
+          <ac:chgData name="william a" userId="c66c7249b60d4ab2" providerId="LiveId" clId="{7C04E485-BC9E-431E-8B01-28F58B0CC4E6}" dt="2020-03-26T00:24:43.423" v="1037"/>
+          <ac:spMkLst>
+            <pc:docMk/>
+            <pc:sldMk cId="4266078741" sldId="418"/>
+            <ac:spMk id="3" creationId="{BE7B9E72-AC82-4477-BB6D-31D7F0A06B6C}"/>
+          </ac:spMkLst>
+        </pc:spChg>
+      </pc:sldChg>
+      <pc:sldChg chg="modSp">
+        <pc:chgData name="william a" userId="c66c7249b60d4ab2" providerId="LiveId" clId="{7C04E485-BC9E-431E-8B01-28F58B0CC4E6}" dt="2020-03-26T00:31:35.107" v="1293"/>
+        <pc:sldMkLst>
+          <pc:docMk/>
+          <pc:sldMk cId="2213567820" sldId="420"/>
+        </pc:sldMkLst>
+        <pc:spChg chg="mod">
+          <ac:chgData name="william a" userId="c66c7249b60d4ab2" providerId="LiveId" clId="{7C04E485-BC9E-431E-8B01-28F58B0CC4E6}" dt="2020-03-26T00:31:35.107" v="1293"/>
+          <ac:spMkLst>
+            <pc:docMk/>
+            <pc:sldMk cId="2213567820" sldId="420"/>
+            <ac:spMk id="2" creationId="{3A456A49-D9F1-4953-8152-0834928543C1}"/>
+          </ac:spMkLst>
+        </pc:spChg>
+      </pc:sldChg>
+      <pc:sldChg chg="modSp">
+        <pc:chgData name="william a" userId="c66c7249b60d4ab2" providerId="LiveId" clId="{7C04E485-BC9E-431E-8B01-28F58B0CC4E6}" dt="2020-03-26T00:32:17.292" v="1307" actId="20577"/>
+        <pc:sldMkLst>
+          <pc:docMk/>
+          <pc:sldMk cId="462918957" sldId="421"/>
+        </pc:sldMkLst>
+        <pc:spChg chg="mod">
+          <ac:chgData name="william a" userId="c66c7249b60d4ab2" providerId="LiveId" clId="{7C04E485-BC9E-431E-8B01-28F58B0CC4E6}" dt="2020-03-26T00:32:17.292" v="1307" actId="20577"/>
+          <ac:spMkLst>
+            <pc:docMk/>
+            <pc:sldMk cId="462918957" sldId="421"/>
+            <ac:spMk id="3" creationId="{5FE92851-6189-408B-832C-D2FB84FA89B1}"/>
+          </ac:spMkLst>
+        </pc:spChg>
+      </pc:sldChg>
+      <pc:sldChg chg="modSp">
+        <pc:chgData name="william a" userId="c66c7249b60d4ab2" providerId="LiveId" clId="{7C04E485-BC9E-431E-8B01-28F58B0CC4E6}" dt="2020-03-26T00:30:34.295" v="1262" actId="20577"/>
+        <pc:sldMkLst>
+          <pc:docMk/>
+          <pc:sldMk cId="2928512945" sldId="422"/>
+        </pc:sldMkLst>
+        <pc:spChg chg="mod">
+          <ac:chgData name="william a" userId="c66c7249b60d4ab2" providerId="LiveId" clId="{7C04E485-BC9E-431E-8B01-28F58B0CC4E6}" dt="2020-03-26T00:30:34.295" v="1262" actId="20577"/>
+          <ac:spMkLst>
+            <pc:docMk/>
+            <pc:sldMk cId="2928512945" sldId="422"/>
+            <ac:spMk id="2" creationId="{3A456A49-D9F1-4953-8152-0834928543C1}"/>
+          </ac:spMkLst>
+        </pc:spChg>
+      </pc:sldChg>
+      <pc:sldChg chg="delSp modSp del">
+        <pc:chgData name="william a" userId="c66c7249b60d4ab2" providerId="LiveId" clId="{7C04E485-BC9E-431E-8B01-28F58B0CC4E6}" dt="2020-03-26T00:30:20.762" v="1248" actId="2696"/>
+        <pc:sldMkLst>
+          <pc:docMk/>
+          <pc:sldMk cId="51730675" sldId="423"/>
+        </pc:sldMkLst>
+        <pc:spChg chg="del mod">
+          <ac:chgData name="william a" userId="c66c7249b60d4ab2" providerId="LiveId" clId="{7C04E485-BC9E-431E-8B01-28F58B0CC4E6}" dt="2020-03-26T00:30:18.671" v="1247"/>
+          <ac:spMkLst>
+            <pc:docMk/>
+            <pc:sldMk cId="51730675" sldId="423"/>
+            <ac:spMk id="2" creationId="{3A456A49-D9F1-4953-8152-0834928543C1}"/>
+          </ac:spMkLst>
+        </pc:spChg>
+      </pc:sldChg>
+      <pc:sldChg chg="modSp">
+        <pc:chgData name="william a" userId="c66c7249b60d4ab2" providerId="LiveId" clId="{7C04E485-BC9E-431E-8B01-28F58B0CC4E6}" dt="2020-03-26T00:31:17.614" v="1264"/>
+        <pc:sldMkLst>
+          <pc:docMk/>
+          <pc:sldMk cId="2394866363" sldId="424"/>
+        </pc:sldMkLst>
+        <pc:spChg chg="mod">
+          <ac:chgData name="william a" userId="c66c7249b60d4ab2" providerId="LiveId" clId="{7C04E485-BC9E-431E-8B01-28F58B0CC4E6}" dt="2020-03-26T00:31:17.614" v="1264"/>
+          <ac:spMkLst>
+            <pc:docMk/>
+            <pc:sldMk cId="2394866363" sldId="424"/>
+            <ac:spMk id="2" creationId="{3A456A49-D9F1-4953-8152-0834928543C1}"/>
+          </ac:spMkLst>
+        </pc:spChg>
+      </pc:sldChg>
+      <pc:sldChg chg="modTransition">
+        <pc:chgData name="william a" userId="c66c7249b60d4ab2" providerId="LiveId" clId="{7C04E485-BC9E-431E-8B01-28F58B0CC4E6}" dt="2020-03-26T00:23:57.158" v="1033"/>
+        <pc:sldMkLst>
+          <pc:docMk/>
+          <pc:sldMk cId="2174467862" sldId="427"/>
+        </pc:sldMkLst>
+      </pc:sldChg>
+      <pc:sldChg chg="modSp">
+        <pc:chgData name="william a" userId="c66c7249b60d4ab2" providerId="LiveId" clId="{7C04E485-BC9E-431E-8B01-28F58B0CC4E6}" dt="2020-03-26T00:26:51.698" v="1066" actId="1076"/>
+        <pc:sldMkLst>
+          <pc:docMk/>
+          <pc:sldMk cId="731142461" sldId="428"/>
+        </pc:sldMkLst>
+        <pc:picChg chg="mod">
+          <ac:chgData name="william a" userId="c66c7249b60d4ab2" providerId="LiveId" clId="{7C04E485-BC9E-431E-8B01-28F58B0CC4E6}" dt="2020-03-26T00:26:51.698" v="1066" actId="1076"/>
+          <ac:picMkLst>
+            <pc:docMk/>
+            <pc:sldMk cId="731142461" sldId="428"/>
+            <ac:picMk id="3" creationId="{5B9626B2-60F3-411F-8FA8-E07D7A6A3C68}"/>
+          </ac:picMkLst>
+        </pc:picChg>
+        <pc:picChg chg="mod">
+          <ac:chgData name="william a" userId="c66c7249b60d4ab2" providerId="LiveId" clId="{7C04E485-BC9E-431E-8B01-28F58B0CC4E6}" dt="2020-03-26T00:26:51.698" v="1066" actId="1076"/>
+          <ac:picMkLst>
+            <pc:docMk/>
+            <pc:sldMk cId="731142461" sldId="428"/>
+            <ac:picMk id="7" creationId="{B8B3EC61-35A5-4504-82CA-AD3ED9E6FF32}"/>
+          </ac:picMkLst>
+        </pc:picChg>
+      </pc:sldChg>
+      <pc:sldChg chg="modSp">
+        <pc:chgData name="william a" userId="c66c7249b60d4ab2" providerId="LiveId" clId="{7C04E485-BC9E-431E-8B01-28F58B0CC4E6}" dt="2020-03-26T00:14:59.782" v="317" actId="404"/>
+        <pc:sldMkLst>
+          <pc:docMk/>
+          <pc:sldMk cId="2559597295" sldId="429"/>
+        </pc:sldMkLst>
+        <pc:spChg chg="mod">
+          <ac:chgData name="william a" userId="c66c7249b60d4ab2" providerId="LiveId" clId="{7C04E485-BC9E-431E-8B01-28F58B0CC4E6}" dt="2020-03-26T00:14:59.782" v="317" actId="404"/>
+          <ac:spMkLst>
+            <pc:docMk/>
+            <pc:sldMk cId="2559597295" sldId="429"/>
+            <ac:spMk id="3" creationId="{02072AD7-08D4-495A-8F7C-24918BD73F34}"/>
+          </ac:spMkLst>
+        </pc:spChg>
+      </pc:sldChg>
+      <pc:sldChg chg="modSp">
+        <pc:chgData name="william a" userId="c66c7249b60d4ab2" providerId="LiveId" clId="{7C04E485-BC9E-431E-8B01-28F58B0CC4E6}" dt="2020-03-26T00:20:01.853" v="586" actId="14100"/>
+        <pc:sldMkLst>
+          <pc:docMk/>
+          <pc:sldMk cId="2983042525" sldId="430"/>
+        </pc:sldMkLst>
+        <pc:spChg chg="mod">
+          <ac:chgData name="william a" userId="c66c7249b60d4ab2" providerId="LiveId" clId="{7C04E485-BC9E-431E-8B01-28F58B0CC4E6}" dt="2020-03-26T00:20:01.853" v="586" actId="14100"/>
+          <ac:spMkLst>
+            <pc:docMk/>
+            <pc:sldMk cId="2983042525" sldId="430"/>
+            <ac:spMk id="2" creationId="{3A456A49-D9F1-4953-8152-0834928543C1}"/>
+          </ac:spMkLst>
+        </pc:spChg>
+      </pc:sldChg>
+      <pc:sldChg chg="modTransition">
+        <pc:chgData name="william a" userId="c66c7249b60d4ab2" providerId="LiveId" clId="{7C04E485-BC9E-431E-8B01-28F58B0CC4E6}" dt="2020-03-26T00:23:47.926" v="1032"/>
+        <pc:sldMkLst>
+          <pc:docMk/>
+          <pc:sldMk cId="259177306" sldId="432"/>
+        </pc:sldMkLst>
+      </pc:sldChg>
+      <pc:sldChg chg="modSp">
+        <pc:chgData name="william a" userId="c66c7249b60d4ab2" providerId="LiveId" clId="{7C04E485-BC9E-431E-8B01-28F58B0CC4E6}" dt="2020-03-26T00:27:41.781" v="1141" actId="20577"/>
+        <pc:sldMkLst>
+          <pc:docMk/>
+          <pc:sldMk cId="411091277" sldId="441"/>
+        </pc:sldMkLst>
+        <pc:spChg chg="mod">
+          <ac:chgData name="william a" userId="c66c7249b60d4ab2" providerId="LiveId" clId="{7C04E485-BC9E-431E-8B01-28F58B0CC4E6}" dt="2020-03-26T00:27:41.781" v="1141" actId="20577"/>
+          <ac:spMkLst>
+            <pc:docMk/>
+            <pc:sldMk cId="411091277" sldId="441"/>
+            <ac:spMk id="2" creationId="{3A456A49-D9F1-4953-8152-0834928543C1}"/>
+          </ac:spMkLst>
+        </pc:spChg>
+      </pc:sldChg>
+      <pc:sldChg chg="modSp">
+        <pc:chgData name="william a" userId="c66c7249b60d4ab2" providerId="LiveId" clId="{7C04E485-BC9E-431E-8B01-28F58B0CC4E6}" dt="2020-03-26T00:28:12.425" v="1163" actId="404"/>
+        <pc:sldMkLst>
+          <pc:docMk/>
+          <pc:sldMk cId="3555173807" sldId="442"/>
+        </pc:sldMkLst>
+        <pc:spChg chg="mod">
+          <ac:chgData name="william a" userId="c66c7249b60d4ab2" providerId="LiveId" clId="{7C04E485-BC9E-431E-8B01-28F58B0CC4E6}" dt="2020-03-26T00:28:12.425" v="1163" actId="404"/>
+          <ac:spMkLst>
+            <pc:docMk/>
+            <pc:sldMk cId="3555173807" sldId="442"/>
+            <ac:spMk id="2" creationId="{3A456A49-D9F1-4953-8152-0834928543C1}"/>
+          </ac:spMkLst>
+        </pc:spChg>
+      </pc:sldChg>
+      <pc:sldChg chg="modSp ord modAnim">
+        <pc:chgData name="william a" userId="c66c7249b60d4ab2" providerId="LiveId" clId="{7C04E485-BC9E-431E-8B01-28F58B0CC4E6}" dt="2020-03-26T00:14:17.647" v="267"/>
+        <pc:sldMkLst>
+          <pc:docMk/>
+          <pc:sldMk cId="4084010780" sldId="448"/>
+        </pc:sldMkLst>
+        <pc:spChg chg="mod">
+          <ac:chgData name="william a" userId="c66c7249b60d4ab2" providerId="LiveId" clId="{7C04E485-BC9E-431E-8B01-28F58B0CC4E6}" dt="2020-03-26T00:14:09.406" v="266" actId="20577"/>
+          <ac:spMkLst>
+            <pc:docMk/>
+            <pc:sldMk cId="4084010780" sldId="448"/>
+            <ac:spMk id="19" creationId="{00000000-0000-0000-0000-000000000000}"/>
+          </ac:spMkLst>
+        </pc:spChg>
+      </pc:sldChg>
+      <pc:sldChg chg="ord modTransition">
+        <pc:chgData name="william a" userId="c66c7249b60d4ab2" providerId="LiveId" clId="{7C04E485-BC9E-431E-8B01-28F58B0CC4E6}" dt="2020-03-26T00:26:23.205" v="1064"/>
+        <pc:sldMkLst>
+          <pc:docMk/>
+          <pc:sldMk cId="2340861482" sldId="449"/>
+        </pc:sldMkLst>
+      </pc:sldChg>
+      <pc:sldChg chg="modSp">
+        <pc:chgData name="william a" userId="c66c7249b60d4ab2" providerId="LiveId" clId="{7C04E485-BC9E-431E-8B01-28F58B0CC4E6}" dt="2020-03-26T00:14:46.945" v="313" actId="20577"/>
+        <pc:sldMkLst>
+          <pc:docMk/>
+          <pc:sldMk cId="418640517" sldId="460"/>
+        </pc:sldMkLst>
+        <pc:spChg chg="mod">
+          <ac:chgData name="william a" userId="c66c7249b60d4ab2" providerId="LiveId" clId="{7C04E485-BC9E-431E-8B01-28F58B0CC4E6}" dt="2020-03-26T00:14:46.945" v="313" actId="20577"/>
+          <ac:spMkLst>
+            <pc:docMk/>
+            <pc:sldMk cId="418640517" sldId="460"/>
+            <ac:spMk id="3" creationId="{D47B0AC4-F85C-4550-BF54-58E2A17849BD}"/>
+          </ac:spMkLst>
+        </pc:spChg>
+      </pc:sldChg>
+      <pc:sldChg chg="modSp">
+        <pc:chgData name="william a" userId="c66c7249b60d4ab2" providerId="LiveId" clId="{7C04E485-BC9E-431E-8B01-28F58B0CC4E6}" dt="2020-03-26T00:15:56.553" v="403" actId="5793"/>
+        <pc:sldMkLst>
+          <pc:docMk/>
+          <pc:sldMk cId="4049197787" sldId="461"/>
+        </pc:sldMkLst>
+        <pc:spChg chg="mod">
+          <ac:chgData name="william a" userId="c66c7249b60d4ab2" providerId="LiveId" clId="{7C04E485-BC9E-431E-8B01-28F58B0CC4E6}" dt="2020-03-26T00:15:56.553" v="403" actId="5793"/>
+          <ac:spMkLst>
+            <pc:docMk/>
+            <pc:sldMk cId="4049197787" sldId="461"/>
+            <ac:spMk id="6" creationId="{DB1CBB6B-C96C-4135-9CF8-90CA8F1D4B29}"/>
+          </ac:spMkLst>
+        </pc:spChg>
+      </pc:sldChg>
+      <pc:sldChg chg="modSp">
+        <pc:chgData name="william a" userId="c66c7249b60d4ab2" providerId="LiveId" clId="{7C04E485-BC9E-431E-8B01-28F58B0CC4E6}" dt="2020-03-26T00:25:45.287" v="1062" actId="6549"/>
+        <pc:sldMkLst>
+          <pc:docMk/>
+          <pc:sldMk cId="508234995" sldId="462"/>
+        </pc:sldMkLst>
+        <pc:spChg chg="mod">
+          <ac:chgData name="william a" userId="c66c7249b60d4ab2" providerId="LiveId" clId="{7C04E485-BC9E-431E-8B01-28F58B0CC4E6}" dt="2020-03-26T00:25:45.287" v="1062" actId="6549"/>
+          <ac:spMkLst>
+            <pc:docMk/>
+            <pc:sldMk cId="508234995" sldId="462"/>
+            <ac:spMk id="6" creationId="{DB1CBB6B-C96C-4135-9CF8-90CA8F1D4B29}"/>
+          </ac:spMkLst>
+        </pc:spChg>
+      </pc:sldChg>
+      <pc:sldChg chg="modSp">
+        <pc:chgData name="william a" userId="c66c7249b60d4ab2" providerId="LiveId" clId="{7C04E485-BC9E-431E-8B01-28F58B0CC4E6}" dt="2020-03-26T00:16:32.162" v="410" actId="113"/>
+        <pc:sldMkLst>
+          <pc:docMk/>
+          <pc:sldMk cId="4256272951" sldId="463"/>
+        </pc:sldMkLst>
+        <pc:spChg chg="mod">
+          <ac:chgData name="william a" userId="c66c7249b60d4ab2" providerId="LiveId" clId="{7C04E485-BC9E-431E-8B01-28F58B0CC4E6}" dt="2020-03-26T00:16:32.162" v="410" actId="113"/>
+          <ac:spMkLst>
+            <pc:docMk/>
+            <pc:sldMk cId="4256272951" sldId="463"/>
+            <ac:spMk id="6" creationId="{DB1CBB6B-C96C-4135-9CF8-90CA8F1D4B29}"/>
+          </ac:spMkLst>
+        </pc:spChg>
+      </pc:sldChg>
+      <pc:sldChg chg="modSp">
+        <pc:chgData name="william a" userId="c66c7249b60d4ab2" providerId="LiveId" clId="{7C04E485-BC9E-431E-8B01-28F58B0CC4E6}" dt="2020-03-26T00:21:46.314" v="812" actId="20577"/>
+        <pc:sldMkLst>
+          <pc:docMk/>
+          <pc:sldMk cId="2341831090" sldId="464"/>
+        </pc:sldMkLst>
+        <pc:spChg chg="mod">
+          <ac:chgData name="william a" userId="c66c7249b60d4ab2" providerId="LiveId" clId="{7C04E485-BC9E-431E-8B01-28F58B0CC4E6}" dt="2020-03-26T00:21:46.314" v="812" actId="20577"/>
+          <ac:spMkLst>
+            <pc:docMk/>
+            <pc:sldMk cId="2341831090" sldId="464"/>
+            <ac:spMk id="2" creationId="{3A456A49-D9F1-4953-8152-0834928543C1}"/>
+          </ac:spMkLst>
+        </pc:spChg>
+      </pc:sldChg>
+      <pc:sldChg chg="modSp add del">
+        <pc:chgData name="william a" userId="c66c7249b60d4ab2" providerId="LiveId" clId="{7C04E485-BC9E-431E-8B01-28F58B0CC4E6}" dt="2020-03-26T00:24:58.521" v="1047"/>
+        <pc:sldMkLst>
+          <pc:docMk/>
+          <pc:sldMk cId="22053074" sldId="465"/>
+        </pc:sldMkLst>
+        <pc:spChg chg="mod">
+          <ac:chgData name="william a" userId="c66c7249b60d4ab2" providerId="LiveId" clId="{7C04E485-BC9E-431E-8B01-28F58B0CC4E6}" dt="2020-03-26T00:24:57.967" v="1046" actId="20577"/>
+          <ac:spMkLst>
+            <pc:docMk/>
+            <pc:sldMk cId="22053074" sldId="465"/>
+            <ac:spMk id="4" creationId="{00000000-0000-0000-0000-000000000000}"/>
+          </ac:spMkLst>
+        </pc:spChg>
+      </pc:sldChg>
+    </pc:docChg>
+  </pc:docChgLst>
 </pc:chgInfo>
 </file>
 
@@ -851,7 +1356,7 @@
           <a:p>
             <a:fld id="{F2AAB19A-044A-4188-95F7-FE3CC087FFBA}" type="datetimeFigureOut">
               <a:rPr lang="en-US" smtClean="0"/>
-              <a:t>3/6/2020</a:t>
+              <a:t>3/25/2020</a:t>
             </a:fld>
             <a:endParaRPr lang="en-US"/>
           </a:p>
@@ -1028,7 +1533,7 @@
           <a:p>
             <a:fld id="{3A12807D-DF51-4782-A6A0-E53C53F8DBAA}" type="datetimeFigureOut">
               <a:rPr lang="en-US" smtClean="0"/>
-              <a:t>3/6/2020</a:t>
+              <a:t>3/25/2020</a:t>
             </a:fld>
             <a:endParaRPr lang="en-US"/>
           </a:p>
@@ -1379,6 +1884,174 @@
 </p:notes>
 </file>
 
+<file path=ppt/notesSlides/notesSlide10.xml><?xml version="1.0" encoding="utf-8"?>
+<p:notes xmlns:a="http://schemas.openxmlformats.org/drawingml/2006/main" xmlns:r="http://schemas.openxmlformats.org/officeDocument/2006/relationships" xmlns:p="http://schemas.openxmlformats.org/presentationml/2006/main">
+  <p:cSld>
+    <p:spTree>
+      <p:nvGrpSpPr>
+        <p:cNvPr id="1" name=""/>
+        <p:cNvGrpSpPr/>
+        <p:nvPr/>
+      </p:nvGrpSpPr>
+      <p:grpSpPr>
+        <a:xfrm>
+          <a:off x="0" y="0"/>
+          <a:ext cx="0" cy="0"/>
+          <a:chOff x="0" y="0"/>
+          <a:chExt cx="0" cy="0"/>
+        </a:xfrm>
+      </p:grpSpPr>
+      <p:sp>
+        <p:nvSpPr>
+          <p:cNvPr id="2" name="Slide Image Placeholder 1"/>
+          <p:cNvSpPr>
+            <a:spLocks noGrp="1" noRot="1" noChangeAspect="1"/>
+          </p:cNvSpPr>
+          <p:nvPr>
+            <p:ph type="sldImg"/>
+          </p:nvPr>
+        </p:nvSpPr>
+        <p:spPr/>
+      </p:sp>
+      <p:sp>
+        <p:nvSpPr>
+          <p:cNvPr id="3" name="Notes Placeholder 2"/>
+          <p:cNvSpPr>
+            <a:spLocks noGrp="1"/>
+          </p:cNvSpPr>
+          <p:nvPr>
+            <p:ph type="body" idx="1"/>
+          </p:nvPr>
+        </p:nvSpPr>
+        <p:spPr/>
+        <p:txBody>
+          <a:bodyPr/>
+          <a:lstStyle/>
+          <a:p>
+            <a:endParaRPr lang="en-US"/>
+          </a:p>
+        </p:txBody>
+      </p:sp>
+      <p:sp>
+        <p:nvSpPr>
+          <p:cNvPr id="4" name="Slide Number Placeholder 3"/>
+          <p:cNvSpPr>
+            <a:spLocks noGrp="1"/>
+          </p:cNvSpPr>
+          <p:nvPr>
+            <p:ph type="sldNum" sz="quarter" idx="10"/>
+          </p:nvPr>
+        </p:nvSpPr>
+        <p:spPr/>
+        <p:txBody>
+          <a:bodyPr/>
+          <a:lstStyle/>
+          <a:p>
+            <a:fld id="{2169F59F-0EB0-7641-AD82-6C091FC4275B}" type="slidenum">
+              <a:rPr lang="en-US" smtClean="0"/>
+              <a:t>56</a:t>
+            </a:fld>
+            <a:endParaRPr lang="en-US"/>
+          </a:p>
+        </p:txBody>
+      </p:sp>
+    </p:spTree>
+    <p:extLst>
+      <p:ext uri="{BB962C8B-B14F-4D97-AF65-F5344CB8AC3E}">
+        <p14:creationId xmlns:p14="http://schemas.microsoft.com/office/powerpoint/2010/main" val="2167711862"/>
+      </p:ext>
+    </p:extLst>
+  </p:cSld>
+  <p:clrMapOvr>
+    <a:masterClrMapping/>
+  </p:clrMapOvr>
+</p:notes>
+</file>
+
+<file path=ppt/notesSlides/notesSlide11.xml><?xml version="1.0" encoding="utf-8"?>
+<p:notes xmlns:a="http://schemas.openxmlformats.org/drawingml/2006/main" xmlns:r="http://schemas.openxmlformats.org/officeDocument/2006/relationships" xmlns:p="http://schemas.openxmlformats.org/presentationml/2006/main">
+  <p:cSld>
+    <p:spTree>
+      <p:nvGrpSpPr>
+        <p:cNvPr id="1" name=""/>
+        <p:cNvGrpSpPr/>
+        <p:nvPr/>
+      </p:nvGrpSpPr>
+      <p:grpSpPr>
+        <a:xfrm>
+          <a:off x="0" y="0"/>
+          <a:ext cx="0" cy="0"/>
+          <a:chOff x="0" y="0"/>
+          <a:chExt cx="0" cy="0"/>
+        </a:xfrm>
+      </p:grpSpPr>
+      <p:sp>
+        <p:nvSpPr>
+          <p:cNvPr id="2" name="Slide Image Placeholder 1"/>
+          <p:cNvSpPr>
+            <a:spLocks noGrp="1" noRot="1" noChangeAspect="1"/>
+          </p:cNvSpPr>
+          <p:nvPr>
+            <p:ph type="sldImg"/>
+          </p:nvPr>
+        </p:nvSpPr>
+        <p:spPr/>
+      </p:sp>
+      <p:sp>
+        <p:nvSpPr>
+          <p:cNvPr id="3" name="Notes Placeholder 2"/>
+          <p:cNvSpPr>
+            <a:spLocks noGrp="1"/>
+          </p:cNvSpPr>
+          <p:nvPr>
+            <p:ph type="body" idx="1"/>
+          </p:nvPr>
+        </p:nvSpPr>
+        <p:spPr/>
+        <p:txBody>
+          <a:bodyPr/>
+          <a:lstStyle/>
+          <a:p>
+            <a:endParaRPr lang="en-US"/>
+          </a:p>
+        </p:txBody>
+      </p:sp>
+      <p:sp>
+        <p:nvSpPr>
+          <p:cNvPr id="4" name="Slide Number Placeholder 3"/>
+          <p:cNvSpPr>
+            <a:spLocks noGrp="1"/>
+          </p:cNvSpPr>
+          <p:nvPr>
+            <p:ph type="sldNum" sz="quarter" idx="10"/>
+          </p:nvPr>
+        </p:nvSpPr>
+        <p:spPr/>
+        <p:txBody>
+          <a:bodyPr/>
+          <a:lstStyle/>
+          <a:p>
+            <a:fld id="{2169F59F-0EB0-7641-AD82-6C091FC4275B}" type="slidenum">
+              <a:rPr lang="en-US" smtClean="0"/>
+              <a:t>57</a:t>
+            </a:fld>
+            <a:endParaRPr lang="en-US"/>
+          </a:p>
+        </p:txBody>
+      </p:sp>
+    </p:spTree>
+    <p:extLst>
+      <p:ext uri="{BB962C8B-B14F-4D97-AF65-F5344CB8AC3E}">
+        <p14:creationId xmlns:p14="http://schemas.microsoft.com/office/powerpoint/2010/main" val="2774859149"/>
+      </p:ext>
+    </p:extLst>
+  </p:cSld>
+  <p:clrMapOvr>
+    <a:masterClrMapping/>
+  </p:clrMapOvr>
+</p:notes>
+</file>
+
 <file path=ppt/notesSlides/notesSlide2.xml><?xml version="1.0" encoding="utf-8"?>
 <p:notes xmlns:a="http://schemas.openxmlformats.org/drawingml/2006/main" xmlns:r="http://schemas.openxmlformats.org/officeDocument/2006/relationships" xmlns:p="http://schemas.openxmlformats.org/presentationml/2006/main">
   <p:cSld>
@@ -1537,7 +2210,7 @@
     </p:spTree>
     <p:extLst>
       <p:ext uri="{BB962C8B-B14F-4D97-AF65-F5344CB8AC3E}">
-        <p14:creationId xmlns:p14="http://schemas.microsoft.com/office/powerpoint/2010/main" val="1523197582"/>
+        <p14:creationId xmlns:p14="http://schemas.microsoft.com/office/powerpoint/2010/main" val="59523337"/>
       </p:ext>
     </p:extLst>
   </p:cSld>
@@ -1621,7 +2294,7 @@
     </p:spTree>
     <p:extLst>
       <p:ext uri="{BB962C8B-B14F-4D97-AF65-F5344CB8AC3E}">
-        <p14:creationId xmlns:p14="http://schemas.microsoft.com/office/powerpoint/2010/main" val="59523337"/>
+        <p14:creationId xmlns:p14="http://schemas.microsoft.com/office/powerpoint/2010/main" val="1523197582"/>
       </p:ext>
     </p:extLst>
   </p:cSld>
@@ -1843,7 +2516,37 @@
           <a:bodyPr/>
           <a:lstStyle/>
           <a:p>
-            <a:endParaRPr lang="en-US"/>
+            <a:pPr marL="0" marR="0" lvl="0" indent="0" algn="l" defTabSz="914400" rtl="0" eaLnBrk="1" fontAlgn="auto" latinLnBrk="0" hangingPunct="1">
+              <a:lnSpc>
+                <a:spcPct val="100000"/>
+              </a:lnSpc>
+              <a:spcBef>
+                <a:spcPts val="0"/>
+              </a:spcBef>
+              <a:spcAft>
+                <a:spcPts val="0"/>
+              </a:spcAft>
+              <a:buClrTx/>
+              <a:buSzTx/>
+              <a:buFontTx/>
+              <a:buNone/>
+              <a:tabLst/>
+              <a:defRPr/>
+            </a:pPr>
+            <a:r>
+              <a:rPr lang="en-US" sz="1200" dirty="0"/>
+              <a:t>Batch mode versions of Execution Plan operators like </a:t>
+            </a:r>
+            <a:br>
+              <a:rPr lang="en-US" sz="1200" dirty="0"/>
+            </a:br>
+            <a:r>
+              <a:rPr lang="en-US" sz="1200" dirty="0"/>
+              <a:t>bitmap filters, hash joins, hash-based aggregates, sorts, window aggregates, filters, concatenation, compute scalars.</a:t>
+            </a:r>
+          </a:p>
+          <a:p>
+            <a:endParaRPr lang="en-US" dirty="0"/>
           </a:p>
         </p:txBody>
       </p:sp>
@@ -1854,7 +2557,7 @@
             <a:spLocks noGrp="1"/>
           </p:cNvSpPr>
           <p:nvPr>
-            <p:ph type="sldNum" sz="quarter" idx="10"/>
+            <p:ph type="sldNum" sz="quarter" idx="5"/>
           </p:nvPr>
         </p:nvSpPr>
         <p:spPr/>
@@ -1862,9 +2565,9 @@
           <a:bodyPr/>
           <a:lstStyle/>
           <a:p>
-            <a:fld id="{2169F59F-0EB0-7641-AD82-6C091FC4275B}" type="slidenum">
+            <a:fld id="{0FA5C2AB-72C2-4F1F-8100-3B56372C9376}" type="slidenum">
               <a:rPr lang="en-US" smtClean="0"/>
-              <a:t>56</a:t>
+              <a:t>46</a:t>
             </a:fld>
             <a:endParaRPr lang="en-US"/>
           </a:p>
@@ -1873,7 +2576,7 @@
     </p:spTree>
     <p:extLst>
       <p:ext uri="{BB962C8B-B14F-4D97-AF65-F5344CB8AC3E}">
-        <p14:creationId xmlns:p14="http://schemas.microsoft.com/office/powerpoint/2010/main" val="3379240988"/>
+        <p14:creationId xmlns:p14="http://schemas.microsoft.com/office/powerpoint/2010/main" val="1011401976"/>
       </p:ext>
     </p:extLst>
   </p:cSld>
@@ -1927,7 +2630,14 @@
           <a:bodyPr/>
           <a:lstStyle/>
           <a:p>
-            <a:endParaRPr lang="en-US"/>
+            <a:r>
+              <a:rPr lang="en-US" dirty="0" err="1"/>
+              <a:t>california</a:t>
+            </a:r>
+            <a:r>
+              <a:rPr lang="en-US" dirty="0"/>
+              <a:t> consumer privacy act</a:t>
+            </a:r>
           </a:p>
         </p:txBody>
       </p:sp>
@@ -1938,7 +2648,7 @@
             <a:spLocks noGrp="1"/>
           </p:cNvSpPr>
           <p:nvPr>
-            <p:ph type="sldNum" sz="quarter" idx="10"/>
+            <p:ph type="sldNum" sz="quarter" idx="5"/>
           </p:nvPr>
         </p:nvSpPr>
         <p:spPr/>
@@ -1946,9 +2656,9 @@
           <a:bodyPr/>
           <a:lstStyle/>
           <a:p>
-            <a:fld id="{2169F59F-0EB0-7641-AD82-6C091FC4275B}" type="slidenum">
+            <a:fld id="{0FA5C2AB-72C2-4F1F-8100-3B56372C9376}" type="slidenum">
               <a:rPr lang="en-US" smtClean="0"/>
-              <a:t>57</a:t>
+              <a:t>53</a:t>
             </a:fld>
             <a:endParaRPr lang="en-US"/>
           </a:p>
@@ -1957,7 +2667,7 @@
     </p:spTree>
     <p:extLst>
       <p:ext uri="{BB962C8B-B14F-4D97-AF65-F5344CB8AC3E}">
-        <p14:creationId xmlns:p14="http://schemas.microsoft.com/office/powerpoint/2010/main" val="2167711862"/>
+        <p14:creationId xmlns:p14="http://schemas.microsoft.com/office/powerpoint/2010/main" val="3116003658"/>
       </p:ext>
     </p:extLst>
   </p:cSld>
@@ -2032,7 +2742,7 @@
           <a:p>
             <a:fld id="{2169F59F-0EB0-7641-AD82-6C091FC4275B}" type="slidenum">
               <a:rPr lang="en-US" smtClean="0"/>
-              <a:t>58</a:t>
+              <a:t>55</a:t>
             </a:fld>
             <a:endParaRPr lang="en-US"/>
           </a:p>
@@ -2041,7 +2751,7 @@
     </p:spTree>
     <p:extLst>
       <p:ext uri="{BB962C8B-B14F-4D97-AF65-F5344CB8AC3E}">
-        <p14:creationId xmlns:p14="http://schemas.microsoft.com/office/powerpoint/2010/main" val="2774859149"/>
+        <p14:creationId xmlns:p14="http://schemas.microsoft.com/office/powerpoint/2010/main" val="3379240988"/>
       </p:ext>
     </p:extLst>
   </p:cSld>
@@ -11683,7 +12393,7 @@
           <a:p>
             <a:fld id="{73B86625-C2D0-43E1-A831-5EEBAAFB5F44}" type="datetimeFigureOut">
               <a:rPr lang="en-US" smtClean="0"/>
-              <a:t>3/6/2020</a:t>
+              <a:t>3/25/2020</a:t>
             </a:fld>
             <a:endParaRPr lang="en-US"/>
           </a:p>
@@ -17154,7 +17864,7 @@
         <p:spPr>
           <a:xfrm>
             <a:off x="146184" y="1113837"/>
-            <a:ext cx="10908751" cy="4031873"/>
+            <a:ext cx="10908751" cy="4524315"/>
           </a:xfrm>
           <a:prstGeom prst="rect">
             <a:avLst/>
@@ -17177,7 +17887,7 @@
             </a:r>
             <a:r>
               <a:rPr lang="en-US" sz="3200" dirty="0"/>
-              <a:t>only, not Azure VM’s</a:t>
+              <a:t>benefit from Unlimited Virtualization</a:t>
             </a:r>
           </a:p>
           <a:p>
@@ -17187,7 +17897,7 @@
             </a:pPr>
             <a:r>
               <a:rPr lang="en-US" sz="3200" dirty="0"/>
-              <a:t>Provides physical servers in the Azure Data center</a:t>
+              <a:t>Not regular Azure VM’s</a:t>
             </a:r>
           </a:p>
           <a:p>
@@ -17197,7 +17907,7 @@
             </a:pPr>
             <a:r>
               <a:rPr lang="en-US" sz="3200" dirty="0"/>
-              <a:t>Not co-lo, the dedicated hosts are part of Azure standard</a:t>
+              <a:t>Provides dedicated physical servers in the Azure DC</a:t>
             </a:r>
           </a:p>
           <a:p>
@@ -17207,6 +17917,24 @@
             </a:pPr>
             <a:r>
               <a:rPr lang="en-US" sz="3200" dirty="0"/>
+              <a:t>Not </a:t>
+            </a:r>
+            <a:r>
+              <a:rPr lang="en-US" sz="3200" dirty="0" err="1"/>
+              <a:t>colo</a:t>
+            </a:r>
+            <a:r>
+              <a:rPr lang="en-US" sz="3200" dirty="0"/>
+              <a:t>, the dedicated hosts are Azure standard OEM</a:t>
+            </a:r>
+          </a:p>
+          <a:p>
+            <a:pPr marL="914400" lvl="1" indent="-457200">
+              <a:buFont typeface="Arial" panose="020B0604020202020204" pitchFamily="34" charset="0"/>
+              <a:buChar char="•"/>
+            </a:pPr>
+            <a:r>
+              <a:rPr lang="en-US" sz="3200" dirty="0"/>
               <a:t>Bring your on-prem, </a:t>
             </a:r>
             <a:r>
@@ -17236,10 +17964,6 @@
             </a:r>
           </a:p>
           <a:p>
-            <a:pPr marL="457200" indent="-457200">
-              <a:buFont typeface="Arial" panose="020B0604020202020204" pitchFamily="34" charset="0"/>
-              <a:buChar char="•"/>
-            </a:pPr>
             <a:endParaRPr lang="en-US" sz="3200" dirty="0"/>
           </a:p>
           <a:p>
@@ -17402,7 +18126,15 @@
             </a:pPr>
             <a:r>
               <a:rPr lang="en-US" sz="3200" dirty="0"/>
-              <a:t>You can use your license for both your existing on-prem SQL Server and an Azure SQL platform for up to 180 days while you migrate.	</a:t>
+              <a:t>You can use your license for </a:t>
+            </a:r>
+            <a:r>
+              <a:rPr lang="en-US" sz="3200" b="1" dirty="0"/>
+              <a:t>both</a:t>
+            </a:r>
+            <a:r>
+              <a:rPr lang="en-US" sz="3200" dirty="0"/>
+              <a:t> your existing on-prem SQL Server and an Azure SQL platform for up to 180 days while you migrate.	</a:t>
             </a:r>
           </a:p>
           <a:p>
@@ -17568,7 +18300,7 @@
             </a:pPr>
             <a:r>
               <a:rPr lang="en-US" sz="3600" dirty="0"/>
-              <a:t>Support for integrated Active Directory auth</a:t>
+              <a:t>Support for Active Directory integrated auth</a:t>
             </a:r>
           </a:p>
           <a:p>
@@ -17578,7 +18310,7 @@
             </a:pPr>
             <a:r>
               <a:rPr lang="en-US" sz="3600" dirty="0"/>
-              <a:t>Linux cluster managers like Pacemaker can be used</a:t>
+              <a:t>Linux cluster managers like Pacemaker instead of WSFC</a:t>
             </a:r>
           </a:p>
           <a:p>
@@ -17624,7 +18356,7 @@
 </file>
 
 <file path=ppt/slides/slide14.xml><?xml version="1.0" encoding="utf-8"?>
-<p:sld xmlns:a="http://schemas.openxmlformats.org/drawingml/2006/main" xmlns:r="http://schemas.openxmlformats.org/officeDocument/2006/relationships" xmlns:p="http://schemas.openxmlformats.org/presentationml/2006/main" show="0">
+<p:sld xmlns:a="http://schemas.openxmlformats.org/drawingml/2006/main" xmlns:r="http://schemas.openxmlformats.org/officeDocument/2006/relationships" xmlns:p="http://schemas.openxmlformats.org/presentationml/2006/main">
   <p:cSld>
     <p:spTree>
       <p:nvGrpSpPr>
@@ -17662,7 +18394,7 @@
           <a:p>
             <a:r>
               <a:rPr lang="en-US" b="1" dirty="0"/>
-              <a:t>SQL Server on Linux</a:t>
+              <a:t>SQL Server on Linux Tooling</a:t>
             </a:r>
           </a:p>
         </p:txBody>
@@ -17682,7 +18414,7 @@
         <p:spPr>
           <a:xfrm>
             <a:off x="211569" y="1382945"/>
-            <a:ext cx="11128648" cy="4524315"/>
+            <a:ext cx="11128648" cy="4031873"/>
           </a:xfrm>
           <a:prstGeom prst="rect">
             <a:avLst/>
@@ -17694,36 +18426,48 @@
           </a:bodyPr>
           <a:lstStyle/>
           <a:p>
-            <a:r>
-              <a:rPr lang="en-US" sz="3200" dirty="0"/>
-              <a:t>SQL Server “mssql-server” installs on Linux, but SSMS won’t.</a:t>
-            </a:r>
-          </a:p>
-          <a:p>
-            <a:br>
-              <a:rPr lang="en-US" sz="3200" dirty="0"/>
-            </a:br>
-            <a:r>
-              <a:rPr lang="en-US" sz="3200" dirty="0"/>
-              <a:t>Options for tooling on Linux:</a:t>
-            </a:r>
-          </a:p>
-          <a:p>
             <a:pPr marL="457200" indent="-457200">
               <a:buFont typeface="Arial" panose="020B0604020202020204" pitchFamily="34" charset="0"/>
               <a:buChar char="•"/>
             </a:pPr>
             <a:r>
               <a:rPr lang="en-US" sz="3200" dirty="0"/>
-              <a:t>Install </a:t>
-            </a:r>
-            <a:r>
-              <a:rPr lang="en-US" sz="3200" b="1" dirty="0"/>
-              <a:t>SSMS</a:t>
-            </a:r>
+              <a:t>Linux tools: SQL Server “mssql-server”</a:t>
+            </a:r>
+          </a:p>
+          <a:p>
+            <a:pPr marL="914400" lvl="1" indent="-457200">
+              <a:buFont typeface="Arial" panose="020B0604020202020204" pitchFamily="34" charset="0"/>
+              <a:buChar char="•"/>
+            </a:pPr>
             <a:r>
               <a:rPr lang="en-US" sz="3200" dirty="0"/>
-              <a:t> on Windows, manage SQL on Linux remotely</a:t>
+              <a:t>command-line tools </a:t>
+            </a:r>
+            <a:r>
+              <a:rPr lang="en-US" sz="3200" dirty="0" err="1"/>
+              <a:t>Sqlcmd</a:t>
+            </a:r>
+            <a:r>
+              <a:rPr lang="en-US" sz="3200" dirty="0"/>
+              <a:t>, </a:t>
+            </a:r>
+            <a:r>
+              <a:rPr lang="en-US" sz="3200" dirty="0" err="1"/>
+              <a:t>bcp</a:t>
+            </a:r>
+            <a:r>
+              <a:rPr lang="en-US" sz="3200" dirty="0"/>
+              <a:t>, drivers and more on Linux </a:t>
+            </a:r>
+          </a:p>
+          <a:p>
+            <a:endParaRPr lang="en-US" sz="3200" dirty="0"/>
+          </a:p>
+          <a:p>
+            <a:r>
+              <a:rPr lang="en-US" sz="3200" dirty="0"/>
+              <a:t>Otherwise, tooling is the same:</a:t>
             </a:r>
           </a:p>
           <a:p>
@@ -17733,23 +18477,15 @@
             </a:pPr>
             <a:r>
               <a:rPr lang="en-US" sz="3200" dirty="0"/>
-              <a:t>“</a:t>
+              <a:t>Install </a:t>
             </a:r>
             <a:r>
               <a:rPr lang="en-US" sz="3200" b="1" dirty="0"/>
-              <a:t>mssql-tools</a:t>
+              <a:t>SSMS</a:t>
             </a:r>
             <a:r>
               <a:rPr lang="en-US" sz="3200" dirty="0"/>
-              <a:t>” installs command-line tools </a:t>
-            </a:r>
-            <a:r>
-              <a:rPr lang="en-US" sz="3200" dirty="0" err="1"/>
-              <a:t>Sqlcmd</a:t>
-            </a:r>
-            <a:r>
-              <a:rPr lang="en-US" sz="3200" dirty="0"/>
-              <a:t>, bcp, drivers and more on Linux </a:t>
+              <a:t> on Windows, manage SQL on Linux remotely</a:t>
             </a:r>
           </a:p>
           <a:p>
@@ -17763,7 +18499,7 @@
             </a:r>
             <a:r>
               <a:rPr lang="en-US" sz="3200" dirty="0"/>
-              <a:t>– cross-platform SQL management software that is, based Visual Studio Code</a:t>
+              <a:t>– lightweight, cross-platform SQL Server management software based Visual Studio Code</a:t>
             </a:r>
           </a:p>
           <a:p>
@@ -17772,7 +18508,7 @@
               <a:buChar char="•"/>
             </a:pPr>
             <a:r>
-              <a:rPr lang="en-US" sz="3200" b="1" dirty="0"/>
+              <a:rPr lang="en-US" sz="3200" dirty="0"/>
               <a:t>Third party software</a:t>
             </a:r>
           </a:p>
@@ -17877,7 +18613,7 @@
             </a:pPr>
             <a:r>
               <a:rPr lang="en-US" sz="3000" dirty="0"/>
-              <a:t>The entire data lake within SQL Server 2019 product</a:t>
+              <a:t>The entire data lake within SQL Server 2019</a:t>
             </a:r>
           </a:p>
         </p:txBody>
@@ -17943,26 +18679,26 @@
         </p:nvSpPr>
         <p:spPr>
           <a:xfrm>
-            <a:off x="1017674" y="5888979"/>
-            <a:ext cx="5759450" cy="461665"/>
+            <a:off x="1017674" y="5888978"/>
+            <a:ext cx="7710690" cy="230832"/>
           </a:xfrm>
           <a:prstGeom prst="rect">
             <a:avLst/>
           </a:prstGeom>
         </p:spPr>
         <p:txBody>
-          <a:bodyPr>
+          <a:bodyPr wrap="square">
             <a:spAutoFit/>
           </a:bodyPr>
           <a:lstStyle/>
           <a:p>
             <a:r>
-              <a:rPr lang="en-US" sz="1200" dirty="0">
+              <a:rPr lang="en-US" sz="900" dirty="0">
                 <a:hlinkClick r:id="rId3"/>
               </a:rPr>
               <a:t>https://cloudblogs.microsoft.com/sqlserver/2018/09/24/sql-server-2019-preview-combines-sql-server-and-apache-spark-to-create-a-unified-data-platform/</a:t>
             </a:r>
-            <a:endParaRPr lang="en-US" sz="1200" dirty="0"/>
+            <a:endParaRPr lang="en-US" sz="900" dirty="0"/>
           </a:p>
         </p:txBody>
       </p:sp>
@@ -18218,7 +18954,7 @@
         <p:spPr>
           <a:xfrm>
             <a:off x="211568" y="1382945"/>
-            <a:ext cx="4268991" cy="4524315"/>
+            <a:ext cx="4343807" cy="4524315"/>
           </a:xfrm>
           <a:prstGeom prst="rect">
             <a:avLst/>
@@ -18243,15 +18979,26 @@
             </a:br>
             <a:r>
               <a:rPr lang="en-US" sz="3200" dirty="0"/>
-              <a:t>non-Microsoft, non-relational with </a:t>
-            </a:r>
-            <a:r>
-              <a:rPr lang="en-US" sz="3200" dirty="0" err="1"/>
+              <a:t>non-Microsoft, </a:t>
+            </a:r>
+            <a:br>
+              <a:rPr lang="en-US" sz="3200" dirty="0"/>
+            </a:br>
+            <a:r>
+              <a:rPr lang="en-US" sz="3200" dirty="0"/>
+              <a:t>non-relational data with </a:t>
+            </a:r>
+            <a:r>
+              <a:rPr lang="en-US" sz="3200" b="1" dirty="0" err="1"/>
               <a:t>PolyBase</a:t>
             </a:r>
             <a:r>
+              <a:rPr lang="en-US" sz="3200" b="1" dirty="0"/>
+              <a:t> External Tables </a:t>
+            </a:r>
+            <a:r>
               <a:rPr lang="en-US" sz="3200" dirty="0"/>
-              <a:t> External Tables aka “Data Virtualization”</a:t>
+              <a:t>aka “Data Virtualization”</a:t>
             </a:r>
           </a:p>
           <a:p>
@@ -18261,14 +19008,14 @@
             </a:pPr>
             <a:r>
               <a:rPr lang="en-US" sz="3200" dirty="0"/>
-              <a:t>That’s right, query Oracle or DB2, </a:t>
+              <a:t>That’s right, query Oracle or DB2 </a:t>
             </a:r>
             <a:br>
               <a:rPr lang="en-US" sz="3200" dirty="0"/>
             </a:br>
             <a:r>
               <a:rPr lang="en-US" sz="3200" dirty="0"/>
-              <a:t>with T-SQL.</a:t>
+              <a:t>with Microsoft T-SQL</a:t>
             </a:r>
           </a:p>
         </p:txBody>
@@ -19325,7 +20072,7 @@
         <p:spPr>
           <a:xfrm>
             <a:off x="110985" y="1172633"/>
-            <a:ext cx="11128648" cy="4216539"/>
+            <a:ext cx="11128648" cy="4770537"/>
           </a:xfrm>
           <a:prstGeom prst="rect">
             <a:avLst/>
@@ -19354,6 +20101,16 @@
             <a:r>
               <a:rPr lang="en-US" sz="3600" dirty="0"/>
               <a:t>This is a big deal!</a:t>
+            </a:r>
+          </a:p>
+          <a:p>
+            <a:pPr marL="1028700" lvl="1" indent="-571500">
+              <a:buFont typeface="Arial" panose="020B0604020202020204" pitchFamily="34" charset="0"/>
+              <a:buChar char="•"/>
+            </a:pPr>
+            <a:r>
+              <a:rPr lang="en-US" sz="3600" dirty="0"/>
+              <a:t>TDE is “Encrypt Data at Rest” audit solution feature</a:t>
             </a:r>
           </a:p>
           <a:p>
@@ -19674,7 +20431,7 @@
         <p:spPr>
           <a:xfrm>
             <a:off x="211569" y="1324222"/>
-            <a:ext cx="11128648" cy="4832092"/>
+            <a:ext cx="11128648" cy="4401205"/>
           </a:xfrm>
           <a:prstGeom prst="rect">
             <a:avLst/>
@@ -19692,7 +20449,55 @@
             </a:pPr>
             <a:r>
               <a:rPr lang="en-US" sz="3600" dirty="0"/>
-              <a:t>Columnstore indexes aren’t new</a:t>
+              <a:t>Extremely effective for queries on 10+ million rows</a:t>
+            </a:r>
+          </a:p>
+          <a:p>
+            <a:pPr marL="457200" indent="-457200">
+              <a:buFont typeface="Arial" panose="020B0604020202020204" pitchFamily="34" charset="0"/>
+              <a:buChar char="•"/>
+            </a:pPr>
+            <a:r>
+              <a:rPr lang="en-US" sz="3600" dirty="0"/>
+              <a:t>Relatively new (introduced in 2012, limited until 2016)</a:t>
+            </a:r>
+          </a:p>
+          <a:p>
+            <a:pPr marL="457200" indent="-457200">
+              <a:buFont typeface="Arial" panose="020B0604020202020204" pitchFamily="34" charset="0"/>
+              <a:buChar char="•"/>
+            </a:pPr>
+            <a:r>
+              <a:rPr lang="en-US" sz="3600" dirty="0"/>
+              <a:t>Not a </a:t>
+            </a:r>
+            <a:r>
+              <a:rPr lang="en-US" sz="3600" dirty="0" err="1"/>
+              <a:t>B+tree</a:t>
+            </a:r>
+            <a:r>
+              <a:rPr lang="en-US" sz="3600" dirty="0"/>
+              <a:t>; highly compressed columnar data  </a:t>
+            </a:r>
+          </a:p>
+          <a:p>
+            <a:pPr marL="457200" indent="-457200">
+              <a:buFont typeface="Arial" panose="020B0604020202020204" pitchFamily="34" charset="0"/>
+              <a:buChar char="•"/>
+            </a:pPr>
+            <a:r>
+              <a:rPr lang="en-US" sz="3600" dirty="0"/>
+              <a:t>Available in all editions of SQL Server, not just Enterprise</a:t>
+            </a:r>
+          </a:p>
+          <a:p>
+            <a:pPr marL="457200" indent="-457200">
+              <a:buFont typeface="Arial" panose="020B0604020202020204" pitchFamily="34" charset="0"/>
+              <a:buChar char="•"/>
+            </a:pPr>
+            <a:r>
+              <a:rPr lang="en-US" sz="3600" dirty="0"/>
+              <a:t>New in SQL 2019: </a:t>
             </a:r>
           </a:p>
           <a:p>
@@ -19702,7 +20507,7 @@
             </a:pPr>
             <a:r>
               <a:rPr lang="en-US" sz="3200" dirty="0"/>
-              <a:t>Around since SQL 2012, but read-only, and limited use</a:t>
+              <a:t>Improved internals for memory management</a:t>
             </a:r>
           </a:p>
           <a:p>
@@ -19712,74 +20517,13 @@
             </a:pPr>
             <a:r>
               <a:rPr lang="en-US" sz="3200" dirty="0"/>
-              <a:t>Read/writeable in SQL 2016 </a:t>
-            </a:r>
-          </a:p>
-          <a:p>
-            <a:pPr marL="457200" indent="-457200">
-              <a:buFont typeface="Arial" panose="020B0604020202020204" pitchFamily="34" charset="0"/>
-              <a:buChar char="•"/>
-            </a:pPr>
-            <a:r>
-              <a:rPr lang="en-US" sz="3600" dirty="0"/>
-              <a:t>Not a </a:t>
-            </a:r>
-            <a:r>
-              <a:rPr lang="en-US" sz="3600" dirty="0" err="1"/>
-              <a:t>B+tree</a:t>
-            </a:r>
-            <a:r>
-              <a:rPr lang="en-US" sz="3600" dirty="0"/>
-              <a:t>; highly compressed columnar data  </a:t>
-            </a:r>
-          </a:p>
-          <a:p>
-            <a:pPr marL="457200" indent="-457200">
-              <a:buFont typeface="Arial" panose="020B0604020202020204" pitchFamily="34" charset="0"/>
-              <a:buChar char="•"/>
-            </a:pPr>
-            <a:r>
-              <a:rPr lang="en-US" sz="3600" dirty="0"/>
-              <a:t>Extremely effective for queries on 10+ million rows</a:t>
-            </a:r>
-          </a:p>
-          <a:p>
-            <a:pPr marL="457200" indent="-457200">
-              <a:buFont typeface="Arial" panose="020B0604020202020204" pitchFamily="34" charset="0"/>
-              <a:buChar char="•"/>
-            </a:pPr>
-            <a:r>
-              <a:rPr lang="en-US" sz="3600" dirty="0"/>
-              <a:t>New in SQL 2019: </a:t>
-            </a:r>
-          </a:p>
-          <a:p>
-            <a:pPr marL="914400" lvl="1" indent="-457200">
-              <a:buFont typeface="Arial" panose="020B0604020202020204" pitchFamily="34" charset="0"/>
-              <a:buChar char="•"/>
-            </a:pPr>
-            <a:r>
-              <a:rPr lang="en-US" sz="3200" dirty="0"/>
-              <a:t>Improved internals for memory management.</a:t>
-            </a:r>
-          </a:p>
-          <a:p>
-            <a:pPr marL="914400" lvl="1" indent="-457200">
-              <a:buFont typeface="Arial" panose="020B0604020202020204" pitchFamily="34" charset="0"/>
-              <a:buChar char="•"/>
-            </a:pPr>
-            <a:r>
-              <a:rPr lang="en-US" sz="3200" dirty="0"/>
               <a:t>Improved performance of bulk loading to </a:t>
             </a:r>
             <a:r>
               <a:rPr lang="en-US" sz="3200" dirty="0" err="1"/>
               <a:t>columnstore</a:t>
             </a:r>
-            <a:r>
-              <a:rPr lang="en-US" sz="3200" dirty="0"/>
-              <a:t>.</a:t>
-            </a:r>
+            <a:endParaRPr lang="en-US" sz="3200" dirty="0"/>
           </a:p>
           <a:p>
             <a:pPr marL="457200" indent="-457200">
@@ -20319,7 +21063,7 @@
         <p:spPr>
           <a:xfrm>
             <a:off x="110985" y="1172633"/>
-            <a:ext cx="11128648" cy="2123658"/>
+            <a:ext cx="11128648" cy="5693866"/>
           </a:xfrm>
           <a:prstGeom prst="rect">
             <a:avLst/>
@@ -20337,7 +21081,24 @@
             </a:pPr>
             <a:r>
               <a:rPr lang="en-US" sz="3600" dirty="0"/>
-              <a:t>With minimal/no code changes, run SSIS packages in Azure Integrated Runtime (IR) instead of a SQL instance on-prem or in an Azure VM.</a:t>
+              <a:t>Minimal/no code changes, run SSIS packages in Azure</a:t>
+            </a:r>
+          </a:p>
+          <a:p>
+            <a:pPr marL="571500" indent="-571500">
+              <a:buFont typeface="Arial" panose="020B0604020202020204" pitchFamily="34" charset="0"/>
+              <a:buChar char="•"/>
+            </a:pPr>
+            <a:endParaRPr lang="en-US" sz="3600" dirty="0"/>
+          </a:p>
+          <a:p>
+            <a:pPr marL="571500" indent="-571500">
+              <a:buFont typeface="Arial" panose="020B0604020202020204" pitchFamily="34" charset="0"/>
+              <a:buChar char="•"/>
+            </a:pPr>
+            <a:r>
+              <a:rPr lang="en-US" sz="3600" dirty="0"/>
+              <a:t>Part of Data Factory v2</a:t>
             </a:r>
           </a:p>
           <a:p>
@@ -20346,61 +21107,69 @@
               <a:buChar char="•"/>
             </a:pPr>
             <a:r>
-              <a:rPr lang="en-US" sz="2400" dirty="0"/>
-              <a:t>More info: </a:t>
-            </a:r>
+              <a:rPr lang="en-US" sz="3200" dirty="0"/>
+              <a:t>Cloud-based ETL alternative to </a:t>
+            </a:r>
+            <a:r>
+              <a:rPr lang="en-US" sz="3200" dirty="0" err="1"/>
+              <a:t>Boomi</a:t>
+            </a:r>
+            <a:r>
+              <a:rPr lang="en-US" sz="3200" dirty="0"/>
+              <a:t>, </a:t>
+            </a:r>
+            <a:r>
+              <a:rPr lang="en-US" sz="3200" dirty="0" err="1"/>
+              <a:t>Mulesoft</a:t>
+            </a:r>
+            <a:endParaRPr lang="en-US" sz="3200" dirty="0"/>
+          </a:p>
+          <a:p>
+            <a:pPr marL="1028700" lvl="1" indent="-571500">
+              <a:buFont typeface="Arial" panose="020B0604020202020204" pitchFamily="34" charset="0"/>
+              <a:buChar char="•"/>
+            </a:pPr>
+            <a:endParaRPr lang="en-US" sz="3200" dirty="0"/>
+          </a:p>
+          <a:p>
+            <a:pPr marL="571500" indent="-571500">
+              <a:buFont typeface="Arial" panose="020B0604020202020204" pitchFamily="34" charset="0"/>
+              <a:buChar char="•"/>
+            </a:pPr>
+            <a:r>
+              <a:rPr lang="en-US" sz="3600" dirty="0"/>
+              <a:t>Azure Integrated Runtime (IR) instead of a SQL instance on-prem or in an Azure VM</a:t>
+            </a:r>
+          </a:p>
+          <a:p>
+            <a:pPr marL="571500" indent="-571500">
+              <a:buFont typeface="Arial" panose="020B0604020202020204" pitchFamily="34" charset="0"/>
+              <a:buChar char="•"/>
+            </a:pPr>
+            <a:endParaRPr lang="en-US" sz="3600" dirty="0"/>
+          </a:p>
+          <a:p>
+            <a:pPr marL="571500" indent="-571500">
+              <a:buFont typeface="Arial" panose="020B0604020202020204" pitchFamily="34" charset="0"/>
+              <a:buChar char="•"/>
+            </a:pPr>
+            <a:endParaRPr lang="en-US" sz="3600" dirty="0"/>
+          </a:p>
+          <a:p>
             <a:r>
               <a:rPr lang="en-US" sz="1200" dirty="0">
                 <a:hlinkClick r:id="rId2"/>
               </a:rPr>
               <a:t>https://docs.microsoft.com/en-us/azure/data-factory/tutorial-deploy-ssis-packages-azure</a:t>
             </a:r>
-            <a:endParaRPr lang="en-US" sz="1100" dirty="0"/>
-          </a:p>
-        </p:txBody>
-      </p:sp>
-      <p:sp>
-        <p:nvSpPr>
-          <p:cNvPr id="3" name="Rectangle 2">
-            <a:extLst>
-              <a:ext uri="{FF2B5EF4-FFF2-40B4-BE49-F238E27FC236}">
-                <a16:creationId xmlns:a16="http://schemas.microsoft.com/office/drawing/2014/main" id="{B41B3BEA-427F-451C-A605-E0C341468C30}"/>
-              </a:ext>
-            </a:extLst>
-          </p:cNvPr>
-          <p:cNvSpPr/>
-          <p:nvPr/>
-        </p:nvSpPr>
-        <p:spPr>
-          <a:xfrm>
-            <a:off x="110985" y="3528894"/>
-            <a:ext cx="10979283" cy="1077218"/>
-          </a:xfrm>
-          <a:prstGeom prst="rect">
-            <a:avLst/>
-          </a:prstGeom>
-        </p:spPr>
-        <p:txBody>
-          <a:bodyPr wrap="square">
-            <a:spAutoFit/>
-          </a:bodyPr>
-          <a:lstStyle/>
+            <a:endParaRPr lang="en-US" sz="1200" dirty="0"/>
+          </a:p>
           <a:p>
             <a:pPr marL="571500" indent="-571500">
               <a:buFont typeface="Arial" panose="020B0604020202020204" pitchFamily="34" charset="0"/>
               <a:buChar char="•"/>
             </a:pPr>
-            <a:r>
-              <a:rPr lang="en-US" sz="3200" dirty="0"/>
-              <a:t>Side note: Data Factory v1 was just terrible, </a:t>
-            </a:r>
-            <a:br>
-              <a:rPr lang="en-US" sz="3200" dirty="0"/>
-            </a:br>
-            <a:r>
-              <a:rPr lang="en-US" sz="3200" dirty="0"/>
-              <a:t>replaced by v2 (much better)</a:t>
-            </a:r>
+            <a:endParaRPr lang="en-US" sz="3600" dirty="0"/>
           </a:p>
         </p:txBody>
       </p:sp>
@@ -20414,89 +21183,11 @@
   <p:clrMapOvr>
     <a:masterClrMapping/>
   </p:clrMapOvr>
-  <p:timing>
-    <p:tnLst>
-      <p:par>
-        <p:cTn id="1" dur="indefinite" restart="never" nodeType="tmRoot">
-          <p:childTnLst>
-            <p:seq concurrent="1" nextAc="seek">
-              <p:cTn id="2" dur="indefinite" nodeType="mainSeq">
-                <p:childTnLst>
-                  <p:par>
-                    <p:cTn id="3" fill="hold">
-                      <p:stCondLst>
-                        <p:cond delay="indefinite"/>
-                      </p:stCondLst>
-                      <p:childTnLst>
-                        <p:par>
-                          <p:cTn id="4" fill="hold">
-                            <p:stCondLst>
-                              <p:cond delay="0"/>
-                            </p:stCondLst>
-                            <p:childTnLst>
-                              <p:par>
-                                <p:cTn id="5" presetID="1" presetClass="entr" presetSubtype="0" fill="hold" grpId="0" nodeType="clickEffect">
-                                  <p:stCondLst>
-                                    <p:cond delay="0"/>
-                                  </p:stCondLst>
-                                  <p:childTnLst>
-                                    <p:set>
-                                      <p:cBhvr>
-                                        <p:cTn id="6" dur="1" fill="hold">
-                                          <p:stCondLst>
-                                            <p:cond delay="0"/>
-                                          </p:stCondLst>
-                                        </p:cTn>
-                                        <p:tgtEl>
-                                          <p:spTgt spid="3"/>
-                                        </p:tgtEl>
-                                        <p:attrNameLst>
-                                          <p:attrName>style.visibility</p:attrName>
-                                        </p:attrNameLst>
-                                      </p:cBhvr>
-                                      <p:to>
-                                        <p:strVal val="visible"/>
-                                      </p:to>
-                                    </p:set>
-                                  </p:childTnLst>
-                                </p:cTn>
-                              </p:par>
-                            </p:childTnLst>
-                          </p:cTn>
-                        </p:par>
-                      </p:childTnLst>
-                    </p:cTn>
-                  </p:par>
-                </p:childTnLst>
-              </p:cTn>
-              <p:prevCondLst>
-                <p:cond evt="onPrev" delay="0">
-                  <p:tgtEl>
-                    <p:sldTgt/>
-                  </p:tgtEl>
-                </p:cond>
-              </p:prevCondLst>
-              <p:nextCondLst>
-                <p:cond evt="onNext" delay="0">
-                  <p:tgtEl>
-                    <p:sldTgt/>
-                  </p:tgtEl>
-                </p:cond>
-              </p:nextCondLst>
-            </p:seq>
-          </p:childTnLst>
-        </p:cTn>
-      </p:par>
-    </p:tnLst>
-    <p:bldLst>
-      <p:bldP spid="3" grpId="0"/>
-    </p:bldLst>
-  </p:timing>
 </p:sld>
 </file>
 
 <file path=ppt/slides/slide28.xml><?xml version="1.0" encoding="utf-8"?>
-<p:sld xmlns:a="http://schemas.openxmlformats.org/drawingml/2006/main" xmlns:r="http://schemas.openxmlformats.org/officeDocument/2006/relationships" xmlns:p="http://schemas.openxmlformats.org/presentationml/2006/main">
+<p:sld xmlns:a="http://schemas.openxmlformats.org/drawingml/2006/main" xmlns:r="http://schemas.openxmlformats.org/officeDocument/2006/relationships" xmlns:p="http://schemas.openxmlformats.org/presentationml/2006/main" show="0">
   <p:cSld>
     <p:spTree>
       <p:nvGrpSpPr>
@@ -21943,7 +22634,7 @@
 </file>
 
 <file path=ppt/slides/slide32.xml><?xml version="1.0" encoding="utf-8"?>
-<p:sld xmlns:a="http://schemas.openxmlformats.org/drawingml/2006/main" xmlns:r="http://schemas.openxmlformats.org/officeDocument/2006/relationships" xmlns:p="http://schemas.openxmlformats.org/presentationml/2006/main">
+<p:sld xmlns:a="http://schemas.openxmlformats.org/drawingml/2006/main" xmlns:r="http://schemas.openxmlformats.org/officeDocument/2006/relationships" xmlns:p="http://schemas.openxmlformats.org/presentationml/2006/main" show="0">
   <p:cSld>
     <p:spTree>
       <p:nvGrpSpPr>
@@ -22117,13 +22808,7 @@
       </p:grpSpPr>
       <p:sp>
         <p:nvSpPr>
-          <p:cNvPr id="2" name="Title 1">
-            <a:extLst>
-              <a:ext uri="{FF2B5EF4-FFF2-40B4-BE49-F238E27FC236}">
-                <a16:creationId xmlns:a16="http://schemas.microsoft.com/office/drawing/2014/main" id="{AB2383FB-2B01-4AC2-B007-BF230D859CBD}"/>
-              </a:ext>
-            </a:extLst>
-          </p:cNvPr>
+          <p:cNvPr id="4" name="Title 3"/>
           <p:cNvSpPr>
             <a:spLocks noGrp="1"/>
           </p:cNvSpPr>
@@ -22138,24 +22823,22 @@
           </a:xfrm>
         </p:spPr>
         <p:txBody>
-          <a:bodyPr>
-            <a:noAutofit/>
-          </a:bodyPr>
+          <a:bodyPr/>
           <a:lstStyle/>
           <a:p>
             <a:r>
-              <a:rPr lang="en-US" sz="3600" b="1" dirty="0"/>
-              <a:t>Software Assurance + Availability Groups</a:t>
-            </a:r>
-          </a:p>
-        </p:txBody>
-      </p:sp>
-      <p:sp>
-        <p:nvSpPr>
-          <p:cNvPr id="4" name="Rectangle 3">
+              <a:rPr lang="en-US" b="1" dirty="0"/>
+              <a:t>New in Availability Groups in SQL 2019</a:t>
+            </a:r>
+          </a:p>
+        </p:txBody>
+      </p:sp>
+      <p:sp>
+        <p:nvSpPr>
+          <p:cNvPr id="2" name="Rectangle 1">
             <a:extLst>
               <a:ext uri="{FF2B5EF4-FFF2-40B4-BE49-F238E27FC236}">
-                <a16:creationId xmlns:a16="http://schemas.microsoft.com/office/drawing/2014/main" id="{24F51623-B7AE-4C96-A95F-F064FFBEEEB2}"/>
+                <a16:creationId xmlns:a16="http://schemas.microsoft.com/office/drawing/2014/main" id="{3A456A49-D9F1-4953-8152-0834928543C1}"/>
               </a:ext>
             </a:extLst>
           </p:cNvPr>
@@ -22164,8 +22847,8 @@
         </p:nvSpPr>
         <p:spPr>
           <a:xfrm>
-            <a:off x="81107" y="6119812"/>
-            <a:ext cx="7806748" cy="215444"/>
+            <a:off x="110985" y="1172633"/>
+            <a:ext cx="11128648" cy="2862322"/>
           </a:xfrm>
           <a:prstGeom prst="rect">
             <a:avLst/>
@@ -22177,114 +22860,55 @@
           </a:bodyPr>
           <a:lstStyle/>
           <a:p>
-            <a:r>
-              <a:rPr lang="en-US" sz="800" dirty="0">
-                <a:hlinkClick r:id="rId2"/>
-              </a:rPr>
-              <a:t>https://cloudblogs.microsoft.com/sqlserver/2019/10/30/new-high-availability-and-disaster-recovery-benefits-for-sql-server/</a:t>
-            </a:r>
-            <a:endParaRPr lang="en-US" sz="800" dirty="0"/>
-          </a:p>
-        </p:txBody>
-      </p:sp>
-      <p:sp>
-        <p:nvSpPr>
-          <p:cNvPr id="6" name="TextBox 5">
-            <a:extLst>
-              <a:ext uri="{FF2B5EF4-FFF2-40B4-BE49-F238E27FC236}">
-                <a16:creationId xmlns:a16="http://schemas.microsoft.com/office/drawing/2014/main" id="{DB1CBB6B-C96C-4135-9CF8-90CA8F1D4B29}"/>
-              </a:ext>
-            </a:extLst>
-          </p:cNvPr>
-          <p:cNvSpPr txBox="1"/>
-          <p:nvPr/>
-        </p:nvSpPr>
-        <p:spPr>
-          <a:xfrm>
-            <a:off x="146184" y="1113837"/>
-            <a:ext cx="10908751" cy="6063198"/>
-          </a:xfrm>
-          <a:prstGeom prst="rect">
-            <a:avLst/>
-          </a:prstGeom>
-          <a:noFill/>
-        </p:spPr>
-        <p:txBody>
-          <a:bodyPr wrap="square" rtlCol="0">
-            <a:spAutoFit/>
-          </a:bodyPr>
-          <a:lstStyle/>
-          <a:p>
-            <a:pPr marL="457200" indent="-457200">
+            <a:pPr marL="571500" indent="-571500">
               <a:buFont typeface="Arial" panose="020B0604020202020204" pitchFamily="34" charset="0"/>
               <a:buChar char="•"/>
             </a:pPr>
             <a:r>
               <a:rPr lang="en-US" sz="3600" dirty="0"/>
-              <a:t>Software Assurance – Azure VM SQL licensing for up to 2 secondary replicas in your availability groups are now FREE as of Nov 2019</a:t>
-            </a:r>
-          </a:p>
-          <a:p>
-            <a:pPr marL="457200" indent="-457200">
+              <a:t>Now up to 5 synchronous replicas supported</a:t>
+            </a:r>
+          </a:p>
+          <a:p>
+            <a:pPr marL="571500" indent="-571500">
               <a:buFont typeface="Arial" panose="020B0604020202020204" pitchFamily="34" charset="0"/>
               <a:buChar char="•"/>
             </a:pPr>
-            <a:r>
-              <a:rPr lang="en-US" sz="3600" dirty="0"/>
-              <a:t>In case of availability groups, License the cores on the Primary replica, up to three more secondary licenses</a:t>
-            </a:r>
-          </a:p>
-          <a:p>
-            <a:pPr marL="457200" indent="-457200">
+            <a:endParaRPr lang="en-US" sz="3600" dirty="0"/>
+          </a:p>
+          <a:p>
+            <a:pPr marL="571500" indent="-571500">
               <a:buFont typeface="Arial" panose="020B0604020202020204" pitchFamily="34" charset="0"/>
               <a:buChar char="•"/>
             </a:pPr>
             <a:r>
               <a:rPr lang="en-US" sz="3600" dirty="0"/>
-              <a:t>1 core of Enterprise Edition with SA covers for free: </a:t>
-            </a:r>
-            <a:br>
-              <a:rPr lang="en-US" sz="3600" dirty="0"/>
-            </a:br>
-            <a:r>
-              <a:rPr lang="en-US" sz="3600" dirty="0"/>
-              <a:t>	1 core of HA replica, 1 core of DR replica, PLUS</a:t>
-            </a:r>
-            <a:br>
-              <a:rPr lang="en-US" sz="3600" dirty="0"/>
-            </a:br>
-            <a:r>
-              <a:rPr lang="en-US" sz="3600" dirty="0"/>
-              <a:t>	1 of DR replica in an Azure VM </a:t>
-            </a:r>
-          </a:p>
-          <a:p>
-            <a:pPr marL="914400" lvl="1" indent="-457200">
+              <a:t>Availability Groups now supported in Kubernetes</a:t>
+            </a:r>
+          </a:p>
+          <a:p>
+            <a:pPr marL="571500" indent="-571500">
               <a:buFont typeface="Arial" panose="020B0604020202020204" pitchFamily="34" charset="0"/>
               <a:buChar char="•"/>
             </a:pPr>
-            <a:r>
-              <a:rPr lang="en-US" sz="2800" dirty="0"/>
-              <a:t>DR = readable secondary, HA = failover only</a:t>
-            </a:r>
-            <a:br>
-              <a:rPr lang="en-US" sz="3200" dirty="0"/>
-            </a:br>
-            <a:endParaRPr lang="en-US" sz="3200" dirty="0"/>
-          </a:p>
-          <a:p>
-            <a:pPr marL="457200" indent="-457200">
+            <a:endParaRPr lang="en-US" sz="3600" dirty="0"/>
+          </a:p>
+          <a:p>
+            <a:pPr marL="571500" indent="-571500">
               <a:buFont typeface="Arial" panose="020B0604020202020204" pitchFamily="34" charset="0"/>
               <a:buChar char="•"/>
             </a:pPr>
-            <a:endParaRPr lang="en-US" sz="3200" dirty="0"/>
+            <a:r>
+              <a:rPr lang="en-US" sz="3600" dirty="0"/>
+              <a:t>Not supported in SQL for Windows on Docker (yet)</a:t>
+            </a:r>
           </a:p>
         </p:txBody>
       </p:sp>
     </p:spTree>
     <p:extLst>
       <p:ext uri="{BB962C8B-B14F-4D97-AF65-F5344CB8AC3E}">
-        <p14:creationId xmlns:p14="http://schemas.microsoft.com/office/powerpoint/2010/main" val="508234995"/>
+        <p14:creationId xmlns:p14="http://schemas.microsoft.com/office/powerpoint/2010/main" val="2340861482"/>
       </p:ext>
     </p:extLst>
   </p:cSld>
@@ -22295,7 +22919,7 @@
 </file>
 
 <file path=ppt/slides/slide34.xml><?xml version="1.0" encoding="utf-8"?>
-<p:sld xmlns:a="http://schemas.openxmlformats.org/drawingml/2006/main" xmlns:r="http://schemas.openxmlformats.org/officeDocument/2006/relationships" xmlns:p="http://schemas.openxmlformats.org/presentationml/2006/main" show="0">
+<p:sld xmlns:a="http://schemas.openxmlformats.org/drawingml/2006/main" xmlns:r="http://schemas.openxmlformats.org/officeDocument/2006/relationships" xmlns:p="http://schemas.openxmlformats.org/presentationml/2006/main">
   <p:cSld>
     <p:spTree>
       <p:nvGrpSpPr>
@@ -22313,7 +22937,13 @@
       </p:grpSpPr>
       <p:sp>
         <p:nvSpPr>
-          <p:cNvPr id="4" name="Title 3"/>
+          <p:cNvPr id="2" name="Title 1">
+            <a:extLst>
+              <a:ext uri="{FF2B5EF4-FFF2-40B4-BE49-F238E27FC236}">
+                <a16:creationId xmlns:a16="http://schemas.microsoft.com/office/drawing/2014/main" id="{AB2383FB-2B01-4AC2-B007-BF230D859CBD}"/>
+              </a:ext>
+            </a:extLst>
+          </p:cNvPr>
           <p:cNvSpPr>
             <a:spLocks noGrp="1"/>
           </p:cNvSpPr>
@@ -22328,22 +22958,24 @@
           </a:xfrm>
         </p:spPr>
         <p:txBody>
-          <a:bodyPr/>
+          <a:bodyPr>
+            <a:noAutofit/>
+          </a:bodyPr>
           <a:lstStyle/>
           <a:p>
             <a:r>
-              <a:rPr lang="en-US" b="1" dirty="0"/>
-              <a:t>New in Availability Groups in SQL 2019</a:t>
-            </a:r>
-          </a:p>
-        </p:txBody>
-      </p:sp>
-      <p:sp>
-        <p:nvSpPr>
-          <p:cNvPr id="2" name="Rectangle 1">
+              <a:rPr lang="en-US" sz="3600" b="1" dirty="0"/>
+              <a:t>Software Assurance + Availability Groups</a:t>
+            </a:r>
+          </a:p>
+        </p:txBody>
+      </p:sp>
+      <p:sp>
+        <p:nvSpPr>
+          <p:cNvPr id="4" name="Rectangle 3">
             <a:extLst>
               <a:ext uri="{FF2B5EF4-FFF2-40B4-BE49-F238E27FC236}">
-                <a16:creationId xmlns:a16="http://schemas.microsoft.com/office/drawing/2014/main" id="{3A456A49-D9F1-4953-8152-0834928543C1}"/>
+                <a16:creationId xmlns:a16="http://schemas.microsoft.com/office/drawing/2014/main" id="{24F51623-B7AE-4C96-A95F-F064FFBEEEB2}"/>
               </a:ext>
             </a:extLst>
           </p:cNvPr>
@@ -22352,8 +22984,8 @@
         </p:nvSpPr>
         <p:spPr>
           <a:xfrm>
-            <a:off x="110985" y="1172633"/>
-            <a:ext cx="11128648" cy="2862322"/>
+            <a:off x="81107" y="6119812"/>
+            <a:ext cx="7806748" cy="215444"/>
           </a:xfrm>
           <a:prstGeom prst="rect">
             <a:avLst/>
@@ -22365,55 +22997,114 @@
           </a:bodyPr>
           <a:lstStyle/>
           <a:p>
-            <a:pPr marL="571500" indent="-571500">
+            <a:r>
+              <a:rPr lang="en-US" sz="800" dirty="0">
+                <a:hlinkClick r:id="rId2"/>
+              </a:rPr>
+              <a:t>https://cloudblogs.microsoft.com/sqlserver/2019/10/30/new-high-availability-and-disaster-recovery-benefits-for-sql-server/</a:t>
+            </a:r>
+            <a:endParaRPr lang="en-US" sz="800" dirty="0"/>
+          </a:p>
+        </p:txBody>
+      </p:sp>
+      <p:sp>
+        <p:nvSpPr>
+          <p:cNvPr id="6" name="TextBox 5">
+            <a:extLst>
+              <a:ext uri="{FF2B5EF4-FFF2-40B4-BE49-F238E27FC236}">
+                <a16:creationId xmlns:a16="http://schemas.microsoft.com/office/drawing/2014/main" id="{DB1CBB6B-C96C-4135-9CF8-90CA8F1D4B29}"/>
+              </a:ext>
+            </a:extLst>
+          </p:cNvPr>
+          <p:cNvSpPr txBox="1"/>
+          <p:nvPr/>
+        </p:nvSpPr>
+        <p:spPr>
+          <a:xfrm>
+            <a:off x="146184" y="1113837"/>
+            <a:ext cx="10908751" cy="5940088"/>
+          </a:xfrm>
+          <a:prstGeom prst="rect">
+            <a:avLst/>
+          </a:prstGeom>
+          <a:noFill/>
+        </p:spPr>
+        <p:txBody>
+          <a:bodyPr wrap="square" rtlCol="0">
+            <a:spAutoFit/>
+          </a:bodyPr>
+          <a:lstStyle/>
+          <a:p>
+            <a:pPr marL="457200" indent="-457200">
               <a:buFont typeface="Arial" panose="020B0604020202020204" pitchFamily="34" charset="0"/>
               <a:buChar char="•"/>
             </a:pPr>
             <a:r>
               <a:rPr lang="en-US" sz="3600" dirty="0"/>
-              <a:t>Now up to 5 synchronous replicas supported</a:t>
-            </a:r>
-          </a:p>
-          <a:p>
-            <a:pPr marL="571500" indent="-571500">
+              <a:t>Software Assurance – Azure VM SQL licensing for up to 2 secondary replicas in your availability groups are now FREE as of Nov 2019</a:t>
+            </a:r>
+          </a:p>
+          <a:p>
+            <a:pPr marL="457200" indent="-457200">
               <a:buFont typeface="Arial" panose="020B0604020202020204" pitchFamily="34" charset="0"/>
               <a:buChar char="•"/>
             </a:pPr>
-            <a:endParaRPr lang="en-US" sz="3600" dirty="0"/>
-          </a:p>
-          <a:p>
-            <a:pPr marL="571500" indent="-571500">
+            <a:r>
+              <a:rPr lang="en-US" sz="3600" dirty="0"/>
+              <a:t>In case of availability groups, License the cores on the Primary replica, up to three more secondary licenses</a:t>
+            </a:r>
+          </a:p>
+          <a:p>
+            <a:pPr marL="457200" indent="-457200">
               <a:buFont typeface="Arial" panose="020B0604020202020204" pitchFamily="34" charset="0"/>
               <a:buChar char="•"/>
             </a:pPr>
             <a:r>
               <a:rPr lang="en-US" sz="3600" dirty="0"/>
-              <a:t>Availability Groups now supported in Kubernetes</a:t>
-            </a:r>
-          </a:p>
-          <a:p>
-            <a:pPr marL="571500" indent="-571500">
+              <a:t>1 core of Enterprise Edition with SA covers for free: </a:t>
+            </a:r>
+            <a:br>
+              <a:rPr lang="en-US" sz="3600" dirty="0"/>
+            </a:br>
+            <a:r>
+              <a:rPr lang="en-US" sz="3600" dirty="0"/>
+              <a:t>	1 core of HA replica, 1 core of DR replica, </a:t>
+            </a:r>
+            <a:br>
+              <a:rPr lang="en-US" sz="3600" dirty="0"/>
+            </a:br>
+            <a:r>
+              <a:rPr lang="en-US" sz="3600" dirty="0"/>
+              <a:t>	PLUS 1 more DR replica in an Azure VM </a:t>
+            </a:r>
+          </a:p>
+          <a:p>
+            <a:pPr marL="914400" lvl="1" indent="-457200">
               <a:buFont typeface="Arial" panose="020B0604020202020204" pitchFamily="34" charset="0"/>
               <a:buChar char="•"/>
             </a:pPr>
-            <a:endParaRPr lang="en-US" sz="3600" dirty="0"/>
-          </a:p>
-          <a:p>
-            <a:pPr marL="571500" indent="-571500">
+            <a:r>
+              <a:rPr lang="en-US" sz="2800" dirty="0"/>
+              <a:t>DR = readable secondary, HA = failover only</a:t>
+            </a:r>
+            <a:br>
+              <a:rPr lang="en-US" sz="3200" dirty="0"/>
+            </a:br>
+            <a:endParaRPr lang="en-US" sz="3200" dirty="0"/>
+          </a:p>
+          <a:p>
+            <a:pPr marL="457200" indent="-457200">
               <a:buFont typeface="Arial" panose="020B0604020202020204" pitchFamily="34" charset="0"/>
               <a:buChar char="•"/>
             </a:pPr>
-            <a:r>
-              <a:rPr lang="en-US" sz="3600" dirty="0"/>
-              <a:t>Not supported in SQL for Windows on Docker (yet)</a:t>
-            </a:r>
+            <a:endParaRPr lang="en-US" sz="3200" dirty="0"/>
           </a:p>
         </p:txBody>
       </p:sp>
     </p:spTree>
     <p:extLst>
       <p:ext uri="{BB962C8B-B14F-4D97-AF65-F5344CB8AC3E}">
-        <p14:creationId xmlns:p14="http://schemas.microsoft.com/office/powerpoint/2010/main" val="2340861482"/>
+        <p14:creationId xmlns:p14="http://schemas.microsoft.com/office/powerpoint/2010/main" val="508234995"/>
       </p:ext>
     </p:extLst>
   </p:cSld>
@@ -22696,8 +23387,8 @@
         </p:blipFill>
         <p:spPr>
           <a:xfrm>
-            <a:off x="1233352" y="2072879"/>
-            <a:ext cx="5368376" cy="4426556"/>
+            <a:off x="907038" y="2147807"/>
+            <a:ext cx="5255066" cy="4333125"/>
           </a:xfrm>
           <a:prstGeom prst="rect">
             <a:avLst/>
@@ -22774,8 +23465,8 @@
         </p:blipFill>
         <p:spPr>
           <a:xfrm>
-            <a:off x="5759573" y="2072879"/>
-            <a:ext cx="5760915" cy="6479366"/>
+            <a:off x="5441544" y="2191135"/>
+            <a:ext cx="5639320" cy="6342607"/>
           </a:xfrm>
           <a:prstGeom prst="rect">
             <a:avLst/>
@@ -23307,7 +23998,7 @@
               <a:rPr lang="en-US" sz="3600" dirty="0">
                 <a:latin typeface="+mn-lt"/>
               </a:rPr>
-              <a:t>Starting with SQL 2017, no more service packs, CU’s only. </a:t>
+              <a:t>Starting SQL 2017, no more service packs, CU’s only. </a:t>
             </a:r>
           </a:p>
           <a:p>
@@ -23336,6 +24027,14 @@
               </a:rPr>
               <a:t>SQL 2019 CU2 released Feb 13, 2020</a:t>
             </a:r>
+            <a:br>
+              <a:rPr lang="en-US" sz="3300" dirty="0">
+                <a:latin typeface="+mn-lt"/>
+              </a:rPr>
+            </a:br>
+            <a:endParaRPr lang="en-US" sz="3300" dirty="0">
+              <a:latin typeface="+mn-lt"/>
+            </a:endParaRPr>
           </a:p>
           <a:p>
             <a:pPr marL="457200" indent="-457200">
@@ -24188,7 +24887,7 @@
         <p:spPr>
           <a:xfrm>
             <a:off x="110985" y="1172633"/>
-            <a:ext cx="11128648" cy="5386090"/>
+            <a:ext cx="11128648" cy="4955203"/>
           </a:xfrm>
           <a:prstGeom prst="rect">
             <a:avLst/>
@@ -24282,12 +24981,12 @@
               <a:buChar char="•"/>
             </a:pPr>
             <a:r>
-              <a:rPr lang="en-US" sz="1600" dirty="0">
+              <a:rPr lang="en-US" sz="1200" dirty="0">
                 <a:hlinkClick r:id="rId2"/>
               </a:rPr>
               <a:t>https://techcommunity.microsoft.com/t5/SQL-Server/Behind-the-Scenes-on-OPTIMIZE-FOR-SEQUENTIAL-KEY/ba-p/806888</a:t>
             </a:r>
-            <a:endParaRPr lang="en-US" sz="1600" dirty="0"/>
+            <a:endParaRPr lang="en-US" sz="1200" dirty="0"/>
           </a:p>
           <a:p>
             <a:pPr marL="571500" indent="-571500">
@@ -24295,18 +24994,18 @@
               <a:buChar char="•"/>
             </a:pPr>
             <a:r>
-              <a:rPr lang="en-US" u="sng" dirty="0">
+              <a:rPr lang="en-US" sz="1200" u="sng" dirty="0">
                 <a:hlinkClick r:id="rId3"/>
               </a:rPr>
               <a:t>https://support.microsoft.com/en-us/help/4460004/how-to-resolve-last-page-insert-pagelatch-ex-contention</a:t>
             </a:r>
             <a:r>
-              <a:rPr lang="en-US" u="sng" dirty="0">
+              <a:rPr lang="en-US" sz="1200" u="sng" dirty="0">
                 <a:hlinkClick r:id="rId4"/>
               </a:rPr>
               <a:t>-in-sql-server</a:t>
             </a:r>
-            <a:endParaRPr lang="en-US" dirty="0"/>
+            <a:endParaRPr lang="en-US" sz="1200" dirty="0"/>
           </a:p>
           <a:p>
             <a:pPr marL="571500" indent="-571500">
@@ -24558,7 +25257,7 @@
         <p:spPr>
           <a:xfrm>
             <a:off x="110985" y="1172633"/>
-            <a:ext cx="11128648" cy="4770537"/>
+            <a:ext cx="11128648" cy="5324535"/>
           </a:xfrm>
           <a:prstGeom prst="rect">
             <a:avLst/>
@@ -24589,15 +25288,7 @@
             </a:pPr>
             <a:r>
               <a:rPr lang="en-US" sz="3600" dirty="0"/>
-              <a:t>Instant rollback of long-running transactions or </a:t>
-            </a:r>
-            <a:r>
-              <a:rPr lang="en-US" sz="3600" dirty="0" err="1"/>
-              <a:t>maint</a:t>
-            </a:r>
-            <a:r>
-              <a:rPr lang="en-US" sz="3600" dirty="0"/>
-              <a:t> operations</a:t>
+              <a:t>Instant rollback of long-running transactions or maintenance operations like index rebuilds</a:t>
             </a:r>
           </a:p>
           <a:p>
@@ -24607,7 +25298,7 @@
             </a:pPr>
             <a:r>
               <a:rPr lang="en-US" sz="3600" dirty="0"/>
-              <a:t>Instant recovery for databases at startup</a:t>
+              <a:t>Instant recovery for databases at startup, no more delay after server restart</a:t>
             </a:r>
           </a:p>
           <a:p>
@@ -24732,13 +25423,13 @@
             </a:r>
           </a:p>
           <a:p>
-            <a:pPr marL="571500" indent="-571500">
+            <a:pPr marL="1028700" lvl="1" indent="-571500">
               <a:buFont typeface="Arial" panose="020B0604020202020204" pitchFamily="34" charset="0"/>
               <a:buChar char="•"/>
             </a:pPr>
             <a:r>
-              <a:rPr lang="en-US" sz="3600" dirty="0"/>
-              <a:t>NOT enabled by default </a:t>
+              <a:rPr lang="en-US" sz="3200" dirty="0"/>
+              <a:t>As a result it is NOT enabled by default </a:t>
             </a:r>
           </a:p>
           <a:p>
@@ -24790,12 +25481,12 @@
             </a:r>
           </a:p>
           <a:p>
-            <a:pPr marL="571500" indent="-571500">
+            <a:pPr marL="1028700" lvl="1" indent="-571500">
               <a:buFont typeface="Arial" panose="020B0604020202020204" pitchFamily="34" charset="0"/>
               <a:buChar char="•"/>
             </a:pPr>
             <a:r>
-              <a:rPr lang="en-US" sz="3600" dirty="0"/>
+              <a:rPr lang="en-US" sz="3200" dirty="0"/>
               <a:t>Works in ANY compatibility level in SQL 2019!</a:t>
             </a:r>
           </a:p>
@@ -25030,7 +25721,7 @@
         <p:spPr>
           <a:xfrm>
             <a:off x="110985" y="1172633"/>
-            <a:ext cx="11128648" cy="4216539"/>
+            <a:ext cx="11128648" cy="8248412"/>
           </a:xfrm>
           <a:prstGeom prst="rect">
             <a:avLst/>
@@ -25066,7 +25757,7 @@
             </a:pPr>
             <a:r>
               <a:rPr lang="en-US" sz="3600" dirty="0"/>
-              <a:t>Prior to </a:t>
+              <a:t>On by default in </a:t>
             </a:r>
             <a:r>
               <a:rPr lang="en-US" sz="3600" dirty="0" err="1"/>
@@ -25074,15 +25765,7 @@
             </a:r>
             <a:r>
               <a:rPr lang="en-US" sz="3600" dirty="0"/>
-              <a:t> 150, only possible on </a:t>
-            </a:r>
-            <a:r>
-              <a:rPr lang="en-US" sz="3600" dirty="0" err="1"/>
-              <a:t>columnstores</a:t>
-            </a:r>
-            <a:r>
-              <a:rPr lang="en-US" sz="3600" dirty="0"/>
-              <a:t>.</a:t>
+              <a:t> 150 (SQL 2019)</a:t>
             </a:r>
           </a:p>
           <a:p>
@@ -25090,6 +25773,36 @@
               <a:buFont typeface="Arial" panose="020B0604020202020204" pitchFamily="34" charset="0"/>
               <a:buChar char="•"/>
             </a:pPr>
+            <a:endParaRPr lang="en-US" sz="3600" dirty="0"/>
+          </a:p>
+          <a:p>
+            <a:pPr marL="571500" indent="-571500">
+              <a:buFont typeface="Arial" panose="020B0604020202020204" pitchFamily="34" charset="0"/>
+              <a:buChar char="•"/>
+            </a:pPr>
+            <a:r>
+              <a:rPr lang="en-US" sz="3600" dirty="0"/>
+              <a:t>Prior to </a:t>
+            </a:r>
+            <a:r>
+              <a:rPr lang="en-US" sz="3600" dirty="0" err="1"/>
+              <a:t>compat</a:t>
+            </a:r>
+            <a:r>
+              <a:rPr lang="en-US" sz="3600" dirty="0"/>
+              <a:t> 150, only possible on </a:t>
+            </a:r>
+            <a:r>
+              <a:rPr lang="en-US" sz="3600" dirty="0" err="1"/>
+              <a:t>columnstores</a:t>
+            </a:r>
+            <a:r>
+              <a:rPr lang="en-US" sz="3600" dirty="0"/>
+              <a:t>.</a:t>
+            </a:r>
+            <a:br>
+              <a:rPr lang="en-US" sz="3600" dirty="0"/>
+            </a:br>
             <a:r>
               <a:rPr lang="en-US" sz="3600" dirty="0"/>
               <a:t>With </a:t>
@@ -25102,6 +25815,51 @@
               <a:rPr lang="en-US" sz="3600" dirty="0"/>
               <a:t> 150, batch mode is another tool for the query optimizer for use on heaps and B-tree indexes.</a:t>
             </a:r>
+          </a:p>
+          <a:p>
+            <a:pPr marL="571500" indent="-571500">
+              <a:buFont typeface="Arial" panose="020B0604020202020204" pitchFamily="34" charset="0"/>
+              <a:buChar char="•"/>
+            </a:pPr>
+            <a:r>
+              <a:rPr lang="en-US" sz="3600" dirty="0"/>
+              <a:t>New </a:t>
+            </a:r>
+            <a:r>
+              <a:rPr lang="en-US" sz="3600" b="1" dirty="0"/>
+              <a:t>BATCH_MODE_ON_ROWSTORE</a:t>
+            </a:r>
+            <a:r>
+              <a:rPr lang="en-US" sz="3600" dirty="0"/>
+              <a:t> database scoped configuration </a:t>
+            </a:r>
+            <a:br>
+              <a:rPr lang="en-US" sz="3600" dirty="0"/>
+            </a:br>
+            <a:r>
+              <a:rPr lang="en-US" sz="1000" dirty="0">
+                <a:hlinkClick r:id="rId3"/>
+              </a:rPr>
+              <a:t>https://docs.microsoft.com/en-us/sql/relational-databases/performance/intelligent-query-processing?view=sql-server-ver15#batch-mode-on-rowstore</a:t>
+            </a:r>
+            <a:endParaRPr lang="en-US" sz="1000" dirty="0"/>
+          </a:p>
+          <a:p>
+            <a:pPr marL="571500" indent="-571500">
+              <a:buFont typeface="Arial" panose="020B0604020202020204" pitchFamily="34" charset="0"/>
+              <a:buChar char="•"/>
+            </a:pPr>
+            <a:endParaRPr lang="en-US" sz="3600" dirty="0"/>
+          </a:p>
+          <a:p>
+            <a:endParaRPr lang="en-US" sz="3600" dirty="0"/>
+          </a:p>
+          <a:p>
+            <a:pPr marL="571500" indent="-571500">
+              <a:buFont typeface="Arial" panose="020B0604020202020204" pitchFamily="34" charset="0"/>
+              <a:buChar char="•"/>
+            </a:pPr>
+            <a:endParaRPr lang="en-US" sz="3600" dirty="0"/>
           </a:p>
           <a:p>
             <a:pPr marL="571500" indent="-571500">
@@ -25187,13 +25945,8 @@
           <a:p>
             <a:r>
               <a:rPr lang="en-US" sz="3600" b="1" dirty="0"/>
-              <a:t>Performance Boost: Batch mode on </a:t>
-            </a:r>
-            <a:r>
-              <a:rPr lang="en-US" sz="3600" b="1" dirty="0" err="1"/>
-              <a:t>rowstore</a:t>
-            </a:r>
-            <a:endParaRPr lang="en-US" sz="3600" b="1" dirty="0"/>
+              <a:t>Performance Boost: Memory Grant Feedback</a:t>
+            </a:r>
           </a:p>
         </p:txBody>
       </p:sp>
@@ -25212,7 +25965,7 @@
         <p:spPr>
           <a:xfrm>
             <a:off x="110985" y="1172633"/>
-            <a:ext cx="11128648" cy="4431983"/>
+            <a:ext cx="11128648" cy="5293757"/>
           </a:xfrm>
           <a:prstGeom prst="rect">
             <a:avLst/>
@@ -25230,15 +25983,7 @@
             </a:pPr>
             <a:r>
               <a:rPr lang="en-US" sz="3600" dirty="0"/>
-              <a:t>New </a:t>
-            </a:r>
-            <a:r>
-              <a:rPr lang="en-US" sz="3600" b="1" dirty="0"/>
-              <a:t>BATCH_MODE_ON_ROWSTORE</a:t>
-            </a:r>
-            <a:r>
-              <a:rPr lang="en-US" sz="3600" dirty="0"/>
-              <a:t> database scoped configuration </a:t>
+              <a:t>Already had Memory Grant Feedback for batch mode. </a:t>
             </a:r>
           </a:p>
           <a:p>
@@ -25248,17 +25993,8 @@
             </a:pPr>
             <a:r>
               <a:rPr lang="en-US" sz="3600" dirty="0"/>
-              <a:t>On by default in </a:t>
-            </a:r>
-            <a:r>
-              <a:rPr lang="en-US" sz="3600" dirty="0" err="1"/>
-              <a:t>compat</a:t>
-            </a:r>
-            <a:r>
-              <a:rPr lang="en-US" sz="3600" dirty="0"/>
-              <a:t> 150</a:t>
-            </a:r>
-            <a:endParaRPr lang="en-US" sz="6000" dirty="0"/>
+              <a:t>Now supported for row mode.</a:t>
+            </a:r>
           </a:p>
           <a:p>
             <a:pPr marL="571500" indent="-571500">
@@ -25266,17 +26002,67 @@
               <a:buChar char="•"/>
             </a:pPr>
             <a:r>
-              <a:rPr lang="en-US" sz="3200" dirty="0"/>
-              <a:t>“This batch mode scan can evaluate batch mode bitmap filters. You might also see other batch mode operators in the plan. Examples are hash joins, hash-based aggregates, sorts, window aggregates, filters, concatenation, and compute scalar operators.”</a:t>
-            </a:r>
-          </a:p>
-          <a:p>
-            <a:r>
-              <a:rPr lang="en-US" sz="1400" dirty="0">
-                <a:hlinkClick r:id="rId2"/>
-              </a:rPr>
-              <a:t>https://docs.microsoft.com/en-us/sql/relational-databases/performance/intelligent-query-processing?view=sql-server-ver15#batch-mode-on-rowstore</a:t>
-            </a:r>
+              <a:rPr lang="en-US" sz="3600" dirty="0"/>
+              <a:t>More efficient memory estimation and handling</a:t>
+            </a:r>
+          </a:p>
+          <a:p>
+            <a:pPr marL="571500" indent="-571500">
+              <a:buFont typeface="Arial" panose="020B0604020202020204" pitchFamily="34" charset="0"/>
+              <a:buChar char="•"/>
+            </a:pPr>
+            <a:r>
+              <a:rPr lang="en-US" sz="3600" dirty="0"/>
+              <a:t>Prevents spill to disk if memory initially underestimated</a:t>
+            </a:r>
+          </a:p>
+          <a:p>
+            <a:pPr marL="571500" indent="-571500">
+              <a:buFont typeface="Arial" panose="020B0604020202020204" pitchFamily="34" charset="0"/>
+              <a:buChar char="•"/>
+            </a:pPr>
+            <a:endParaRPr lang="en-US" sz="3600" dirty="0"/>
+          </a:p>
+          <a:p>
+            <a:pPr marL="571500" indent="-571500">
+              <a:buFont typeface="Arial" panose="020B0604020202020204" pitchFamily="34" charset="0"/>
+              <a:buChar char="•"/>
+            </a:pPr>
+            <a:r>
+              <a:rPr lang="en-US" sz="3600" dirty="0"/>
+              <a:t>Enterprise edition feature only in SQL 2019 for both row and batch mode.</a:t>
+            </a:r>
+          </a:p>
+          <a:p>
+            <a:pPr marL="571500" indent="-571500">
+              <a:buFont typeface="Arial" panose="020B0604020202020204" pitchFamily="34" charset="0"/>
+              <a:buChar char="•"/>
+            </a:pPr>
+            <a:r>
+              <a:rPr lang="en-US" sz="3600" dirty="0"/>
+              <a:t>On by default in </a:t>
+            </a:r>
+            <a:r>
+              <a:rPr lang="en-US" sz="3600" dirty="0" err="1"/>
+              <a:t>compat</a:t>
+            </a:r>
+            <a:r>
+              <a:rPr lang="en-US" sz="3600" dirty="0"/>
+              <a:t> 150 (SQL 2019)</a:t>
+            </a:r>
+          </a:p>
+          <a:p>
+            <a:pPr marL="571500" indent="-571500">
+              <a:buFont typeface="Arial" panose="020B0604020202020204" pitchFamily="34" charset="0"/>
+              <a:buChar char="•"/>
+            </a:pPr>
+            <a:endParaRPr lang="en-US" sz="3600" dirty="0"/>
+          </a:p>
+          <a:p>
+            <a:pPr marL="571500" indent="-571500">
+              <a:buFont typeface="Arial" panose="020B0604020202020204" pitchFamily="34" charset="0"/>
+              <a:buChar char="•"/>
+            </a:pPr>
             <a:endParaRPr lang="en-US" sz="1400" dirty="0"/>
           </a:p>
         </p:txBody>
@@ -25284,7 +26070,7 @@
     </p:spTree>
     <p:extLst>
       <p:ext uri="{BB962C8B-B14F-4D97-AF65-F5344CB8AC3E}">
-        <p14:creationId xmlns:p14="http://schemas.microsoft.com/office/powerpoint/2010/main" val="51730675"/>
+        <p14:creationId xmlns:p14="http://schemas.microsoft.com/office/powerpoint/2010/main" val="2394866363"/>
       </p:ext>
     </p:extLst>
   </p:cSld>
@@ -25334,9 +26120,18 @@
           <a:lstStyle/>
           <a:p>
             <a:r>
-              <a:rPr lang="en-US" sz="3600" b="1" dirty="0"/>
-              <a:t>Performance Boost: Memory Grant Feedback</a:t>
-            </a:r>
+              <a:rPr lang="en-US" b="1" dirty="0"/>
+              <a:t>Performance Boost: </a:t>
+            </a:r>
+            <a:r>
+              <a:rPr lang="en-US" sz="4000" b="1" dirty="0"/>
+              <a:t>Scalar UDF </a:t>
+            </a:r>
+            <a:r>
+              <a:rPr lang="en-US" sz="4000" b="1" dirty="0" err="1"/>
+              <a:t>inlining</a:t>
+            </a:r>
+            <a:endParaRPr lang="en-US" b="1" dirty="0"/>
           </a:p>
         </p:txBody>
       </p:sp>
@@ -25355,7 +26150,7 @@
         <p:spPr>
           <a:xfrm>
             <a:off x="110985" y="1172633"/>
-            <a:ext cx="11128648" cy="4185761"/>
+            <a:ext cx="11128648" cy="4524315"/>
           </a:xfrm>
           <a:prstGeom prst="rect">
             <a:avLst/>
@@ -25367,13 +26162,27 @@
           </a:bodyPr>
           <a:lstStyle/>
           <a:p>
+            <a:r>
+              <a:rPr lang="en-US" sz="3600" i="1" dirty="0"/>
+              <a:t>	Developers now off the hook for some bad habits!</a:t>
+            </a:r>
+            <a:br>
+              <a:rPr lang="en-US" sz="3600" i="1" dirty="0"/>
+            </a:br>
+            <a:endParaRPr lang="en-US" sz="3600" i="1" dirty="0"/>
+          </a:p>
+          <a:p>
             <a:pPr marL="571500" indent="-571500">
               <a:buFont typeface="Arial" panose="020B0604020202020204" pitchFamily="34" charset="0"/>
               <a:buChar char="•"/>
             </a:pPr>
             <a:r>
+              <a:rPr lang="en-US" sz="3600" b="1" dirty="0"/>
+              <a:t>Will immediately, dramatically improve performance </a:t>
+            </a:r>
+            <a:r>
               <a:rPr lang="en-US" sz="3600" dirty="0"/>
-              <a:t>Already had Memory Grant Feedback for batch mode. </a:t>
+              <a:t>where Scalar UDF’s are abused, no code changes. </a:t>
             </a:r>
           </a:p>
           <a:p>
@@ -25383,7 +26192,15 @@
             </a:pPr>
             <a:r>
               <a:rPr lang="en-US" sz="3600" dirty="0"/>
-              <a:t>Now supported for row mode.</a:t>
+              <a:t>“Scalar UDF </a:t>
+            </a:r>
+            <a:r>
+              <a:rPr lang="en-US" sz="3600" dirty="0" err="1"/>
+              <a:t>Inlining</a:t>
+            </a:r>
+            <a:r>
+              <a:rPr lang="en-US" sz="3600" dirty="0"/>
+              <a:t>” automatically transforms inline-able UDFs into relational expressions. </a:t>
             </a:r>
           </a:p>
           <a:p>
@@ -25393,49 +26210,15 @@
             </a:pPr>
             <a:r>
               <a:rPr lang="en-US" sz="3600" dirty="0"/>
-              <a:t>More efficient memory estimation and handling</a:t>
-            </a:r>
-          </a:p>
-          <a:p>
-            <a:pPr marL="571500" indent="-571500">
-              <a:buFont typeface="Arial" panose="020B0604020202020204" pitchFamily="34" charset="0"/>
-              <a:buChar char="•"/>
-            </a:pPr>
-            <a:r>
-              <a:rPr lang="en-US" sz="3600" dirty="0"/>
-              <a:t>Prevents spill to disk if memory initially underestimated</a:t>
-            </a:r>
-          </a:p>
-          <a:p>
-            <a:pPr marL="571500" indent="-571500">
-              <a:buFont typeface="Arial" panose="020B0604020202020204" pitchFamily="34" charset="0"/>
-              <a:buChar char="•"/>
-            </a:pPr>
-            <a:endParaRPr lang="en-US" sz="3600" dirty="0"/>
-          </a:p>
-          <a:p>
-            <a:pPr marL="571500" indent="-571500">
-              <a:buFont typeface="Arial" panose="020B0604020202020204" pitchFamily="34" charset="0"/>
-              <a:buChar char="•"/>
-            </a:pPr>
-            <a:r>
-              <a:rPr lang="en-US" sz="3600" dirty="0"/>
-              <a:t>Enterprise edition feature only in SQL 2019 for both row and batch mode.</a:t>
-            </a:r>
-          </a:p>
-          <a:p>
-            <a:pPr marL="571500" indent="-571500">
-              <a:buFont typeface="Arial" panose="020B0604020202020204" pitchFamily="34" charset="0"/>
-              <a:buChar char="•"/>
-            </a:pPr>
-            <a:endParaRPr lang="en-US" sz="1400" dirty="0"/>
+              <a:t>Prevents UDF's in the SELECT or ON part of queries from exploding query cost with RBAR.</a:t>
+            </a:r>
           </a:p>
         </p:txBody>
       </p:sp>
     </p:spTree>
     <p:extLst>
       <p:ext uri="{BB962C8B-B14F-4D97-AF65-F5344CB8AC3E}">
-        <p14:creationId xmlns:p14="http://schemas.microsoft.com/office/powerpoint/2010/main" val="2394866363"/>
+        <p14:creationId xmlns:p14="http://schemas.microsoft.com/office/powerpoint/2010/main" val="2213567820"/>
       </p:ext>
     </p:extLst>
   </p:cSld>
@@ -25446,7 +26229,7 @@
 </file>
 
 <file path=ppt/slides/slide49.xml><?xml version="1.0" encoding="utf-8"?>
-<p:sld xmlns:a="http://schemas.openxmlformats.org/drawingml/2006/main" xmlns:r="http://schemas.openxmlformats.org/officeDocument/2006/relationships" xmlns:p="http://schemas.openxmlformats.org/presentationml/2006/main">
+<p:sld xmlns:a="http://schemas.openxmlformats.org/drawingml/2006/main" xmlns:r="http://schemas.openxmlformats.org/officeDocument/2006/relationships" xmlns:p="http://schemas.openxmlformats.org/presentationml/2006/main" show="0">
   <p:cSld>
     <p:spTree>
       <p:nvGrpSpPr>
@@ -25515,7 +26298,7 @@
         <p:spPr>
           <a:xfrm>
             <a:off x="110985" y="1172633"/>
-            <a:ext cx="11128648" cy="4524315"/>
+            <a:ext cx="11128648" cy="3847207"/>
           </a:xfrm>
           <a:prstGeom prst="rect">
             <a:avLst/>
@@ -25527,27 +26310,13 @@
           </a:bodyPr>
           <a:lstStyle/>
           <a:p>
-            <a:r>
-              <a:rPr lang="en-US" sz="3600" i="1" dirty="0"/>
-              <a:t>	Developers now off the hook for some bad habits.</a:t>
-            </a:r>
-            <a:br>
-              <a:rPr lang="en-US" sz="3600" i="1" dirty="0"/>
-            </a:br>
-            <a:endParaRPr lang="en-US" sz="3600" i="1" dirty="0"/>
-          </a:p>
-          <a:p>
             <a:pPr marL="571500" indent="-571500">
               <a:buFont typeface="Arial" panose="020B0604020202020204" pitchFamily="34" charset="0"/>
               <a:buChar char="•"/>
             </a:pPr>
             <a:r>
-              <a:rPr lang="en-US" sz="3600" b="1" dirty="0"/>
-              <a:t>Will immediately, dramatically improve performance </a:t>
-            </a:r>
-            <a:r>
               <a:rPr lang="en-US" sz="3600" dirty="0"/>
-              <a:t>where Scalar UDF’s are abused. Doesn’t help TVF’s.</a:t>
+              <a:t>On by default with Compatibility Level 150 (SQL 2019), in all editions.</a:t>
             </a:r>
           </a:p>
           <a:p>
@@ -25557,16 +26326,38 @@
             </a:pPr>
             <a:r>
               <a:rPr lang="en-US" sz="3600" dirty="0"/>
-              <a:t>“Scalar UDF </a:t>
-            </a:r>
-            <a:r>
-              <a:rPr lang="en-US" sz="3600" dirty="0" err="1"/>
-              <a:t>Inlining</a:t>
-            </a:r>
-            <a:r>
-              <a:rPr lang="en-US" sz="3600" dirty="0"/>
-              <a:t>” automatically transforms inline-able UDFs into relational expressions. </a:t>
-            </a:r>
+              <a:t>This can be disabled – there were “several” issues resolved in CU2, one still reported with nested UDF’s.</a:t>
+            </a:r>
+          </a:p>
+          <a:p>
+            <a:pPr lvl="1"/>
+            <a:r>
+              <a:rPr lang="en-US" sz="1200" dirty="0">
+                <a:hlinkClick r:id="rId2"/>
+              </a:rPr>
+              <a:t>https://support.microsoft.com/en-us/help/4538581/fix-scalar-udf-inlining-issues-in-sql-server-2019</a:t>
+            </a:r>
+            <a:endParaRPr lang="en-US" sz="1200" dirty="0"/>
+          </a:p>
+          <a:p>
+            <a:pPr lvl="1"/>
+            <a:r>
+              <a:rPr lang="en-US" sz="1200" dirty="0">
+                <a:hlinkClick r:id="rId3"/>
+              </a:rPr>
+              <a:t>https://twitter.com/tarynpivots/status</a:t>
+            </a:r>
+            <a:r>
+              <a:rPr lang="en-US" sz="1200">
+                <a:hlinkClick r:id="rId3"/>
+              </a:rPr>
+              <a:t>/1228334842300882944</a:t>
+            </a:r>
+            <a:endParaRPr lang="en-US" sz="1200"/>
+          </a:p>
+          <a:p>
+            <a:pPr lvl="1"/>
+            <a:endParaRPr lang="en-US" sz="1200" dirty="0"/>
           </a:p>
           <a:p>
             <a:pPr marL="571500" indent="-571500">
@@ -25574,16 +26365,17 @@
               <a:buChar char="•"/>
             </a:pPr>
             <a:r>
-              <a:rPr lang="en-US" sz="3600" dirty="0"/>
-              <a:t>Prevents UDF's in the SELECT or ON part of queries from exploding query cost with RBAR.</a:t>
-            </a:r>
+              <a:rPr lang="en-US" sz="3200" dirty="0"/>
+              <a:t>Another feature introduced in SQL 2017, Interleaved Execution can help with TVF’s.</a:t>
+            </a:r>
+            <a:endParaRPr lang="en-US" sz="1400" dirty="0"/>
           </a:p>
         </p:txBody>
       </p:sp>
     </p:spTree>
     <p:extLst>
       <p:ext uri="{BB962C8B-B14F-4D97-AF65-F5344CB8AC3E}">
-        <p14:creationId xmlns:p14="http://schemas.microsoft.com/office/powerpoint/2010/main" val="2213567820"/>
+        <p14:creationId xmlns:p14="http://schemas.microsoft.com/office/powerpoint/2010/main" val="172816241"/>
       </p:ext>
     </p:extLst>
   </p:cSld>
@@ -25655,7 +26447,7 @@
         </p:spPr>
         <p:txBody>
           <a:bodyPr>
-            <a:normAutofit/>
+            <a:normAutofit fontScale="92500"/>
           </a:bodyPr>
           <a:lstStyle/>
           <a:p>
@@ -25668,6 +26460,24 @@
                 <a:latin typeface="+mn-lt"/>
               </a:rPr>
               <a:t>Thanks for compatibility levels inside each database, the only valid reasons to delay a SQL Server upgrade these days are vendor application support.</a:t>
+            </a:r>
+          </a:p>
+          <a:p>
+            <a:pPr marL="457200" indent="-457200"/>
+            <a:r>
+              <a:rPr lang="en-US" sz="3600" dirty="0">
+                <a:latin typeface="+mn-lt"/>
+              </a:rPr>
+              <a:t>No technical reasons to buy SQL 2016 over 2017 or 2019.</a:t>
+            </a:r>
+          </a:p>
+          <a:p>
+            <a:pPr marL="457200" indent="-457200"/>
+            <a:r>
+              <a:rPr lang="en-US" sz="3600" dirty="0">
+                <a:latin typeface="+mn-lt"/>
+              </a:rPr>
+              <a:t>Price is the same since 2012.</a:t>
             </a:r>
           </a:p>
           <a:p>
@@ -25875,15 +26685,33 @@
                                   </p:childTnLst>
                                 </p:cTn>
                               </p:par>
+                            </p:childTnLst>
+                          </p:cTn>
+                        </p:par>
+                      </p:childTnLst>
+                    </p:cTn>
+                  </p:par>
+                  <p:par>
+                    <p:cTn id="15" fill="hold">
+                      <p:stCondLst>
+                        <p:cond delay="indefinite"/>
+                      </p:stCondLst>
+                      <p:childTnLst>
+                        <p:par>
+                          <p:cTn id="16" fill="hold">
+                            <p:stCondLst>
+                              <p:cond delay="0"/>
+                            </p:stCondLst>
+                            <p:childTnLst>
                               <p:par>
-                                <p:cTn id="15" presetID="1" presetClass="entr" presetSubtype="0" fill="hold" grpId="0" nodeType="withEffect">
+                                <p:cTn id="17" presetID="1" presetClass="entr" presetSubtype="0" fill="hold" grpId="0" nodeType="clickEffect">
                                   <p:stCondLst>
                                     <p:cond delay="0"/>
                                   </p:stCondLst>
                                   <p:childTnLst>
                                     <p:set>
                                       <p:cBhvr>
-                                        <p:cTn id="16" dur="1" fill="hold">
+                                        <p:cTn id="18" dur="1" fill="hold">
                                           <p:stCondLst>
                                             <p:cond delay="0"/>
                                           </p:stCondLst>
@@ -25892,6 +26720,86 @@
                                           <p:spTgt spid="19">
                                             <p:txEl>
                                               <p:pRg st="3" end="3"/>
+                                            </p:txEl>
+                                          </p:spTgt>
+                                        </p:tgtEl>
+                                        <p:attrNameLst>
+                                          <p:attrName>style.visibility</p:attrName>
+                                        </p:attrNameLst>
+                                      </p:cBhvr>
+                                      <p:to>
+                                        <p:strVal val="visible"/>
+                                      </p:to>
+                                    </p:set>
+                                  </p:childTnLst>
+                                </p:cTn>
+                              </p:par>
+                            </p:childTnLst>
+                          </p:cTn>
+                        </p:par>
+                      </p:childTnLst>
+                    </p:cTn>
+                  </p:par>
+                  <p:par>
+                    <p:cTn id="19" fill="hold">
+                      <p:stCondLst>
+                        <p:cond delay="indefinite"/>
+                      </p:stCondLst>
+                      <p:childTnLst>
+                        <p:par>
+                          <p:cTn id="20" fill="hold">
+                            <p:stCondLst>
+                              <p:cond delay="0"/>
+                            </p:stCondLst>
+                            <p:childTnLst>
+                              <p:par>
+                                <p:cTn id="21" presetID="1" presetClass="entr" presetSubtype="0" fill="hold" grpId="0" nodeType="clickEffect">
+                                  <p:stCondLst>
+                                    <p:cond delay="0"/>
+                                  </p:stCondLst>
+                                  <p:childTnLst>
+                                    <p:set>
+                                      <p:cBhvr>
+                                        <p:cTn id="22" dur="1" fill="hold">
+                                          <p:stCondLst>
+                                            <p:cond delay="0"/>
+                                          </p:stCondLst>
+                                        </p:cTn>
+                                        <p:tgtEl>
+                                          <p:spTgt spid="19">
+                                            <p:txEl>
+                                              <p:pRg st="4" end="4"/>
+                                            </p:txEl>
+                                          </p:spTgt>
+                                        </p:tgtEl>
+                                        <p:attrNameLst>
+                                          <p:attrName>style.visibility</p:attrName>
+                                        </p:attrNameLst>
+                                      </p:cBhvr>
+                                      <p:to>
+                                        <p:strVal val="visible"/>
+                                      </p:to>
+                                    </p:set>
+                                  </p:childTnLst>
+                                </p:cTn>
+                              </p:par>
+                              <p:par>
+                                <p:cTn id="23" presetID="1" presetClass="entr" presetSubtype="0" fill="hold" grpId="0" nodeType="withEffect">
+                                  <p:stCondLst>
+                                    <p:cond delay="0"/>
+                                  </p:stCondLst>
+                                  <p:childTnLst>
+                                    <p:set>
+                                      <p:cBhvr>
+                                        <p:cTn id="24" dur="1" fill="hold">
+                                          <p:stCondLst>
+                                            <p:cond delay="0"/>
+                                          </p:stCondLst>
+                                        </p:cTn>
+                                        <p:tgtEl>
+                                          <p:spTgt spid="19">
+                                            <p:txEl>
+                                              <p:pRg st="5" end="5"/>
                                             </p:txEl>
                                           </p:spTgt>
                                         </p:tgtEl>
@@ -25959,44 +26867,6 @@
       </p:grpSpPr>
       <p:sp>
         <p:nvSpPr>
-          <p:cNvPr id="4" name="Title 3"/>
-          <p:cNvSpPr>
-            <a:spLocks noGrp="1"/>
-          </p:cNvSpPr>
-          <p:nvPr>
-            <p:ph type="title" idx="4294967295"/>
-          </p:nvPr>
-        </p:nvSpPr>
-        <p:spPr>
-          <a:xfrm>
-            <a:off x="719138" y="360363"/>
-            <a:ext cx="10801350" cy="720725"/>
-          </a:xfrm>
-        </p:spPr>
-        <p:txBody>
-          <a:bodyPr>
-            <a:normAutofit/>
-          </a:bodyPr>
-          <a:lstStyle/>
-          <a:p>
-            <a:r>
-              <a:rPr lang="en-US" b="1" dirty="0"/>
-              <a:t>Performance Boost: </a:t>
-            </a:r>
-            <a:r>
-              <a:rPr lang="en-US" sz="4000" b="1" dirty="0"/>
-              <a:t>Scalar UDF </a:t>
-            </a:r>
-            <a:r>
-              <a:rPr lang="en-US" sz="4000" b="1" dirty="0" err="1"/>
-              <a:t>inlining</a:t>
-            </a:r>
-            <a:endParaRPr lang="en-US" b="1" dirty="0"/>
-          </a:p>
-        </p:txBody>
-      </p:sp>
-      <p:sp>
-        <p:nvSpPr>
           <p:cNvPr id="2" name="Rectangle 1">
             <a:extLst>
               <a:ext uri="{FF2B5EF4-FFF2-40B4-BE49-F238E27FC236}">
@@ -26010,7 +26880,7 @@
         <p:spPr>
           <a:xfrm>
             <a:off x="110985" y="1172633"/>
-            <a:ext cx="11128648" cy="3847207"/>
+            <a:ext cx="11128648" cy="4339650"/>
           </a:xfrm>
           <a:prstGeom prst="rect">
             <a:avLst/>
@@ -26028,7 +26898,7 @@
             </a:pPr>
             <a:r>
               <a:rPr lang="en-US" sz="3600" dirty="0"/>
-              <a:t>On by default with Compatibility Level 150 (SQL 2019), in all editions.</a:t>
+              <a:t>Improves plan quality, performance of table variables</a:t>
             </a:r>
           </a:p>
           <a:p>
@@ -26036,40 +26906,7 @@
               <a:buFont typeface="Arial" panose="020B0604020202020204" pitchFamily="34" charset="0"/>
               <a:buChar char="•"/>
             </a:pPr>
-            <a:r>
-              <a:rPr lang="en-US" sz="3600" dirty="0"/>
-              <a:t>This can be disabled – there were “several” issues resolved in CU2, one still reported with nested UDF’s.</a:t>
-            </a:r>
-          </a:p>
-          <a:p>
-            <a:pPr lvl="1"/>
-            <a:r>
-              <a:rPr lang="en-US" sz="1200" dirty="0">
-                <a:hlinkClick r:id="rId2"/>
-              </a:rPr>
-              <a:t>https://support.microsoft.com/en-us/help/4538581/fix-scalar-udf-inlining-issues-in-sql-server-2019</a:t>
-            </a:r>
-            <a:endParaRPr lang="en-US" sz="1200" dirty="0"/>
-          </a:p>
-          <a:p>
-            <a:pPr lvl="1"/>
-            <a:r>
-              <a:rPr lang="en-US" sz="1200" dirty="0">
-                <a:hlinkClick r:id="rId3"/>
-              </a:rPr>
-              <a:t>https://twitter.com/tarynpivots/status</a:t>
-            </a:r>
-            <a:r>
-              <a:rPr lang="en-US" sz="1200">
-                <a:hlinkClick r:id="rId3"/>
-              </a:rPr>
-              <a:t>/1228334842300882944</a:t>
-            </a:r>
-            <a:endParaRPr lang="en-US" sz="1200"/>
-          </a:p>
-          <a:p>
-            <a:pPr lvl="1"/>
-            <a:endParaRPr lang="en-US" sz="1200" dirty="0"/>
+            <a:endParaRPr lang="en-US" sz="3600" dirty="0"/>
           </a:p>
           <a:p>
             <a:pPr marL="571500" indent="-571500">
@@ -26077,17 +26914,134 @@
               <a:buChar char="•"/>
             </a:pPr>
             <a:r>
-              <a:rPr lang="en-US" sz="3200" dirty="0"/>
-              <a:t>Another feature introduced in SQL 2017, Interleaved Execution can help with TVF’s.</a:t>
-            </a:r>
-            <a:endParaRPr lang="en-US" sz="1400" dirty="0"/>
+              <a:rPr lang="en-US" sz="3600" dirty="0"/>
+              <a:t>Biggest difference from Temp Tables: Table variables still lack column statistics.</a:t>
+            </a:r>
+          </a:p>
+          <a:p>
+            <a:pPr marL="571500" indent="-571500">
+              <a:buFont typeface="Arial" panose="020B0604020202020204" pitchFamily="34" charset="0"/>
+              <a:buChar char="•"/>
+            </a:pPr>
+            <a:r>
+              <a:rPr lang="en-US" sz="3600" dirty="0"/>
+              <a:t>On by default with </a:t>
+            </a:r>
+            <a:r>
+              <a:rPr lang="en-US" sz="3600" dirty="0" err="1"/>
+              <a:t>compat</a:t>
+            </a:r>
+            <a:r>
+              <a:rPr lang="en-US" sz="3600" dirty="0"/>
+              <a:t> level 150.</a:t>
+            </a:r>
+          </a:p>
+          <a:p>
+            <a:pPr marL="571500" indent="-571500">
+              <a:buFont typeface="Arial" panose="020B0604020202020204" pitchFamily="34" charset="0"/>
+              <a:buChar char="•"/>
+            </a:pPr>
+            <a:endParaRPr lang="en-US" sz="1600" dirty="0"/>
+          </a:p>
+          <a:p>
+            <a:pPr marL="571500" indent="-571500">
+              <a:buFont typeface="Arial" panose="020B0604020202020204" pitchFamily="34" charset="0"/>
+              <a:buChar char="•"/>
+            </a:pPr>
+            <a:endParaRPr lang="en-US" sz="1600" dirty="0">
+              <a:hlinkClick r:id="rId2"/>
+            </a:endParaRPr>
+          </a:p>
+          <a:p>
+            <a:pPr marL="571500" indent="-571500">
+              <a:buFont typeface="Arial" panose="020B0604020202020204" pitchFamily="34" charset="0"/>
+              <a:buChar char="•"/>
+            </a:pPr>
+            <a:endParaRPr lang="en-US" sz="1600" dirty="0">
+              <a:hlinkClick r:id="rId2"/>
+            </a:endParaRPr>
+          </a:p>
+          <a:p>
+            <a:pPr marL="571500" indent="-571500">
+              <a:buFont typeface="Arial" panose="020B0604020202020204" pitchFamily="34" charset="0"/>
+              <a:buChar char="•"/>
+            </a:pPr>
+            <a:r>
+              <a:rPr lang="en-US" sz="1600" dirty="0">
+                <a:hlinkClick r:id="rId2"/>
+              </a:rPr>
+              <a:t>https://blogs.msdn.microsoft.com/sqlserverstorageengine/2018/07/16/public-preview-of-table-variable-deferred-compilation-in-azure-sql-database/</a:t>
+            </a:r>
+            <a:endParaRPr lang="en-US" sz="1600" dirty="0"/>
+          </a:p>
+          <a:p>
+            <a:pPr marL="571500" indent="-571500">
+              <a:buFont typeface="Arial" panose="020B0604020202020204" pitchFamily="34" charset="0"/>
+              <a:buChar char="•"/>
+            </a:pPr>
+            <a:endParaRPr lang="en-US" sz="1600" dirty="0"/>
+          </a:p>
+        </p:txBody>
+      </p:sp>
+      <p:sp>
+        <p:nvSpPr>
+          <p:cNvPr id="5" name="Title 3">
+            <a:extLst>
+              <a:ext uri="{FF2B5EF4-FFF2-40B4-BE49-F238E27FC236}">
+                <a16:creationId xmlns:a16="http://schemas.microsoft.com/office/drawing/2014/main" id="{F9E68D72-7E6F-4867-B835-93B9B113E7E2}"/>
+              </a:ext>
+            </a:extLst>
+          </p:cNvPr>
+          <p:cNvSpPr txBox="1">
+            <a:spLocks/>
+          </p:cNvSpPr>
+          <p:nvPr/>
+        </p:nvSpPr>
+        <p:spPr>
+          <a:xfrm>
+            <a:off x="719138" y="360363"/>
+            <a:ext cx="10801350" cy="720725"/>
+          </a:xfrm>
+          <a:prstGeom prst="rect">
+            <a:avLst/>
+          </a:prstGeom>
+        </p:spPr>
+        <p:txBody>
+          <a:bodyPr vert="horz" lIns="91440" tIns="45720" rIns="91440" bIns="45720" rtlCol="0" anchor="ctr">
+            <a:noAutofit/>
+          </a:bodyPr>
+          <a:lstStyle>
+            <a:lvl1pPr algn="l" defTabSz="864017" rtl="0" eaLnBrk="1" latinLnBrk="0" hangingPunct="1">
+              <a:lnSpc>
+                <a:spcPct val="90000"/>
+              </a:lnSpc>
+              <a:spcBef>
+                <a:spcPct val="0"/>
+              </a:spcBef>
+              <a:buNone/>
+              <a:defRPr sz="3780" b="0" kern="1200">
+                <a:solidFill>
+                  <a:schemeClr val="tx1"/>
+                </a:solidFill>
+                <a:latin typeface="+mn-lt"/>
+                <a:ea typeface="+mj-ea"/>
+                <a:cs typeface="+mj-cs"/>
+              </a:defRPr>
+            </a:lvl1pPr>
+          </a:lstStyle>
+          <a:p>
+            <a:r>
+              <a:rPr lang="en-US" sz="3600" b="1"/>
+              <a:t>Performance Boost: Table variable deferred compilation</a:t>
+            </a:r>
+            <a:endParaRPr lang="en-US" sz="3600" b="1" dirty="0"/>
           </a:p>
         </p:txBody>
       </p:sp>
     </p:spTree>
     <p:extLst>
       <p:ext uri="{BB962C8B-B14F-4D97-AF65-F5344CB8AC3E}">
-        <p14:creationId xmlns:p14="http://schemas.microsoft.com/office/powerpoint/2010/main" val="172816241"/>
+        <p14:creationId xmlns:p14="http://schemas.microsoft.com/office/powerpoint/2010/main" val="3129846281"/>
       </p:ext>
     </p:extLst>
   </p:cSld>
@@ -26116,6 +27070,35 @@
       </p:grpSpPr>
       <p:sp>
         <p:nvSpPr>
+          <p:cNvPr id="4" name="Title 3"/>
+          <p:cNvSpPr>
+            <a:spLocks noGrp="1"/>
+          </p:cNvSpPr>
+          <p:nvPr>
+            <p:ph type="title" idx="4294967295"/>
+          </p:nvPr>
+        </p:nvSpPr>
+        <p:spPr>
+          <a:xfrm>
+            <a:off x="719138" y="360363"/>
+            <a:ext cx="10801350" cy="720725"/>
+          </a:xfrm>
+        </p:spPr>
+        <p:txBody>
+          <a:bodyPr>
+            <a:noAutofit/>
+          </a:bodyPr>
+          <a:lstStyle/>
+          <a:p>
+            <a:r>
+              <a:rPr lang="en-US" sz="3600" b="1" dirty="0"/>
+              <a:t>Performance Boost: Table variable deferred compilation</a:t>
+            </a:r>
+          </a:p>
+        </p:txBody>
+      </p:sp>
+      <p:sp>
+        <p:nvSpPr>
           <p:cNvPr id="2" name="Rectangle 1">
             <a:extLst>
               <a:ext uri="{FF2B5EF4-FFF2-40B4-BE49-F238E27FC236}">
@@ -26129,7 +27112,7 @@
         <p:spPr>
           <a:xfrm>
             <a:off x="110985" y="1172633"/>
-            <a:ext cx="11128648" cy="4339650"/>
+            <a:ext cx="11128648" cy="4401205"/>
           </a:xfrm>
           <a:prstGeom prst="rect">
             <a:avLst/>
@@ -26146,8 +27129,53 @@
               <a:buChar char="•"/>
             </a:pPr>
             <a:r>
-              <a:rPr lang="en-US" sz="3600" dirty="0"/>
-              <a:t>Improves plan quality, performance of table variables</a:t>
+              <a:rPr lang="en-US" sz="3200" b="1" dirty="0"/>
+              <a:t>Existing behavior: </a:t>
+            </a:r>
+            <a:r>
+              <a:rPr lang="en-US" sz="3200" dirty="0"/>
+              <a:t>Table variables are compiled along with all other statements, cannot know the actual row count at time of execution, so a fixed guess </a:t>
+            </a:r>
+            <a:r>
+              <a:rPr lang="en-US" sz="3200" b="1" dirty="0"/>
+              <a:t>of one row </a:t>
+            </a:r>
+            <a:r>
+              <a:rPr lang="en-US" sz="3200" dirty="0"/>
+              <a:t>is used.  </a:t>
+            </a:r>
+          </a:p>
+          <a:p>
+            <a:pPr marL="1028700" lvl="1" indent="-571500">
+              <a:buFont typeface="Arial" panose="020B0604020202020204" pitchFamily="34" charset="0"/>
+              <a:buChar char="•"/>
+            </a:pPr>
+            <a:r>
+              <a:rPr lang="en-US" sz="2800" dirty="0"/>
+              <a:t>This is why table variables are only good for very small </a:t>
+            </a:r>
+            <a:r>
+              <a:rPr lang="en-US" sz="2800" dirty="0" err="1"/>
+              <a:t>rowcounts</a:t>
+            </a:r>
+            <a:endParaRPr lang="en-US" sz="2800" dirty="0"/>
+          </a:p>
+          <a:p>
+            <a:pPr marL="1028700" lvl="1" indent="-571500">
+              <a:buFont typeface="Arial" panose="020B0604020202020204" pitchFamily="34" charset="0"/>
+              <a:buChar char="•"/>
+            </a:pPr>
+            <a:r>
+              <a:rPr lang="en-US" sz="2800" dirty="0"/>
+              <a:t>Underestimation of </a:t>
+            </a:r>
+            <a:r>
+              <a:rPr lang="en-US" sz="2800" dirty="0" err="1"/>
+              <a:t>rowcount</a:t>
+            </a:r>
+            <a:r>
+              <a:rPr lang="en-US" sz="2800" dirty="0"/>
+              <a:t> caused poor performance</a:t>
             </a:r>
           </a:p>
           <a:p>
@@ -26155,142 +27183,42 @@
               <a:buFont typeface="Arial" panose="020B0604020202020204" pitchFamily="34" charset="0"/>
               <a:buChar char="•"/>
             </a:pPr>
-            <a:endParaRPr lang="en-US" sz="3600" dirty="0"/>
-          </a:p>
-          <a:p>
-            <a:pPr marL="571500" indent="-571500">
-              <a:buFont typeface="Arial" panose="020B0604020202020204" pitchFamily="34" charset="0"/>
-              <a:buChar char="•"/>
-            </a:pPr>
-            <a:r>
-              <a:rPr lang="en-US" sz="3600" dirty="0"/>
-              <a:t>Biggest difference from Temp Tables: Table variables still lack column statistics.</a:t>
-            </a:r>
-          </a:p>
-          <a:p>
-            <a:pPr marL="571500" indent="-571500">
-              <a:buFont typeface="Arial" panose="020B0604020202020204" pitchFamily="34" charset="0"/>
-              <a:buChar char="•"/>
-            </a:pPr>
-            <a:r>
-              <a:rPr lang="en-US" sz="3600" dirty="0"/>
-              <a:t>On by default with </a:t>
-            </a:r>
-            <a:r>
-              <a:rPr lang="en-US" sz="3600" dirty="0" err="1"/>
-              <a:t>compat</a:t>
-            </a:r>
-            <a:r>
-              <a:rPr lang="en-US" sz="3600" dirty="0"/>
-              <a:t> level 150.</a:t>
-            </a:r>
-          </a:p>
-          <a:p>
-            <a:pPr marL="571500" indent="-571500">
-              <a:buFont typeface="Arial" panose="020B0604020202020204" pitchFamily="34" charset="0"/>
-              <a:buChar char="•"/>
-            </a:pPr>
-            <a:endParaRPr lang="en-US" sz="1600" dirty="0"/>
-          </a:p>
-          <a:p>
-            <a:pPr marL="571500" indent="-571500">
-              <a:buFont typeface="Arial" panose="020B0604020202020204" pitchFamily="34" charset="0"/>
-              <a:buChar char="•"/>
-            </a:pPr>
-            <a:endParaRPr lang="en-US" sz="1600" dirty="0">
-              <a:hlinkClick r:id="rId2"/>
-            </a:endParaRPr>
-          </a:p>
-          <a:p>
-            <a:pPr marL="571500" indent="-571500">
-              <a:buFont typeface="Arial" panose="020B0604020202020204" pitchFamily="34" charset="0"/>
-              <a:buChar char="•"/>
-            </a:pPr>
-            <a:endParaRPr lang="en-US" sz="1600" dirty="0">
-              <a:hlinkClick r:id="rId2"/>
-            </a:endParaRPr>
-          </a:p>
-          <a:p>
-            <a:pPr marL="571500" indent="-571500">
-              <a:buFont typeface="Arial" panose="020B0604020202020204" pitchFamily="34" charset="0"/>
-              <a:buChar char="•"/>
-            </a:pPr>
-            <a:r>
-              <a:rPr lang="en-US" sz="1600" dirty="0">
-                <a:hlinkClick r:id="rId2"/>
-              </a:rPr>
-              <a:t>https://blogs.msdn.microsoft.com/sqlserverstorageengine/2018/07/16/public-preview-of-table-variable-deferred-compilation-in-azure-sql-database/</a:t>
-            </a:r>
-            <a:endParaRPr lang="en-US" sz="1600" dirty="0"/>
-          </a:p>
-          <a:p>
-            <a:pPr marL="571500" indent="-571500">
-              <a:buFont typeface="Arial" panose="020B0604020202020204" pitchFamily="34" charset="0"/>
-              <a:buChar char="•"/>
-            </a:pPr>
-            <a:endParaRPr lang="en-US" sz="1600" dirty="0"/>
-          </a:p>
-        </p:txBody>
-      </p:sp>
-      <p:sp>
-        <p:nvSpPr>
-          <p:cNvPr id="5" name="Title 3">
-            <a:extLst>
-              <a:ext uri="{FF2B5EF4-FFF2-40B4-BE49-F238E27FC236}">
-                <a16:creationId xmlns:a16="http://schemas.microsoft.com/office/drawing/2014/main" id="{F9E68D72-7E6F-4867-B835-93B9B113E7E2}"/>
-              </a:ext>
-            </a:extLst>
-          </p:cNvPr>
-          <p:cNvSpPr txBox="1">
-            <a:spLocks/>
-          </p:cNvSpPr>
-          <p:nvPr/>
-        </p:nvSpPr>
-        <p:spPr>
-          <a:xfrm>
-            <a:off x="719138" y="360363"/>
-            <a:ext cx="10801350" cy="720725"/>
-          </a:xfrm>
-          <a:prstGeom prst="rect">
-            <a:avLst/>
-          </a:prstGeom>
-        </p:spPr>
-        <p:txBody>
-          <a:bodyPr vert="horz" lIns="91440" tIns="45720" rIns="91440" bIns="45720" rtlCol="0" anchor="ctr">
-            <a:noAutofit/>
-          </a:bodyPr>
-          <a:lstStyle>
-            <a:lvl1pPr algn="l" defTabSz="864017" rtl="0" eaLnBrk="1" latinLnBrk="0" hangingPunct="1">
-              <a:lnSpc>
-                <a:spcPct val="90000"/>
-              </a:lnSpc>
-              <a:spcBef>
-                <a:spcPct val="0"/>
-              </a:spcBef>
-              <a:buNone/>
-              <a:defRPr sz="3780" b="0" kern="1200">
-                <a:solidFill>
-                  <a:schemeClr val="tx1"/>
-                </a:solidFill>
-                <a:latin typeface="+mn-lt"/>
-                <a:ea typeface="+mj-ea"/>
-                <a:cs typeface="+mj-cs"/>
-              </a:defRPr>
-            </a:lvl1pPr>
-          </a:lstStyle>
-          <a:p>
-            <a:r>
-              <a:rPr lang="en-US" sz="3600" b="1"/>
-              <a:t>Performance Boost: Table variable deferred compilation</a:t>
-            </a:r>
-            <a:endParaRPr lang="en-US" sz="3600" b="1" dirty="0"/>
+            <a:r>
+              <a:rPr lang="en-US" sz="3200" b="1" dirty="0"/>
+              <a:t>In SQL 2019: </a:t>
+            </a:r>
+            <a:r>
+              <a:rPr lang="en-US" sz="3200" dirty="0"/>
+              <a:t>compilation behavior matches that of temp tables, and results in the actual </a:t>
+            </a:r>
+            <a:r>
+              <a:rPr lang="en-US" sz="3200" dirty="0" err="1"/>
+              <a:t>rowcount</a:t>
+            </a:r>
+            <a:r>
+              <a:rPr lang="en-US" sz="3200" dirty="0"/>
+              <a:t> being used in the plan, much better plans. </a:t>
+            </a:r>
+            <a:r>
+              <a:rPr lang="en-US" sz="3200" i="1" dirty="0"/>
+              <a:t>No change if you’re already using Table vars appropriately (for very small </a:t>
+            </a:r>
+            <a:r>
+              <a:rPr lang="en-US" sz="3200" i="1" dirty="0" err="1"/>
+              <a:t>rowcounts</a:t>
+            </a:r>
+            <a:r>
+              <a:rPr lang="en-US" sz="3200" i="1" dirty="0"/>
+              <a:t> only).</a:t>
+            </a:r>
+            <a:endParaRPr lang="en-US" sz="1600" i="1" dirty="0"/>
           </a:p>
         </p:txBody>
       </p:sp>
     </p:spTree>
     <p:extLst>
       <p:ext uri="{BB962C8B-B14F-4D97-AF65-F5344CB8AC3E}">
-        <p14:creationId xmlns:p14="http://schemas.microsoft.com/office/powerpoint/2010/main" val="3129846281"/>
+        <p14:creationId xmlns:p14="http://schemas.microsoft.com/office/powerpoint/2010/main" val="1128674684"/>
       </p:ext>
     </p:extLst>
   </p:cSld>
@@ -26301,7 +27229,7 @@
 </file>
 
 <file path=ppt/slides/slide52.xml><?xml version="1.0" encoding="utf-8"?>
-<p:sld xmlns:a="http://schemas.openxmlformats.org/drawingml/2006/main" xmlns:r="http://schemas.openxmlformats.org/officeDocument/2006/relationships" xmlns:p="http://schemas.openxmlformats.org/presentationml/2006/main" show="0">
+<p:sld xmlns:a="http://schemas.openxmlformats.org/drawingml/2006/main" xmlns:r="http://schemas.openxmlformats.org/officeDocument/2006/relationships" xmlns:p="http://schemas.openxmlformats.org/presentationml/2006/main">
   <p:cSld>
     <p:spTree>
       <p:nvGrpSpPr>
@@ -26329,29 +27257,34 @@
         </p:nvSpPr>
         <p:spPr>
           <a:xfrm>
-            <a:off x="719138" y="360363"/>
+            <a:off x="719138" y="256669"/>
             <a:ext cx="10801350" cy="720725"/>
           </a:xfrm>
         </p:spPr>
         <p:txBody>
           <a:bodyPr>
-            <a:noAutofit/>
+            <a:normAutofit fontScale="90000"/>
           </a:bodyPr>
           <a:lstStyle/>
           <a:p>
-            <a:r>
-              <a:rPr lang="en-US" sz="3600" b="1" dirty="0"/>
-              <a:t>Performance Boost: Table variable deferred compilation</a:t>
-            </a:r>
-          </a:p>
-        </p:txBody>
-      </p:sp>
-      <p:sp>
-        <p:nvSpPr>
-          <p:cNvPr id="2" name="Rectangle 1">
+            <a:pPr>
+              <a:lnSpc>
+                <a:spcPct val="150000"/>
+              </a:lnSpc>
+            </a:pPr>
+            <a:r>
+              <a:rPr lang="en-US" sz="4000" b="1" dirty="0"/>
+              <a:t>More Specific string truncation error messages </a:t>
+            </a:r>
+          </a:p>
+        </p:txBody>
+      </p:sp>
+      <p:sp>
+        <p:nvSpPr>
+          <p:cNvPr id="6" name="Rectangle 5">
             <a:extLst>
               <a:ext uri="{FF2B5EF4-FFF2-40B4-BE49-F238E27FC236}">
-                <a16:creationId xmlns:a16="http://schemas.microsoft.com/office/drawing/2014/main" id="{3A456A49-D9F1-4953-8152-0834928543C1}"/>
+                <a16:creationId xmlns:a16="http://schemas.microsoft.com/office/drawing/2014/main" id="{9FD716AD-0B4D-4E8B-A3D8-87DF012EBF35}"/>
               </a:ext>
             </a:extLst>
           </p:cNvPr>
@@ -26360,8 +27293,8 @@
         </p:nvSpPr>
         <p:spPr>
           <a:xfrm>
-            <a:off x="110985" y="1172633"/>
-            <a:ext cx="11128648" cy="4401205"/>
+            <a:off x="7289" y="1172633"/>
+            <a:ext cx="11653667" cy="4832092"/>
           </a:xfrm>
           <a:prstGeom prst="rect">
             <a:avLst/>
@@ -26373,101 +27306,206 @@
           </a:bodyPr>
           <a:lstStyle/>
           <a:p>
-            <a:pPr marL="571500" indent="-571500">
+            <a:pPr marL="457200" indent="-457200">
               <a:buFont typeface="Arial" panose="020B0604020202020204" pitchFamily="34" charset="0"/>
               <a:buChar char="•"/>
             </a:pPr>
             <a:r>
-              <a:rPr lang="en-US" sz="3200" b="1" dirty="0"/>
-              <a:t>Existing behavior: </a:t>
-            </a:r>
-            <a:r>
-              <a:rPr lang="en-US" sz="3200" dirty="0"/>
-              <a:t>Table variables are compiled along with all other statements, cannot know the actual row count at time of execution, so a fixed guess </a:t>
-            </a:r>
-            <a:r>
-              <a:rPr lang="en-US" sz="3200" b="1" dirty="0"/>
-              <a:t>of one row </a:t>
-            </a:r>
-            <a:r>
-              <a:rPr lang="en-US" sz="3200" dirty="0"/>
-              <a:t>is used.  </a:t>
-            </a:r>
-          </a:p>
-          <a:p>
-            <a:pPr marL="1028700" lvl="1" indent="-571500">
+              <a:rPr lang="en-US" sz="3000" dirty="0"/>
+              <a:t>Introduced in </a:t>
+            </a:r>
+            <a:r>
+              <a:rPr lang="en-US" sz="3000" b="1" dirty="0"/>
+              <a:t>SQL 2019</a:t>
+            </a:r>
+            <a:r>
+              <a:rPr lang="en-US" sz="3000" dirty="0"/>
+              <a:t>. With </a:t>
+            </a:r>
+            <a:r>
+              <a:rPr lang="en-US" sz="3000" b="1" dirty="0"/>
+              <a:t>SQL 2017 CU12 </a:t>
+            </a:r>
+            <a:r>
+              <a:rPr lang="en-US" sz="3000" dirty="0"/>
+              <a:t>and </a:t>
+            </a:r>
+            <a:r>
+              <a:rPr lang="en-US" sz="3000" b="1" dirty="0"/>
+              <a:t>SQL 2016 SP2 CU6 </a:t>
+            </a:r>
+            <a:r>
+              <a:rPr lang="en-US" sz="3000" dirty="0"/>
+              <a:t>this can be enabled with trace flag 460 (recommended!) </a:t>
+            </a:r>
+            <a:endParaRPr lang="en-US" sz="1200" dirty="0"/>
+          </a:p>
+          <a:p>
+            <a:r>
+              <a:rPr lang="en-US" sz="2800" dirty="0"/>
+              <a:t>Old: </a:t>
+            </a:r>
+          </a:p>
+          <a:p>
+            <a:r>
+              <a:rPr lang="en-US" sz="1600" dirty="0">
+                <a:solidFill>
+                  <a:srgbClr val="FF0000"/>
+                </a:solidFill>
+                <a:latin typeface="Consolas" panose="020B0609020204030204" pitchFamily="49" charset="0"/>
+              </a:rPr>
+              <a:t>Msg 2628, Level 16, State 1, Line 10</a:t>
+            </a:r>
+          </a:p>
+          <a:p>
+            <a:r>
+              <a:rPr lang="en-US" sz="1600" dirty="0">
+                <a:solidFill>
+                  <a:srgbClr val="FF0000"/>
+                </a:solidFill>
+                <a:latin typeface="Consolas" panose="020B0609020204030204" pitchFamily="49" charset="0"/>
+              </a:rPr>
+              <a:t>String or binary data would be truncated.</a:t>
+            </a:r>
+          </a:p>
+          <a:p>
+            <a:r>
+              <a:rPr lang="en-US" sz="1600" dirty="0">
+                <a:latin typeface="Consolas" panose="020B0609020204030204" pitchFamily="49" charset="0"/>
+              </a:rPr>
+              <a:t>The statement has been terminated.</a:t>
+            </a:r>
+          </a:p>
+          <a:p>
+            <a:endParaRPr lang="en-US" sz="1600" dirty="0">
+              <a:latin typeface="Consolas" panose="020B0609020204030204" pitchFamily="49" charset="0"/>
+            </a:endParaRPr>
+          </a:p>
+          <a:p>
+            <a:r>
+              <a:rPr lang="en-US" sz="2800" dirty="0"/>
+              <a:t>New:</a:t>
+            </a:r>
+            <a:br>
+              <a:rPr lang="en-US" sz="2800" dirty="0"/>
+            </a:br>
+            <a:r>
+              <a:rPr lang="en-US" sz="1600" dirty="0">
+                <a:solidFill>
+                  <a:srgbClr val="FF0000"/>
+                </a:solidFill>
+                <a:latin typeface="Consolas" panose="020B0609020204030204" pitchFamily="49" charset="0"/>
+              </a:rPr>
+              <a:t>Msg 2628, Level 16, State 1, Line 37</a:t>
+            </a:r>
+          </a:p>
+          <a:p>
+            <a:r>
+              <a:rPr lang="en-US" sz="1600" dirty="0">
+                <a:solidFill>
+                  <a:srgbClr val="FF0000"/>
+                </a:solidFill>
+                <a:latin typeface="Consolas" panose="020B0609020204030204" pitchFamily="49" charset="0"/>
+              </a:rPr>
+              <a:t>String or binary data would be truncated in table '</a:t>
+            </a:r>
+            <a:r>
+              <a:rPr lang="en-US" sz="1600" dirty="0" err="1">
+                <a:solidFill>
+                  <a:srgbClr val="FF0000"/>
+                </a:solidFill>
+                <a:latin typeface="Consolas" panose="020B0609020204030204" pitchFamily="49" charset="0"/>
+              </a:rPr>
+              <a:t>tempdb.dbo.string_truncation_test</a:t>
+            </a:r>
+            <a:r>
+              <a:rPr lang="en-US" sz="1600" dirty="0">
+                <a:solidFill>
+                  <a:srgbClr val="FF0000"/>
+                </a:solidFill>
+                <a:latin typeface="Consolas" panose="020B0609020204030204" pitchFamily="49" charset="0"/>
+              </a:rPr>
+              <a:t>', column 'chars'. </a:t>
+            </a:r>
+          </a:p>
+          <a:p>
+            <a:r>
+              <a:rPr lang="en-US" sz="1600" dirty="0">
+                <a:solidFill>
+                  <a:srgbClr val="FF0000"/>
+                </a:solidFill>
+                <a:latin typeface="Consolas" panose="020B0609020204030204" pitchFamily="49" charset="0"/>
+              </a:rPr>
+              <a:t>Truncated value: 'aaaaaaaaaaaaaaaaaaaaaaaaaaaaaaaaaaaaaaaaaaaaaaaaaaaaaaaaaaaaaaaaaaaaaaaaaaaaaaaaaaaa</a:t>
+            </a:r>
+            <a:br>
+              <a:rPr lang="en-US" sz="1600" dirty="0">
+                <a:solidFill>
+                  <a:srgbClr val="FF0000"/>
+                </a:solidFill>
+                <a:latin typeface="Consolas" panose="020B0609020204030204" pitchFamily="49" charset="0"/>
+              </a:rPr>
+            </a:br>
+            <a:r>
+              <a:rPr lang="en-US" sz="1600" dirty="0" err="1">
+                <a:solidFill>
+                  <a:srgbClr val="FF0000"/>
+                </a:solidFill>
+                <a:latin typeface="Consolas" panose="020B0609020204030204" pitchFamily="49" charset="0"/>
+              </a:rPr>
+              <a:t>aaaaaaaaaaaaaaaa</a:t>
+            </a:r>
+            <a:r>
+              <a:rPr lang="en-US" sz="1600" dirty="0">
+                <a:solidFill>
+                  <a:srgbClr val="FF0000"/>
+                </a:solidFill>
+                <a:latin typeface="Consolas" panose="020B0609020204030204" pitchFamily="49" charset="0"/>
+              </a:rPr>
+              <a:t>'.</a:t>
+            </a:r>
+          </a:p>
+          <a:p>
+            <a:r>
+              <a:rPr lang="en-US" sz="1600" dirty="0">
+                <a:latin typeface="Consolas" panose="020B0609020204030204" pitchFamily="49" charset="0"/>
+              </a:rPr>
+              <a:t>The statement has been terminated.</a:t>
+            </a:r>
+            <a:br>
+              <a:rPr lang="en-US" dirty="0">
+                <a:latin typeface="Consolas" panose="020B0609020204030204" pitchFamily="49" charset="0"/>
+              </a:rPr>
+            </a:br>
+            <a:endParaRPr lang="en-US" dirty="0">
+              <a:latin typeface="Consolas" panose="020B0609020204030204" pitchFamily="49" charset="0"/>
+            </a:endParaRPr>
+          </a:p>
+          <a:p>
+            <a:pPr marL="285750" indent="-285750">
               <a:buFont typeface="Arial" panose="020B0604020202020204" pitchFamily="34" charset="0"/>
               <a:buChar char="•"/>
             </a:pPr>
             <a:r>
-              <a:rPr lang="en-US" sz="2800" dirty="0"/>
-              <a:t>This is why table variables are only good for very small </a:t>
-            </a:r>
-            <a:r>
-              <a:rPr lang="en-US" sz="2800" dirty="0" err="1"/>
-              <a:t>rowcounts</a:t>
-            </a:r>
-            <a:endParaRPr lang="en-US" sz="2800" dirty="0"/>
-          </a:p>
-          <a:p>
-            <a:pPr marL="1028700" lvl="1" indent="-571500">
-              <a:buFont typeface="Arial" panose="020B0604020202020204" pitchFamily="34" charset="0"/>
-              <a:buChar char="•"/>
-            </a:pPr>
-            <a:r>
-              <a:rPr lang="en-US" sz="2800" dirty="0"/>
-              <a:t>Underestimation of </a:t>
-            </a:r>
-            <a:r>
-              <a:rPr lang="en-US" sz="2800" dirty="0" err="1"/>
-              <a:t>rowcount</a:t>
-            </a:r>
-            <a:r>
-              <a:rPr lang="en-US" sz="2800" dirty="0"/>
-              <a:t> caused poor performance</a:t>
-            </a:r>
-          </a:p>
-          <a:p>
-            <a:pPr marL="571500" indent="-571500">
-              <a:buFont typeface="Arial" panose="020B0604020202020204" pitchFamily="34" charset="0"/>
-              <a:buChar char="•"/>
-            </a:pPr>
-            <a:r>
-              <a:rPr lang="en-US" sz="3200" b="1" dirty="0"/>
-              <a:t>In SQL 2019: </a:t>
-            </a:r>
-            <a:r>
-              <a:rPr lang="en-US" sz="3200" dirty="0"/>
-              <a:t>compilation behavior matches that of temp tables, and results in the actual </a:t>
-            </a:r>
-            <a:r>
-              <a:rPr lang="en-US" sz="3200" dirty="0" err="1"/>
-              <a:t>rowcount</a:t>
-            </a:r>
-            <a:r>
-              <a:rPr lang="en-US" sz="3200" dirty="0"/>
-              <a:t> being used in the plan, much better plans. </a:t>
-            </a:r>
-            <a:r>
-              <a:rPr lang="en-US" sz="3200" i="1" dirty="0"/>
-              <a:t>No change if you’re already using Table vars appropriately (for very small </a:t>
-            </a:r>
-            <a:r>
-              <a:rPr lang="en-US" sz="3200" i="1" dirty="0" err="1"/>
-              <a:t>rowcounts</a:t>
-            </a:r>
-            <a:r>
-              <a:rPr lang="en-US" sz="3200" i="1" dirty="0"/>
-              <a:t> only).</a:t>
-            </a:r>
-            <a:endParaRPr lang="en-US" sz="1600" i="1" dirty="0"/>
+              <a:rPr lang="en-US" sz="1600" dirty="0"/>
+              <a:t>Lab - toolbox\lab - string truncation error message improvement in SQL 2019.sql</a:t>
+            </a:r>
+          </a:p>
+          <a:p>
+            <a:r>
+              <a:rPr lang="en-US" sz="1200" dirty="0">
+                <a:hlinkClick r:id="rId2"/>
+              </a:rPr>
+              <a:t>https://support.microsoft.com/en-us/help/4468101/optional-replacement-for-string-or-binary-data-would-be-truncated</a:t>
+            </a:r>
+            <a:endParaRPr lang="en-US" sz="1200" dirty="0"/>
           </a:p>
         </p:txBody>
       </p:sp>
     </p:spTree>
     <p:extLst>
       <p:ext uri="{BB962C8B-B14F-4D97-AF65-F5344CB8AC3E}">
-        <p14:creationId xmlns:p14="http://schemas.microsoft.com/office/powerpoint/2010/main" val="1128674684"/>
+        <p14:creationId xmlns:p14="http://schemas.microsoft.com/office/powerpoint/2010/main" val="1313392188"/>
       </p:ext>
     </p:extLst>
   </p:cSld>
@@ -26506,7 +27544,7 @@
         </p:nvSpPr>
         <p:spPr>
           <a:xfrm>
-            <a:off x="719138" y="256669"/>
+            <a:off x="719138" y="360363"/>
             <a:ext cx="10801350" cy="720725"/>
           </a:xfrm>
         </p:spPr>
@@ -26523,17 +27561,17 @@
             </a:pPr>
             <a:r>
               <a:rPr lang="en-US" sz="4000" b="1" dirty="0"/>
-              <a:t>More Specific string truncation error messages </a:t>
-            </a:r>
-          </a:p>
-        </p:txBody>
-      </p:sp>
-      <p:sp>
-        <p:nvSpPr>
-          <p:cNvPr id="6" name="Rectangle 5">
+              <a:t>New Data Classification Schema</a:t>
+            </a:r>
+          </a:p>
+        </p:txBody>
+      </p:sp>
+      <p:sp>
+        <p:nvSpPr>
+          <p:cNvPr id="3" name="Rectangle 2">
             <a:extLst>
               <a:ext uri="{FF2B5EF4-FFF2-40B4-BE49-F238E27FC236}">
-                <a16:creationId xmlns:a16="http://schemas.microsoft.com/office/drawing/2014/main" id="{9FD716AD-0B4D-4E8B-A3D8-87DF012EBF35}"/>
+                <a16:creationId xmlns:a16="http://schemas.microsoft.com/office/drawing/2014/main" id="{5FE92851-6189-408B-832C-D2FB84FA89B1}"/>
               </a:ext>
             </a:extLst>
           </p:cNvPr>
@@ -26542,8 +27580,8 @@
         </p:nvSpPr>
         <p:spPr>
           <a:xfrm>
-            <a:off x="7289" y="1172633"/>
-            <a:ext cx="11653667" cy="4832092"/>
+            <a:off x="110985" y="1172633"/>
+            <a:ext cx="11128648" cy="4216539"/>
           </a:xfrm>
           <a:prstGeom prst="rect">
             <a:avLst/>
@@ -26555,206 +27593,79 @@
           </a:bodyPr>
           <a:lstStyle/>
           <a:p>
-            <a:pPr marL="457200" indent="-457200">
+            <a:pPr marL="571500" indent="-571500">
               <a:buFont typeface="Arial" panose="020B0604020202020204" pitchFamily="34" charset="0"/>
               <a:buChar char="•"/>
             </a:pPr>
             <a:r>
-              <a:rPr lang="en-US" sz="3000" dirty="0"/>
-              <a:t>Introduced in </a:t>
-            </a:r>
-            <a:r>
-              <a:rPr lang="en-US" sz="3000" b="1" dirty="0"/>
-              <a:t>SQL 2019</a:t>
-            </a:r>
-            <a:r>
-              <a:rPr lang="en-US" sz="3000" dirty="0"/>
-              <a:t>. With </a:t>
-            </a:r>
-            <a:r>
-              <a:rPr lang="en-US" sz="3000" b="1" dirty="0"/>
-              <a:t>SQL 2017 CU12 </a:t>
-            </a:r>
-            <a:r>
-              <a:rPr lang="en-US" sz="3000" dirty="0"/>
-              <a:t>and </a:t>
-            </a:r>
-            <a:r>
-              <a:rPr lang="en-US" sz="3000" b="1" dirty="0"/>
-              <a:t>SQL 2016 SP2 CU6 </a:t>
-            </a:r>
-            <a:r>
-              <a:rPr lang="en-US" sz="3000" dirty="0"/>
-              <a:t>this can be enabled with trace flag 460 (recommended!) </a:t>
-            </a:r>
-            <a:endParaRPr lang="en-US" sz="1200" dirty="0"/>
-          </a:p>
-          <a:p>
-            <a:r>
-              <a:rPr lang="en-US" sz="2800" dirty="0"/>
-              <a:t>Old: </a:t>
-            </a:r>
-          </a:p>
-          <a:p>
-            <a:r>
-              <a:rPr lang="en-US" sz="1600" dirty="0">
-                <a:solidFill>
-                  <a:srgbClr val="FF0000"/>
-                </a:solidFill>
-                <a:latin typeface="Consolas" panose="020B0609020204030204" pitchFamily="49" charset="0"/>
-              </a:rPr>
-              <a:t>Msg 2628, Level 16, State 1, Line 10</a:t>
-            </a:r>
-          </a:p>
-          <a:p>
-            <a:r>
-              <a:rPr lang="en-US" sz="1600" dirty="0">
-                <a:solidFill>
-                  <a:srgbClr val="FF0000"/>
-                </a:solidFill>
-                <a:latin typeface="Consolas" panose="020B0609020204030204" pitchFamily="49" charset="0"/>
-              </a:rPr>
-              <a:t>String or binary data would be truncated.</a:t>
-            </a:r>
-          </a:p>
-          <a:p>
-            <a:r>
-              <a:rPr lang="en-US" sz="1600" dirty="0">
-                <a:latin typeface="Consolas" panose="020B0609020204030204" pitchFamily="49" charset="0"/>
-              </a:rPr>
-              <a:t>The statement has been terminated.</a:t>
-            </a:r>
-          </a:p>
-          <a:p>
-            <a:endParaRPr lang="en-US" sz="1600" dirty="0">
-              <a:latin typeface="Consolas" panose="020B0609020204030204" pitchFamily="49" charset="0"/>
-            </a:endParaRPr>
-          </a:p>
-          <a:p>
-            <a:r>
-              <a:rPr lang="en-US" sz="2800" dirty="0"/>
-              <a:t>New:</a:t>
-            </a:r>
-            <a:br>
-              <a:rPr lang="en-US" sz="2800" dirty="0"/>
-            </a:br>
-            <a:r>
-              <a:rPr lang="en-US" sz="1600" dirty="0">
-                <a:solidFill>
-                  <a:srgbClr val="FF0000"/>
-                </a:solidFill>
-                <a:latin typeface="Consolas" panose="020B0609020204030204" pitchFamily="49" charset="0"/>
-              </a:rPr>
-              <a:t>Msg 2628, Level 16, State 1, Line 37</a:t>
-            </a:r>
-          </a:p>
-          <a:p>
-            <a:r>
-              <a:rPr lang="en-US" sz="1600" dirty="0">
-                <a:solidFill>
-                  <a:srgbClr val="FF0000"/>
-                </a:solidFill>
-                <a:latin typeface="Consolas" panose="020B0609020204030204" pitchFamily="49" charset="0"/>
-              </a:rPr>
-              <a:t>String or binary data would be truncated in table '</a:t>
-            </a:r>
-            <a:r>
-              <a:rPr lang="en-US" sz="1600" dirty="0" err="1">
-                <a:solidFill>
-                  <a:srgbClr val="FF0000"/>
-                </a:solidFill>
-                <a:latin typeface="Consolas" panose="020B0609020204030204" pitchFamily="49" charset="0"/>
-              </a:rPr>
-              <a:t>tempdb.dbo.string_truncation_test</a:t>
-            </a:r>
-            <a:r>
-              <a:rPr lang="en-US" sz="1600" dirty="0">
-                <a:solidFill>
-                  <a:srgbClr val="FF0000"/>
-                </a:solidFill>
-                <a:latin typeface="Consolas" panose="020B0609020204030204" pitchFamily="49" charset="0"/>
-              </a:rPr>
-              <a:t>', column 'chars'. </a:t>
-            </a:r>
-          </a:p>
-          <a:p>
-            <a:r>
-              <a:rPr lang="en-US" sz="1600" dirty="0">
-                <a:solidFill>
-                  <a:srgbClr val="FF0000"/>
-                </a:solidFill>
-                <a:latin typeface="Consolas" panose="020B0609020204030204" pitchFamily="49" charset="0"/>
-              </a:rPr>
-              <a:t>Truncated value: 'aaaaaaaaaaaaaaaaaaaaaaaaaaaaaaaaaaaaaaaaaaaaaaaaaaaaaaaaaaaaaaaaaaaaaaaaaaaaaaaaaaaa</a:t>
-            </a:r>
-            <a:br>
-              <a:rPr lang="en-US" sz="1600" dirty="0">
-                <a:solidFill>
-                  <a:srgbClr val="FF0000"/>
-                </a:solidFill>
-                <a:latin typeface="Consolas" panose="020B0609020204030204" pitchFamily="49" charset="0"/>
-              </a:rPr>
-            </a:br>
-            <a:r>
-              <a:rPr lang="en-US" sz="1600" dirty="0" err="1">
-                <a:solidFill>
-                  <a:srgbClr val="FF0000"/>
-                </a:solidFill>
-                <a:latin typeface="Consolas" panose="020B0609020204030204" pitchFamily="49" charset="0"/>
-              </a:rPr>
-              <a:t>aaaaaaaaaaaaaaaa</a:t>
-            </a:r>
-            <a:r>
-              <a:rPr lang="en-US" sz="1600" dirty="0">
-                <a:solidFill>
-                  <a:srgbClr val="FF0000"/>
-                </a:solidFill>
-                <a:latin typeface="Consolas" panose="020B0609020204030204" pitchFamily="49" charset="0"/>
-              </a:rPr>
-              <a:t>'.</a:t>
-            </a:r>
-          </a:p>
-          <a:p>
-            <a:r>
-              <a:rPr lang="en-US" sz="1600" dirty="0">
-                <a:latin typeface="Consolas" panose="020B0609020204030204" pitchFamily="49" charset="0"/>
-              </a:rPr>
-              <a:t>The statement has been terminated.</a:t>
-            </a:r>
-            <a:br>
-              <a:rPr lang="en-US" dirty="0">
-                <a:latin typeface="Consolas" panose="020B0609020204030204" pitchFamily="49" charset="0"/>
-              </a:rPr>
-            </a:br>
-            <a:endParaRPr lang="en-US" dirty="0">
-              <a:latin typeface="Consolas" panose="020B0609020204030204" pitchFamily="49" charset="0"/>
-            </a:endParaRPr>
-          </a:p>
-          <a:p>
-            <a:pPr marL="285750" indent="-285750">
+              <a:rPr lang="en-US" sz="3600" dirty="0"/>
+              <a:t>Before SQL 2019, Data Classification feature used database extended properties to store this data.</a:t>
+            </a:r>
+          </a:p>
+          <a:p>
+            <a:pPr marL="571500" indent="-571500">
               <a:buFont typeface="Arial" panose="020B0604020202020204" pitchFamily="34" charset="0"/>
               <a:buChar char="•"/>
             </a:pPr>
             <a:r>
-              <a:rPr lang="en-US" sz="1600" dirty="0"/>
-              <a:t>Lab - toolbox\lab - string truncation error message improvement in SQL 2019.sql</a:t>
-            </a:r>
-          </a:p>
-          <a:p>
+              <a:rPr lang="en-US" sz="3600" dirty="0"/>
+              <a:t>Now, a dedicated schema for this data in SQL 2019.</a:t>
+            </a:r>
+          </a:p>
+          <a:p>
+            <a:pPr marL="571500" indent="-571500">
+              <a:buFont typeface="Arial" panose="020B0604020202020204" pitchFamily="34" charset="0"/>
+              <a:buChar char="•"/>
+            </a:pPr>
+            <a:r>
+              <a:rPr lang="en-US" sz="3600" dirty="0"/>
+              <a:t>Designed to aid auditing, GDPR or CCPA compliance.</a:t>
+            </a:r>
+          </a:p>
+          <a:p>
+            <a:pPr marL="571500" indent="-571500">
+              <a:buFont typeface="Arial" panose="020B0604020202020204" pitchFamily="34" charset="0"/>
+              <a:buChar char="•"/>
+            </a:pPr>
+            <a:r>
+              <a:rPr lang="en-US" sz="3200" dirty="0"/>
+              <a:t>Related to the “SQL Data Discovery and Classification” tool introduced in SSMS 17.5.</a:t>
+            </a:r>
+            <a:br>
+              <a:rPr lang="en-US" sz="3200" dirty="0"/>
+            </a:br>
             <a:r>
               <a:rPr lang="en-US" sz="1200" dirty="0">
-                <a:hlinkClick r:id="rId2"/>
+                <a:hlinkClick r:id="rId3"/>
               </a:rPr>
-              <a:t>https://support.microsoft.com/en-us/help/4468101/optional-replacement-for-string-or-binary-data-would-be-truncated</a:t>
+              <a:t>https://docs.microsoft.com/en-us/sql/relational-databases/security/sql-data-discovery-and-classification?view=sql-server-ver15&amp;tabs=t-sql</a:t>
             </a:r>
             <a:endParaRPr lang="en-US" sz="1200" dirty="0"/>
+          </a:p>
+          <a:p>
+            <a:pPr marL="571500" indent="-571500">
+              <a:buFont typeface="Arial" panose="020B0604020202020204" pitchFamily="34" charset="0"/>
+              <a:buChar char="•"/>
+            </a:pPr>
+            <a:endParaRPr lang="en-US" sz="1200" dirty="0"/>
+          </a:p>
+          <a:p>
+            <a:pPr marL="571500" indent="-571500">
+              <a:buFont typeface="Arial" panose="020B0604020202020204" pitchFamily="34" charset="0"/>
+              <a:buChar char="•"/>
+            </a:pPr>
+            <a:r>
+              <a:rPr lang="en-US" sz="3600" dirty="0"/>
+              <a:t>Available in all editions.</a:t>
+            </a:r>
+            <a:endParaRPr lang="en-US" sz="1600" dirty="0"/>
           </a:p>
         </p:txBody>
       </p:sp>
     </p:spTree>
     <p:extLst>
       <p:ext uri="{BB962C8B-B14F-4D97-AF65-F5344CB8AC3E}">
-        <p14:creationId xmlns:p14="http://schemas.microsoft.com/office/powerpoint/2010/main" val="1313392188"/>
+        <p14:creationId xmlns:p14="http://schemas.microsoft.com/office/powerpoint/2010/main" val="462918957"/>
       </p:ext>
     </p:extLst>
   </p:cSld>
@@ -26765,6 +27676,151 @@
 </file>
 
 <file path=ppt/slides/slide54.xml><?xml version="1.0" encoding="utf-8"?>
+<p:sld xmlns:a="http://schemas.openxmlformats.org/drawingml/2006/main" xmlns:r="http://schemas.openxmlformats.org/officeDocument/2006/relationships" xmlns:p="http://schemas.openxmlformats.org/presentationml/2006/main" show="0">
+  <p:cSld>
+    <p:spTree>
+      <p:nvGrpSpPr>
+        <p:cNvPr id="1" name=""/>
+        <p:cNvGrpSpPr/>
+        <p:nvPr/>
+      </p:nvGrpSpPr>
+      <p:grpSpPr>
+        <a:xfrm>
+          <a:off x="0" y="0"/>
+          <a:ext cx="0" cy="0"/>
+          <a:chOff x="0" y="0"/>
+          <a:chExt cx="0" cy="0"/>
+        </a:xfrm>
+      </p:grpSpPr>
+      <p:sp>
+        <p:nvSpPr>
+          <p:cNvPr id="4" name="Title 3"/>
+          <p:cNvSpPr>
+            <a:spLocks noGrp="1"/>
+          </p:cNvSpPr>
+          <p:nvPr>
+            <p:ph type="title" idx="4294967295"/>
+          </p:nvPr>
+        </p:nvSpPr>
+        <p:spPr>
+          <a:xfrm>
+            <a:off x="719138" y="360363"/>
+            <a:ext cx="10801350" cy="720725"/>
+          </a:xfrm>
+        </p:spPr>
+        <p:txBody>
+          <a:bodyPr>
+            <a:normAutofit fontScale="90000"/>
+          </a:bodyPr>
+          <a:lstStyle/>
+          <a:p>
+            <a:pPr>
+              <a:lnSpc>
+                <a:spcPct val="150000"/>
+              </a:lnSpc>
+            </a:pPr>
+            <a:r>
+              <a:rPr lang="en-US" sz="4000" b="1" dirty="0"/>
+              <a:t>SQL Assessment API</a:t>
+            </a:r>
+          </a:p>
+        </p:txBody>
+      </p:sp>
+      <p:sp>
+        <p:nvSpPr>
+          <p:cNvPr id="3" name="Rectangle 2">
+            <a:extLst>
+              <a:ext uri="{FF2B5EF4-FFF2-40B4-BE49-F238E27FC236}">
+                <a16:creationId xmlns:a16="http://schemas.microsoft.com/office/drawing/2014/main" id="{5FE92851-6189-408B-832C-D2FB84FA89B1}"/>
+              </a:ext>
+            </a:extLst>
+          </p:cNvPr>
+          <p:cNvSpPr/>
+          <p:nvPr/>
+        </p:nvSpPr>
+        <p:spPr>
+          <a:xfrm>
+            <a:off x="110985" y="1172633"/>
+            <a:ext cx="11128648" cy="3693319"/>
+          </a:xfrm>
+          <a:prstGeom prst="rect">
+            <a:avLst/>
+          </a:prstGeom>
+        </p:spPr>
+        <p:txBody>
+          <a:bodyPr wrap="square">
+            <a:spAutoFit/>
+          </a:bodyPr>
+          <a:lstStyle/>
+          <a:p>
+            <a:pPr marL="571500" indent="-571500">
+              <a:buFont typeface="Arial" panose="020B0604020202020204" pitchFamily="34" charset="0"/>
+              <a:buChar char="•"/>
+            </a:pPr>
+            <a:r>
+              <a:rPr lang="en-US" sz="3600" dirty="0"/>
+              <a:t>New programmatic interface for Microsoft-provided SQL Server Health Checks.</a:t>
+            </a:r>
+          </a:p>
+          <a:p>
+            <a:pPr marL="571500" indent="-571500">
+              <a:buFont typeface="Arial" panose="020B0604020202020204" pitchFamily="34" charset="0"/>
+              <a:buChar char="•"/>
+            </a:pPr>
+            <a:r>
+              <a:rPr lang="en-US" sz="3600" dirty="0"/>
+              <a:t>Can access with .NET, PowerShell, etc.</a:t>
+            </a:r>
+          </a:p>
+          <a:p>
+            <a:pPr marL="571500" indent="-571500">
+              <a:buFont typeface="Arial" panose="020B0604020202020204" pitchFamily="34" charset="0"/>
+              <a:buChar char="•"/>
+            </a:pPr>
+            <a:r>
+              <a:rPr lang="en-US" sz="3600" dirty="0"/>
+              <a:t>Part of the new SMO, actually delivered with the latest editions of SSMS, not SQL Server.</a:t>
+            </a:r>
+          </a:p>
+          <a:p>
+            <a:pPr marL="571500" indent="-571500">
+              <a:buFont typeface="Arial" panose="020B0604020202020204" pitchFamily="34" charset="0"/>
+              <a:buChar char="•"/>
+            </a:pPr>
+            <a:r>
+              <a:rPr lang="en-US" sz="3600" dirty="0"/>
+              <a:t>Available in all editions.</a:t>
+            </a:r>
+          </a:p>
+          <a:p>
+            <a:pPr marL="571500" indent="-571500">
+              <a:buFont typeface="Arial" panose="020B0604020202020204" pitchFamily="34" charset="0"/>
+              <a:buChar char="•"/>
+            </a:pPr>
+            <a:r>
+              <a:rPr lang="en-US" dirty="0">
+                <a:hlinkClick r:id="rId2"/>
+              </a:rPr>
+              <a:t>https://docs.microsoft.com/en-us/sql/sql-assessment-api/sql-assessment-api-overview?view=sql-server-ver15</a:t>
+            </a:r>
+            <a:endParaRPr lang="en-US" dirty="0"/>
+          </a:p>
+        </p:txBody>
+      </p:sp>
+    </p:spTree>
+    <p:extLst>
+      <p:ext uri="{BB962C8B-B14F-4D97-AF65-F5344CB8AC3E}">
+        <p14:creationId xmlns:p14="http://schemas.microsoft.com/office/powerpoint/2010/main" val="919756478"/>
+      </p:ext>
+    </p:extLst>
+  </p:cSld>
+  <p:clrMapOvr>
+    <a:masterClrMapping/>
+  </p:clrMapOvr>
+</p:sld>
+</file>
+
+<file path=ppt/slides/slide55.xml><?xml version="1.0" encoding="utf-8"?>
 <p:sld xmlns:a="http://schemas.openxmlformats.org/drawingml/2006/main" xmlns:r="http://schemas.openxmlformats.org/officeDocument/2006/relationships" xmlns:p="http://schemas.openxmlformats.org/presentationml/2006/main">
   <p:cSld>
     <p:spTree>
@@ -26783,311 +27839,6 @@
       </p:grpSpPr>
       <p:sp>
         <p:nvSpPr>
-          <p:cNvPr id="4" name="Title 3"/>
-          <p:cNvSpPr>
-            <a:spLocks noGrp="1"/>
-          </p:cNvSpPr>
-          <p:nvPr>
-            <p:ph type="title" idx="4294967295"/>
-          </p:nvPr>
-        </p:nvSpPr>
-        <p:spPr>
-          <a:xfrm>
-            <a:off x="719138" y="360363"/>
-            <a:ext cx="10801350" cy="720725"/>
-          </a:xfrm>
-        </p:spPr>
-        <p:txBody>
-          <a:bodyPr>
-            <a:normAutofit fontScale="90000"/>
-          </a:bodyPr>
-          <a:lstStyle/>
-          <a:p>
-            <a:pPr>
-              <a:lnSpc>
-                <a:spcPct val="150000"/>
-              </a:lnSpc>
-            </a:pPr>
-            <a:r>
-              <a:rPr lang="en-US" sz="4000" b="1" dirty="0"/>
-              <a:t>New Data Classification Schema</a:t>
-            </a:r>
-          </a:p>
-        </p:txBody>
-      </p:sp>
-      <p:sp>
-        <p:nvSpPr>
-          <p:cNvPr id="3" name="Rectangle 2">
-            <a:extLst>
-              <a:ext uri="{FF2B5EF4-FFF2-40B4-BE49-F238E27FC236}">
-                <a16:creationId xmlns:a16="http://schemas.microsoft.com/office/drawing/2014/main" id="{5FE92851-6189-408B-832C-D2FB84FA89B1}"/>
-              </a:ext>
-            </a:extLst>
-          </p:cNvPr>
-          <p:cNvSpPr/>
-          <p:nvPr/>
-        </p:nvSpPr>
-        <p:spPr>
-          <a:xfrm>
-            <a:off x="110985" y="1172633"/>
-            <a:ext cx="11128648" cy="4216539"/>
-          </a:xfrm>
-          <a:prstGeom prst="rect">
-            <a:avLst/>
-          </a:prstGeom>
-        </p:spPr>
-        <p:txBody>
-          <a:bodyPr wrap="square">
-            <a:spAutoFit/>
-          </a:bodyPr>
-          <a:lstStyle/>
-          <a:p>
-            <a:pPr marL="571500" indent="-571500">
-              <a:buFont typeface="Arial" panose="020B0604020202020204" pitchFamily="34" charset="0"/>
-              <a:buChar char="•"/>
-            </a:pPr>
-            <a:r>
-              <a:rPr lang="en-US" sz="3600" dirty="0"/>
-              <a:t>Before SQL 2019, Data Classification feature used database extended properties to store this data.</a:t>
-            </a:r>
-          </a:p>
-          <a:p>
-            <a:pPr marL="571500" indent="-571500">
-              <a:buFont typeface="Arial" panose="020B0604020202020204" pitchFamily="34" charset="0"/>
-              <a:buChar char="•"/>
-            </a:pPr>
-            <a:r>
-              <a:rPr lang="en-US" sz="3600" dirty="0"/>
-              <a:t>Now, a dedicated schema for this data in SQL 2019.</a:t>
-            </a:r>
-          </a:p>
-          <a:p>
-            <a:pPr marL="571500" indent="-571500">
-              <a:buFont typeface="Arial" panose="020B0604020202020204" pitchFamily="34" charset="0"/>
-              <a:buChar char="•"/>
-            </a:pPr>
-            <a:r>
-              <a:rPr lang="en-US" sz="3600" dirty="0"/>
-              <a:t>Designed to aid auditing, GDPR, and compliance.</a:t>
-            </a:r>
-          </a:p>
-          <a:p>
-            <a:pPr marL="571500" indent="-571500">
-              <a:buFont typeface="Arial" panose="020B0604020202020204" pitchFamily="34" charset="0"/>
-              <a:buChar char="•"/>
-            </a:pPr>
-            <a:r>
-              <a:rPr lang="en-US" sz="3200" dirty="0"/>
-              <a:t>Related to the “SQL Data Discovery and Classification” tool introduced in SSMS 17.5.</a:t>
-            </a:r>
-            <a:br>
-              <a:rPr lang="en-US" sz="3200" dirty="0"/>
-            </a:br>
-            <a:r>
-              <a:rPr lang="en-US" sz="1200" dirty="0">
-                <a:hlinkClick r:id="rId2"/>
-              </a:rPr>
-              <a:t>https://docs.microsoft.com/en-us/sql/relational-databases/security/sql-data-discovery-and-classification?view=sql-server-ver15&amp;tabs=t-sql</a:t>
-            </a:r>
-            <a:endParaRPr lang="en-US" sz="1200" dirty="0"/>
-          </a:p>
-          <a:p>
-            <a:pPr marL="571500" indent="-571500">
-              <a:buFont typeface="Arial" panose="020B0604020202020204" pitchFamily="34" charset="0"/>
-              <a:buChar char="•"/>
-            </a:pPr>
-            <a:endParaRPr lang="en-US" sz="1200" dirty="0"/>
-          </a:p>
-          <a:p>
-            <a:pPr marL="571500" indent="-571500">
-              <a:buFont typeface="Arial" panose="020B0604020202020204" pitchFamily="34" charset="0"/>
-              <a:buChar char="•"/>
-            </a:pPr>
-            <a:r>
-              <a:rPr lang="en-US" sz="3600" dirty="0"/>
-              <a:t>Available in all editions.</a:t>
-            </a:r>
-            <a:endParaRPr lang="en-US" sz="1600" dirty="0"/>
-          </a:p>
-        </p:txBody>
-      </p:sp>
-    </p:spTree>
-    <p:extLst>
-      <p:ext uri="{BB962C8B-B14F-4D97-AF65-F5344CB8AC3E}">
-        <p14:creationId xmlns:p14="http://schemas.microsoft.com/office/powerpoint/2010/main" val="462918957"/>
-      </p:ext>
-    </p:extLst>
-  </p:cSld>
-  <p:clrMapOvr>
-    <a:masterClrMapping/>
-  </p:clrMapOvr>
-</p:sld>
-</file>
-
-<file path=ppt/slides/slide55.xml><?xml version="1.0" encoding="utf-8"?>
-<p:sld xmlns:a="http://schemas.openxmlformats.org/drawingml/2006/main" xmlns:r="http://schemas.openxmlformats.org/officeDocument/2006/relationships" xmlns:p="http://schemas.openxmlformats.org/presentationml/2006/main" show="0">
-  <p:cSld>
-    <p:spTree>
-      <p:nvGrpSpPr>
-        <p:cNvPr id="1" name=""/>
-        <p:cNvGrpSpPr/>
-        <p:nvPr/>
-      </p:nvGrpSpPr>
-      <p:grpSpPr>
-        <a:xfrm>
-          <a:off x="0" y="0"/>
-          <a:ext cx="0" cy="0"/>
-          <a:chOff x="0" y="0"/>
-          <a:chExt cx="0" cy="0"/>
-        </a:xfrm>
-      </p:grpSpPr>
-      <p:sp>
-        <p:nvSpPr>
-          <p:cNvPr id="4" name="Title 3"/>
-          <p:cNvSpPr>
-            <a:spLocks noGrp="1"/>
-          </p:cNvSpPr>
-          <p:nvPr>
-            <p:ph type="title" idx="4294967295"/>
-          </p:nvPr>
-        </p:nvSpPr>
-        <p:spPr>
-          <a:xfrm>
-            <a:off x="719138" y="360363"/>
-            <a:ext cx="10801350" cy="720725"/>
-          </a:xfrm>
-        </p:spPr>
-        <p:txBody>
-          <a:bodyPr>
-            <a:normAutofit fontScale="90000"/>
-          </a:bodyPr>
-          <a:lstStyle/>
-          <a:p>
-            <a:pPr>
-              <a:lnSpc>
-                <a:spcPct val="150000"/>
-              </a:lnSpc>
-            </a:pPr>
-            <a:r>
-              <a:rPr lang="en-US" sz="4000" b="1" dirty="0"/>
-              <a:t>SQL Assessment API</a:t>
-            </a:r>
-          </a:p>
-        </p:txBody>
-      </p:sp>
-      <p:sp>
-        <p:nvSpPr>
-          <p:cNvPr id="3" name="Rectangle 2">
-            <a:extLst>
-              <a:ext uri="{FF2B5EF4-FFF2-40B4-BE49-F238E27FC236}">
-                <a16:creationId xmlns:a16="http://schemas.microsoft.com/office/drawing/2014/main" id="{5FE92851-6189-408B-832C-D2FB84FA89B1}"/>
-              </a:ext>
-            </a:extLst>
-          </p:cNvPr>
-          <p:cNvSpPr/>
-          <p:nvPr/>
-        </p:nvSpPr>
-        <p:spPr>
-          <a:xfrm>
-            <a:off x="110985" y="1172633"/>
-            <a:ext cx="11128648" cy="3693319"/>
-          </a:xfrm>
-          <a:prstGeom prst="rect">
-            <a:avLst/>
-          </a:prstGeom>
-        </p:spPr>
-        <p:txBody>
-          <a:bodyPr wrap="square">
-            <a:spAutoFit/>
-          </a:bodyPr>
-          <a:lstStyle/>
-          <a:p>
-            <a:pPr marL="571500" indent="-571500">
-              <a:buFont typeface="Arial" panose="020B0604020202020204" pitchFamily="34" charset="0"/>
-              <a:buChar char="•"/>
-            </a:pPr>
-            <a:r>
-              <a:rPr lang="en-US" sz="3600" dirty="0"/>
-              <a:t>New programmatic interface for Microsoft-provided SQL Server Health Checks.</a:t>
-            </a:r>
-          </a:p>
-          <a:p>
-            <a:pPr marL="571500" indent="-571500">
-              <a:buFont typeface="Arial" panose="020B0604020202020204" pitchFamily="34" charset="0"/>
-              <a:buChar char="•"/>
-            </a:pPr>
-            <a:r>
-              <a:rPr lang="en-US" sz="3600" dirty="0"/>
-              <a:t>Can access with .NET, PowerShell, etc.</a:t>
-            </a:r>
-          </a:p>
-          <a:p>
-            <a:pPr marL="571500" indent="-571500">
-              <a:buFont typeface="Arial" panose="020B0604020202020204" pitchFamily="34" charset="0"/>
-              <a:buChar char="•"/>
-            </a:pPr>
-            <a:r>
-              <a:rPr lang="en-US" sz="3600" dirty="0"/>
-              <a:t>Part of the new SMO, actually delivered with the latest editions of SSMS, not SQL Server.</a:t>
-            </a:r>
-          </a:p>
-          <a:p>
-            <a:pPr marL="571500" indent="-571500">
-              <a:buFont typeface="Arial" panose="020B0604020202020204" pitchFamily="34" charset="0"/>
-              <a:buChar char="•"/>
-            </a:pPr>
-            <a:r>
-              <a:rPr lang="en-US" sz="3600" dirty="0"/>
-              <a:t>Available in all editions.</a:t>
-            </a:r>
-          </a:p>
-          <a:p>
-            <a:pPr marL="571500" indent="-571500">
-              <a:buFont typeface="Arial" panose="020B0604020202020204" pitchFamily="34" charset="0"/>
-              <a:buChar char="•"/>
-            </a:pPr>
-            <a:r>
-              <a:rPr lang="en-US" dirty="0">
-                <a:hlinkClick r:id="rId2"/>
-              </a:rPr>
-              <a:t>https://docs.microsoft.com/en-us/sql/sql-assessment-api/sql-assessment-api-overview?view=sql-server-ver15</a:t>
-            </a:r>
-            <a:endParaRPr lang="en-US" dirty="0"/>
-          </a:p>
-        </p:txBody>
-      </p:sp>
-    </p:spTree>
-    <p:extLst>
-      <p:ext uri="{BB962C8B-B14F-4D97-AF65-F5344CB8AC3E}">
-        <p14:creationId xmlns:p14="http://schemas.microsoft.com/office/powerpoint/2010/main" val="919756478"/>
-      </p:ext>
-    </p:extLst>
-  </p:cSld>
-  <p:clrMapOvr>
-    <a:masterClrMapping/>
-  </p:clrMapOvr>
-</p:sld>
-</file>
-
-<file path=ppt/slides/slide56.xml><?xml version="1.0" encoding="utf-8"?>
-<p:sld xmlns:a="http://schemas.openxmlformats.org/drawingml/2006/main" xmlns:r="http://schemas.openxmlformats.org/officeDocument/2006/relationships" xmlns:p="http://schemas.openxmlformats.org/presentationml/2006/main">
-  <p:cSld>
-    <p:spTree>
-      <p:nvGrpSpPr>
-        <p:cNvPr id="1" name=""/>
-        <p:cNvGrpSpPr/>
-        <p:nvPr/>
-      </p:nvGrpSpPr>
-      <p:grpSpPr>
-        <a:xfrm>
-          <a:off x="0" y="0"/>
-          <a:ext cx="0" cy="0"/>
-          <a:chOff x="0" y="0"/>
-          <a:chExt cx="0" cy="0"/>
-        </a:xfrm>
-      </p:grpSpPr>
-      <p:sp>
-        <p:nvSpPr>
           <p:cNvPr id="5" name="Slide Number Placeholder 4"/>
           <p:cNvSpPr>
             <a:spLocks noGrp="1"/>
@@ -27107,7 +27858,7 @@
                   <a:srgbClr val="82BC00"/>
                 </a:solidFill>
               </a:rPr>
-              <a:t>56</a:t>
+              <a:t>55</a:t>
             </a:fld>
             <a:endParaRPr lang="en-US">
               <a:solidFill>
@@ -27795,7 +28546,7 @@
 </p:sld>
 </file>
 
-<file path=ppt/slides/slide57.xml><?xml version="1.0" encoding="utf-8"?>
+<file path=ppt/slides/slide56.xml><?xml version="1.0" encoding="utf-8"?>
 <p:sld xmlns:a="http://schemas.openxmlformats.org/drawingml/2006/main" xmlns:r="http://schemas.openxmlformats.org/officeDocument/2006/relationships" xmlns:p="http://schemas.openxmlformats.org/presentationml/2006/main">
   <p:cSld>
     <p:spTree>
@@ -27899,7 +28650,7 @@
                   <a:srgbClr val="82BC00"/>
                 </a:solidFill>
               </a:rPr>
-              <a:t>57</a:t>
+              <a:t>56</a:t>
             </a:fld>
             <a:endParaRPr lang="en-US">
               <a:solidFill>
@@ -29135,6 +29886,293 @@
     <p:extLst>
       <p:ext uri="{BB962C8B-B14F-4D97-AF65-F5344CB8AC3E}">
         <p14:creationId xmlns:p14="http://schemas.microsoft.com/office/powerpoint/2010/main" val="2066195230"/>
+      </p:ext>
+    </p:extLst>
+  </p:cSld>
+  <p:clrMapOvr>
+    <a:masterClrMapping/>
+  </p:clrMapOvr>
+  <mc:AlternateContent xmlns:mc="http://schemas.openxmlformats.org/markup-compatibility/2006" xmlns:p14="http://schemas.microsoft.com/office/powerpoint/2010/main">
+    <mc:Choice Requires="p14">
+      <p:transition spd="slow" p14:dur="2000" advTm="10000"/>
+    </mc:Choice>
+    <mc:Fallback xmlns="">
+      <p:transition spd="slow" advTm="10000"/>
+    </mc:Fallback>
+  </mc:AlternateContent>
+</p:sld>
+</file>
+
+<file path=ppt/slides/slide57.xml><?xml version="1.0" encoding="utf-8"?>
+<p:sld xmlns:a="http://schemas.openxmlformats.org/drawingml/2006/main" xmlns:r="http://schemas.openxmlformats.org/officeDocument/2006/relationships" xmlns:p="http://schemas.openxmlformats.org/presentationml/2006/main">
+  <p:cSld>
+    <p:spTree>
+      <p:nvGrpSpPr>
+        <p:cNvPr id="1" name=""/>
+        <p:cNvGrpSpPr/>
+        <p:nvPr/>
+      </p:nvGrpSpPr>
+      <p:grpSpPr>
+        <a:xfrm>
+          <a:off x="0" y="0"/>
+          <a:ext cx="0" cy="0"/>
+          <a:chOff x="0" y="0"/>
+          <a:chExt cx="0" cy="0"/>
+        </a:xfrm>
+      </p:grpSpPr>
+      <p:sp>
+        <p:nvSpPr>
+          <p:cNvPr id="21" name="Title 1"/>
+          <p:cNvSpPr txBox="1">
+            <a:spLocks/>
+          </p:cNvSpPr>
+          <p:nvPr/>
+        </p:nvSpPr>
+        <p:spPr>
+          <a:xfrm>
+            <a:off x="373080" y="-29657"/>
+            <a:ext cx="9936268" cy="1056255"/>
+          </a:xfrm>
+          <a:prstGeom prst="rect">
+            <a:avLst/>
+          </a:prstGeom>
+        </p:spPr>
+        <p:txBody>
+          <a:bodyPr vert="horz" lIns="86402" tIns="43201" rIns="86402" bIns="43201" rtlCol="0" anchor="ctr">
+            <a:normAutofit/>
+          </a:bodyPr>
+          <a:lstStyle>
+            <a:lvl1pPr algn="l" defTabSz="914400" rtl="0" eaLnBrk="1" latinLnBrk="0" hangingPunct="1">
+              <a:lnSpc>
+                <a:spcPct val="90000"/>
+              </a:lnSpc>
+              <a:spcBef>
+                <a:spcPct val="0"/>
+              </a:spcBef>
+              <a:buNone/>
+              <a:defRPr sz="4400" kern="1200">
+                <a:solidFill>
+                  <a:schemeClr val="tx1"/>
+                </a:solidFill>
+                <a:latin typeface="+mj-lt"/>
+                <a:ea typeface="+mj-ea"/>
+                <a:cs typeface="+mj-cs"/>
+              </a:defRPr>
+            </a:lvl1pPr>
+          </a:lstStyle>
+          <a:p>
+            <a:r>
+              <a:rPr lang="en-US" sz="3402" b="1" i="1" dirty="0">
+                <a:solidFill>
+                  <a:srgbClr val="82BC00"/>
+                </a:solidFill>
+                <a:latin typeface="Geogrotesque SemiBold" charset="0"/>
+                <a:ea typeface="Geogrotesque SemiBold" charset="0"/>
+                <a:cs typeface="Geogrotesque SemiBold" charset="0"/>
+              </a:rPr>
+              <a:t>Sparkhound SQL DBA Consulting Services</a:t>
+            </a:r>
+          </a:p>
+        </p:txBody>
+      </p:sp>
+      <p:pic>
+        <p:nvPicPr>
+          <p:cNvPr id="38" name="Content Placeholder 3"/>
+          <p:cNvPicPr>
+            <a:picLocks noChangeAspect="1"/>
+          </p:cNvPicPr>
+          <p:nvPr/>
+        </p:nvPicPr>
+        <p:blipFill>
+          <a:blip r:embed="rId3" cstate="email">
+            <a:extLst>
+              <a:ext uri="{28A0092B-C50C-407E-A947-70E740481C1C}">
+                <a14:useLocalDpi xmlns:a14="http://schemas.microsoft.com/office/drawing/2010/main"/>
+              </a:ext>
+            </a:extLst>
+          </a:blip>
+          <a:stretch>
+            <a:fillRect/>
+          </a:stretch>
+        </p:blipFill>
+        <p:spPr>
+          <a:xfrm>
+            <a:off x="90" y="5714162"/>
+            <a:ext cx="11520308" cy="797191"/>
+          </a:xfrm>
+          <a:prstGeom prst="rect">
+            <a:avLst/>
+          </a:prstGeom>
+        </p:spPr>
+      </p:pic>
+      <p:sp>
+        <p:nvSpPr>
+          <p:cNvPr id="4" name="TextBox 3">
+            <a:extLst>
+              <a:ext uri="{FF2B5EF4-FFF2-40B4-BE49-F238E27FC236}">
+                <a16:creationId xmlns:a16="http://schemas.microsoft.com/office/drawing/2014/main" id="{5AA8B08D-D90D-4FD4-BEB0-8875C881F81E}"/>
+              </a:ext>
+            </a:extLst>
+          </p:cNvPr>
+          <p:cNvSpPr txBox="1"/>
+          <p:nvPr/>
+        </p:nvSpPr>
+        <p:spPr>
+          <a:xfrm>
+            <a:off x="90" y="883775"/>
+            <a:ext cx="10967136" cy="5327741"/>
+          </a:xfrm>
+          <a:prstGeom prst="rect">
+            <a:avLst/>
+          </a:prstGeom>
+          <a:noFill/>
+        </p:spPr>
+        <p:txBody>
+          <a:bodyPr wrap="square" rtlCol="0">
+            <a:spAutoFit/>
+          </a:bodyPr>
+          <a:lstStyle/>
+          <a:p>
+            <a:pPr marL="864017" lvl="1" indent="-432008">
+              <a:buFont typeface="Arial" panose="020B0604020202020204" pitchFamily="34" charset="0"/>
+              <a:buChar char="•"/>
+            </a:pPr>
+            <a:r>
+              <a:rPr lang="en-US" sz="3402" b="1" dirty="0">
+                <a:latin typeface="Geogrotesque Regular" panose="02000506040000020004" pitchFamily="50" charset="0"/>
+              </a:rPr>
+              <a:t>Performance Tuning, with App Services team</a:t>
+            </a:r>
+          </a:p>
+          <a:p>
+            <a:pPr marL="864017" lvl="1" indent="-432008">
+              <a:buFont typeface="Arial" panose="020B0604020202020204" pitchFamily="34" charset="0"/>
+              <a:buChar char="•"/>
+            </a:pPr>
+            <a:r>
+              <a:rPr lang="en-US" sz="3402" b="1" dirty="0">
+                <a:latin typeface="Geogrotesque Regular" panose="02000506040000020004" pitchFamily="50" charset="0"/>
+              </a:rPr>
+              <a:t>Reporting, with our Data Analytics team</a:t>
+            </a:r>
+          </a:p>
+          <a:p>
+            <a:pPr marL="864017" lvl="1" indent="-432008">
+              <a:buFont typeface="Arial" panose="020B0604020202020204" pitchFamily="34" charset="0"/>
+              <a:buChar char="•"/>
+            </a:pPr>
+            <a:r>
+              <a:rPr lang="en-US" sz="3402" dirty="0">
+                <a:latin typeface="Geogrotesque Regular" panose="02000506040000020004" pitchFamily="50" charset="0"/>
+              </a:rPr>
+              <a:t>Upgrades/Migrations/Data Conversions</a:t>
+            </a:r>
+          </a:p>
+          <a:p>
+            <a:pPr marL="864017" lvl="1" indent="-432008">
+              <a:buFont typeface="Arial" panose="020B0604020202020204" pitchFamily="34" charset="0"/>
+              <a:buChar char="•"/>
+            </a:pPr>
+            <a:r>
+              <a:rPr lang="en-US" sz="3402" dirty="0">
+                <a:latin typeface="Geogrotesque Regular" panose="02000506040000020004" pitchFamily="50" charset="0"/>
+              </a:rPr>
+              <a:t>High Availability/Disaster Recovery solutions</a:t>
+            </a:r>
+          </a:p>
+          <a:p>
+            <a:pPr marL="864017" lvl="1" indent="-432008">
+              <a:buFont typeface="Arial" panose="020B0604020202020204" pitchFamily="34" charset="0"/>
+              <a:buChar char="•"/>
+            </a:pPr>
+            <a:r>
+              <a:rPr lang="en-US" sz="3402" dirty="0">
+                <a:solidFill>
+                  <a:srgbClr val="FF0000"/>
+                </a:solidFill>
+                <a:latin typeface="Geogrotesque Regular" panose="02000506040000020004" pitchFamily="50" charset="0"/>
+              </a:rPr>
+              <a:t>Pre-audit, encryption, database security</a:t>
+            </a:r>
+          </a:p>
+          <a:p>
+            <a:pPr marL="864017" lvl="1" indent="-432008">
+              <a:buFont typeface="Arial" panose="020B0604020202020204" pitchFamily="34" charset="0"/>
+              <a:buChar char="•"/>
+            </a:pPr>
+            <a:r>
+              <a:rPr lang="en-US" sz="3402" dirty="0">
+                <a:latin typeface="Geogrotesque Regular" panose="02000506040000020004" pitchFamily="50" charset="0"/>
+              </a:rPr>
+              <a:t>Maintenance/administration</a:t>
+            </a:r>
+          </a:p>
+          <a:p>
+            <a:pPr marL="864017" lvl="1" indent="-432008">
+              <a:buFont typeface="Arial" panose="020B0604020202020204" pitchFamily="34" charset="0"/>
+              <a:buChar char="•"/>
+            </a:pPr>
+            <a:r>
+              <a:rPr lang="en-US" sz="3402" dirty="0">
+                <a:latin typeface="Geogrotesque Regular" panose="02000506040000020004" pitchFamily="50" charset="0"/>
+              </a:rPr>
+              <a:t>Automation/PowerShell</a:t>
+            </a:r>
+          </a:p>
+          <a:p>
+            <a:pPr marL="864017" lvl="1" indent="-432008">
+              <a:buFont typeface="Arial" panose="020B0604020202020204" pitchFamily="34" charset="0"/>
+              <a:buChar char="•"/>
+            </a:pPr>
+            <a:r>
+              <a:rPr lang="en-US" sz="3402" dirty="0">
+                <a:latin typeface="Geogrotesque Regular" panose="02000506040000020004" pitchFamily="50" charset="0"/>
+              </a:rPr>
+              <a:t>Azure SQL (IaaS or PaaS) architecture</a:t>
+            </a:r>
+          </a:p>
+          <a:p>
+            <a:pPr marL="864017" lvl="1" indent="-432008">
+              <a:buFont typeface="Arial" panose="020B0604020202020204" pitchFamily="34" charset="0"/>
+              <a:buChar char="•"/>
+            </a:pPr>
+            <a:r>
+              <a:rPr lang="en-US" sz="3402" dirty="0">
+                <a:latin typeface="Geogrotesque Regular" panose="02000506040000020004" pitchFamily="50" charset="0"/>
+              </a:rPr>
+              <a:t>Training/</a:t>
+            </a:r>
+            <a:r>
+              <a:rPr lang="en-US" sz="3402" dirty="0">
+                <a:solidFill>
+                  <a:srgbClr val="FF0000"/>
+                </a:solidFill>
+                <a:latin typeface="Geogrotesque Regular" panose="02000506040000020004" pitchFamily="50" charset="0"/>
+              </a:rPr>
+              <a:t>Knowledge Transfer</a:t>
+            </a:r>
+            <a:r>
+              <a:rPr lang="en-US" sz="3402" dirty="0">
+                <a:latin typeface="Geogrotesque Regular" panose="02000506040000020004" pitchFamily="50" charset="0"/>
+              </a:rPr>
+              <a:t>/skillset updates</a:t>
+            </a:r>
+          </a:p>
+          <a:p>
+            <a:pPr marL="864017" lvl="1" indent="-432008">
+              <a:buFont typeface="Arial" panose="020B0604020202020204" pitchFamily="34" charset="0"/>
+              <a:buChar char="•"/>
+            </a:pPr>
+            <a:endParaRPr lang="en-US" sz="3402" dirty="0">
+              <a:latin typeface="Geogrotesque Regular" panose="02000506040000020004" pitchFamily="50" charset="0"/>
+            </a:endParaRPr>
+          </a:p>
+        </p:txBody>
+      </p:sp>
+    </p:spTree>
+    <p:extLst>
+      <p:ext uri="{BB962C8B-B14F-4D97-AF65-F5344CB8AC3E}">
+        <p14:creationId xmlns:p14="http://schemas.microsoft.com/office/powerpoint/2010/main" val="1994065593"/>
       </p:ext>
     </p:extLst>
   </p:cSld>
@@ -29171,275 +30209,564 @@
       </p:grpSpPr>
       <p:sp>
         <p:nvSpPr>
-          <p:cNvPr id="21" name="Title 1"/>
-          <p:cNvSpPr txBox="1">
-            <a:spLocks/>
+          <p:cNvPr id="4" name="Title 3">
+            <a:extLst>
+              <a:ext uri="{FF2B5EF4-FFF2-40B4-BE49-F238E27FC236}">
+                <a16:creationId xmlns:a16="http://schemas.microsoft.com/office/drawing/2014/main" id="{AD50F720-AA17-42B1-B108-3F23A87D7213}"/>
+              </a:ext>
+            </a:extLst>
+          </p:cNvPr>
+          <p:cNvSpPr>
+            <a:spLocks noGrp="1"/>
           </p:cNvSpPr>
-          <p:nvPr/>
+          <p:nvPr>
+            <p:ph type="title"/>
+          </p:nvPr>
         </p:nvSpPr>
         <p:spPr>
           <a:xfrm>
-            <a:off x="373080" y="-29657"/>
-            <a:ext cx="9936268" cy="1056255"/>
+            <a:off x="89" y="0"/>
+            <a:ext cx="11520311" cy="720019"/>
           </a:xfrm>
           <a:prstGeom prst="rect">
             <a:avLst/>
           </a:prstGeom>
         </p:spPr>
         <p:txBody>
-          <a:bodyPr vert="horz" lIns="86402" tIns="43201" rIns="86402" bIns="43201" rtlCol="0" anchor="ctr">
+          <a:bodyPr anchor="ctr">
             <a:normAutofit/>
           </a:bodyPr>
-          <a:lstStyle>
-            <a:lvl1pPr algn="l" defTabSz="914400" rtl="0" eaLnBrk="1" latinLnBrk="0" hangingPunct="1">
-              <a:lnSpc>
-                <a:spcPct val="90000"/>
-              </a:lnSpc>
-              <a:spcBef>
-                <a:spcPct val="0"/>
-              </a:spcBef>
-              <a:buNone/>
-              <a:defRPr sz="4400" kern="1200">
+          <a:lstStyle/>
+          <a:p>
+            <a:pPr algn="ctr"/>
+            <a:r>
+              <a:rPr lang="en-US" sz="3402" b="1" cap="all" dirty="0">
                 <a:solidFill>
-                  <a:schemeClr val="tx1"/>
+                  <a:schemeClr val="accent1"/>
                 </a:solidFill>
-                <a:latin typeface="+mj-lt"/>
-                <a:ea typeface="+mj-ea"/>
-                <a:cs typeface="+mj-cs"/>
-              </a:defRPr>
-            </a:lvl1pPr>
-          </a:lstStyle>
-          <a:p>
-            <a:r>
-              <a:rPr lang="en-US" sz="3402" b="1" i="1" dirty="0">
-                <a:solidFill>
-                  <a:srgbClr val="82BC00"/>
-                </a:solidFill>
-                <a:latin typeface="Geogrotesque SemiBold" charset="0"/>
-                <a:ea typeface="Geogrotesque SemiBold" charset="0"/>
-                <a:cs typeface="Geogrotesque SemiBold" charset="0"/>
               </a:rPr>
-              <a:t>Sparkhound SQL DBA Consulting Services</a:t>
-            </a:r>
+              <a:t>Support your Local STEM Initiatives</a:t>
+            </a:r>
+            <a:endParaRPr lang="en-US" sz="3402" dirty="0">
+              <a:solidFill>
+                <a:schemeClr val="accent1"/>
+              </a:solidFill>
+            </a:endParaRPr>
           </a:p>
         </p:txBody>
       </p:sp>
       <p:pic>
         <p:nvPicPr>
-          <p:cNvPr id="38" name="Content Placeholder 3"/>
+          <p:cNvPr id="6" name="Picture 5">
+            <a:extLst>
+              <a:ext uri="{FF2B5EF4-FFF2-40B4-BE49-F238E27FC236}">
+                <a16:creationId xmlns:a16="http://schemas.microsoft.com/office/drawing/2014/main" id="{3DB26EE8-8C60-44EC-A68B-2BD9D038643B}"/>
+              </a:ext>
+            </a:extLst>
+          </p:cNvPr>
           <p:cNvPicPr>
             <a:picLocks noChangeAspect="1"/>
           </p:cNvPicPr>
           <p:nvPr/>
         </p:nvPicPr>
-        <p:blipFill>
-          <a:blip r:embed="rId3" cstate="email">
-            <a:extLst>
-              <a:ext uri="{28A0092B-C50C-407E-A947-70E740481C1C}">
-                <a14:useLocalDpi xmlns:a14="http://schemas.microsoft.com/office/drawing/2010/main"/>
-              </a:ext>
-            </a:extLst>
-          </a:blip>
-          <a:stretch>
-            <a:fillRect/>
-          </a:stretch>
+        <p:blipFill rotWithShape="1">
+          <a:blip r:embed="rId2"/>
+          <a:srcRect t="937" r="172" b="911"/>
+          <a:stretch/>
         </p:blipFill>
         <p:spPr>
           <a:xfrm>
-            <a:off x="90" y="5714162"/>
-            <a:ext cx="11520308" cy="797191"/>
-          </a:xfrm>
-          <a:prstGeom prst="rect">
-            <a:avLst/>
-          </a:prstGeom>
-        </p:spPr>
-      </p:pic>
-      <p:sp>
-        <p:nvSpPr>
-          <p:cNvPr id="4" name="TextBox 3">
-            <a:extLst>
-              <a:ext uri="{FF2B5EF4-FFF2-40B4-BE49-F238E27FC236}">
-                <a16:creationId xmlns:a16="http://schemas.microsoft.com/office/drawing/2014/main" id="{5AA8B08D-D90D-4FD4-BEB0-8875C881F81E}"/>
-              </a:ext>
-            </a:extLst>
-          </p:cNvPr>
-          <p:cNvSpPr txBox="1"/>
-          <p:nvPr/>
-        </p:nvSpPr>
-        <p:spPr>
-          <a:xfrm>
-            <a:off x="90" y="883775"/>
-            <a:ext cx="10967136" cy="5327741"/>
+            <a:off x="314077" y="643430"/>
+            <a:ext cx="5221174" cy="4350605"/>
           </a:xfrm>
           <a:prstGeom prst="rect">
             <a:avLst/>
           </a:prstGeom>
           <a:noFill/>
         </p:spPr>
-        <p:txBody>
-          <a:bodyPr wrap="square" rtlCol="0">
+      </p:pic>
+      <p:sp>
+        <p:nvSpPr>
+          <p:cNvPr id="11" name="Content Placeholder 3">
+            <a:extLst>
+              <a:ext uri="{FF2B5EF4-FFF2-40B4-BE49-F238E27FC236}">
+                <a16:creationId xmlns:a16="http://schemas.microsoft.com/office/drawing/2014/main" id="{B0441F8B-FA0E-4E80-AF4C-DDF0BD5D4158}"/>
+              </a:ext>
+            </a:extLst>
+          </p:cNvPr>
+          <p:cNvSpPr>
+            <a:spLocks noGrp="1"/>
+          </p:cNvSpPr>
+          <p:nvPr>
+            <p:ph sz="half" idx="2"/>
+          </p:nvPr>
+        </p:nvSpPr>
+        <p:spPr>
+          <a:xfrm>
+            <a:off x="5535251" y="2376063"/>
+            <a:ext cx="5671160" cy="3460594"/>
+          </a:xfrm>
+        </p:spPr>
+        <p:txBody>
+          <a:bodyPr>
+            <a:normAutofit/>
+          </a:bodyPr>
+          <a:lstStyle/>
+          <a:p>
+            <a:r>
+              <a:rPr lang="en-US" dirty="0"/>
+              <a:t>I encourage you to find, then donate time and money to local STEM education initiatives where you live. Get involved!</a:t>
+            </a:r>
+          </a:p>
+          <a:p>
+            <a:r>
+              <a:rPr lang="en-US" dirty="0"/>
+              <a:t>There is almost certainly some nonprofit where you live that needs your enthusiasm and skills to close the achievement gap.</a:t>
+            </a:r>
+          </a:p>
+        </p:txBody>
+      </p:sp>
+      <p:sp>
+        <p:nvSpPr>
+          <p:cNvPr id="7" name="Rectangle 6">
+            <a:extLst>
+              <a:ext uri="{FF2B5EF4-FFF2-40B4-BE49-F238E27FC236}">
+                <a16:creationId xmlns:a16="http://schemas.microsoft.com/office/drawing/2014/main" id="{729D2786-0058-4A91-BB71-21530F0384CE}"/>
+              </a:ext>
+            </a:extLst>
+          </p:cNvPr>
+          <p:cNvSpPr/>
+          <p:nvPr/>
+        </p:nvSpPr>
+        <p:spPr>
+          <a:xfrm>
+            <a:off x="183650" y="5400146"/>
+            <a:ext cx="5335563" cy="354071"/>
+          </a:xfrm>
+          <a:prstGeom prst="rect">
+            <a:avLst/>
+          </a:prstGeom>
+        </p:spPr>
+        <p:txBody>
+          <a:bodyPr wrap="none">
             <a:spAutoFit/>
           </a:bodyPr>
           <a:lstStyle/>
           <a:p>
-            <a:pPr marL="864017" lvl="1" indent="-432008">
-              <a:buFont typeface="Arial" panose="020B0604020202020204" pitchFamily="34" charset="0"/>
-              <a:buChar char="•"/>
-            </a:pPr>
-            <a:r>
-              <a:rPr lang="en-US" sz="3402" b="1" dirty="0">
-                <a:latin typeface="Geogrotesque Regular" panose="02000506040000020004" pitchFamily="50" charset="0"/>
+            <a:r>
+              <a:rPr lang="en-US" sz="1701" dirty="0">
+                <a:hlinkClick r:id="rId3"/>
               </a:rPr>
-              <a:t>Performance Tuning, with App Services team</a:t>
-            </a:r>
-          </a:p>
-          <a:p>
-            <a:pPr marL="864017" lvl="1" indent="-432008">
-              <a:buFont typeface="Arial" panose="020B0604020202020204" pitchFamily="34" charset="0"/>
-              <a:buChar char="•"/>
-            </a:pPr>
-            <a:r>
-              <a:rPr lang="en-US" sz="3402" b="1" dirty="0">
-                <a:latin typeface="Geogrotesque Regular" panose="02000506040000020004" pitchFamily="50" charset="0"/>
-              </a:rPr>
-              <a:t>Reporting, with our Data Analytics team</a:t>
-            </a:r>
-          </a:p>
-          <a:p>
-            <a:pPr marL="864017" lvl="1" indent="-432008">
-              <a:buFont typeface="Arial" panose="020B0604020202020204" pitchFamily="34" charset="0"/>
-              <a:buChar char="•"/>
-            </a:pPr>
-            <a:r>
-              <a:rPr lang="en-US" sz="3402" dirty="0">
-                <a:latin typeface="Geogrotesque Regular" panose="02000506040000020004" pitchFamily="50" charset="0"/>
-              </a:rPr>
-              <a:t>Upgrades/Migrations/Data Conversions</a:t>
-            </a:r>
-          </a:p>
-          <a:p>
-            <a:pPr marL="864017" lvl="1" indent="-432008">
-              <a:buFont typeface="Arial" panose="020B0604020202020204" pitchFamily="34" charset="0"/>
-              <a:buChar char="•"/>
-            </a:pPr>
-            <a:r>
-              <a:rPr lang="en-US" sz="3402" dirty="0">
-                <a:latin typeface="Geogrotesque Regular" panose="02000506040000020004" pitchFamily="50" charset="0"/>
-              </a:rPr>
-              <a:t>High Availability/Disaster Recovery solutions</a:t>
-            </a:r>
-          </a:p>
-          <a:p>
-            <a:pPr marL="864017" lvl="1" indent="-432008">
-              <a:buFont typeface="Arial" panose="020B0604020202020204" pitchFamily="34" charset="0"/>
-              <a:buChar char="•"/>
-            </a:pPr>
-            <a:r>
-              <a:rPr lang="en-US" sz="3402" dirty="0">
+              <a:t>https://www.thewallsproject.org/programs/futures_fund/</a:t>
+            </a:r>
+            <a:endParaRPr lang="en-US" sz="1701" dirty="0"/>
+          </a:p>
+        </p:txBody>
+      </p:sp>
+      <p:pic>
+        <p:nvPicPr>
+          <p:cNvPr id="1026" name="Picture 2" descr="Image">
+            <a:extLst>
+              <a:ext uri="{FF2B5EF4-FFF2-40B4-BE49-F238E27FC236}">
+                <a16:creationId xmlns:a16="http://schemas.microsoft.com/office/drawing/2014/main" id="{9FF0B331-CD93-4C21-8BF3-FE2AD0FD0007}"/>
+              </a:ext>
+            </a:extLst>
+          </p:cNvPr>
+          <p:cNvPicPr>
+            <a:picLocks noChangeAspect="1" noChangeArrowheads="1"/>
+          </p:cNvPicPr>
+          <p:nvPr/>
+        </p:nvPicPr>
+        <p:blipFill rotWithShape="1">
+          <a:blip r:embed="rId4">
+            <a:extLst>
+              <a:ext uri="{28A0092B-C50C-407E-A947-70E740481C1C}">
+                <a14:useLocalDpi xmlns:a14="http://schemas.microsoft.com/office/drawing/2010/main" val="0"/>
+              </a:ext>
+            </a:extLst>
+          </a:blip>
+          <a:srcRect t="31111" b="28889"/>
+          <a:stretch/>
+        </p:blipFill>
+        <p:spPr bwMode="auto">
+          <a:xfrm>
+            <a:off x="5633841" y="643517"/>
+            <a:ext cx="5526549" cy="1657965"/>
+          </a:xfrm>
+          <a:prstGeom prst="rect">
+            <a:avLst/>
+          </a:prstGeom>
+          <a:noFill/>
+          <a:extLst>
+            <a:ext uri="{909E8E84-426E-40DD-AFC4-6F175D3DCCD1}">
+              <a14:hiddenFill xmlns:a14="http://schemas.microsoft.com/office/drawing/2010/main">
                 <a:solidFill>
-                  <a:srgbClr val="FF0000"/>
+                  <a:srgbClr val="FFFFFF"/>
                 </a:solidFill>
-                <a:latin typeface="Geogrotesque Regular" panose="02000506040000020004" pitchFamily="50" charset="0"/>
-              </a:rPr>
-              <a:t>Pre-audit, encryption, database security</a:t>
-            </a:r>
-          </a:p>
-          <a:p>
-            <a:pPr marL="864017" lvl="1" indent="-432008">
-              <a:buFont typeface="Arial" panose="020B0604020202020204" pitchFamily="34" charset="0"/>
-              <a:buChar char="•"/>
-            </a:pPr>
-            <a:r>
-              <a:rPr lang="en-US" sz="3402" dirty="0">
-                <a:latin typeface="Geogrotesque Regular" panose="02000506040000020004" pitchFamily="50" charset="0"/>
-              </a:rPr>
-              <a:t>Maintenance/administration</a:t>
-            </a:r>
-          </a:p>
-          <a:p>
-            <a:pPr marL="864017" lvl="1" indent="-432008">
-              <a:buFont typeface="Arial" panose="020B0604020202020204" pitchFamily="34" charset="0"/>
-              <a:buChar char="•"/>
-            </a:pPr>
-            <a:r>
-              <a:rPr lang="en-US" sz="3402" dirty="0">
-                <a:latin typeface="Geogrotesque Regular" panose="02000506040000020004" pitchFamily="50" charset="0"/>
-              </a:rPr>
-              <a:t>Automation/PowerShell</a:t>
-            </a:r>
-          </a:p>
-          <a:p>
-            <a:pPr marL="864017" lvl="1" indent="-432008">
-              <a:buFont typeface="Arial" panose="020B0604020202020204" pitchFamily="34" charset="0"/>
-              <a:buChar char="•"/>
-            </a:pPr>
-            <a:r>
-              <a:rPr lang="en-US" sz="3402" dirty="0">
-                <a:latin typeface="Geogrotesque Regular" panose="02000506040000020004" pitchFamily="50" charset="0"/>
-              </a:rPr>
-              <a:t>Azure SQL (IaaS or PaaS) architecture</a:t>
-            </a:r>
-          </a:p>
-          <a:p>
-            <a:pPr marL="864017" lvl="1" indent="-432008">
-              <a:buFont typeface="Arial" panose="020B0604020202020204" pitchFamily="34" charset="0"/>
-              <a:buChar char="•"/>
-            </a:pPr>
-            <a:r>
-              <a:rPr lang="en-US" sz="3402" dirty="0">
-                <a:latin typeface="Geogrotesque Regular" panose="02000506040000020004" pitchFamily="50" charset="0"/>
-              </a:rPr>
-              <a:t>Training/</a:t>
-            </a:r>
-            <a:r>
-              <a:rPr lang="en-US" sz="3402" dirty="0">
-                <a:solidFill>
-                  <a:srgbClr val="FF0000"/>
-                </a:solidFill>
-                <a:latin typeface="Geogrotesque Regular" panose="02000506040000020004" pitchFamily="50" charset="0"/>
-              </a:rPr>
-              <a:t>Knowledge Transfer</a:t>
-            </a:r>
-            <a:r>
-              <a:rPr lang="en-US" sz="3402" dirty="0">
-                <a:latin typeface="Geogrotesque Regular" panose="02000506040000020004" pitchFamily="50" charset="0"/>
-              </a:rPr>
-              <a:t>/skillset updates</a:t>
-            </a:r>
-          </a:p>
-          <a:p>
-            <a:pPr marL="864017" lvl="1" indent="-432008">
-              <a:buFont typeface="Arial" panose="020B0604020202020204" pitchFamily="34" charset="0"/>
-              <a:buChar char="•"/>
-            </a:pPr>
-            <a:endParaRPr lang="en-US" sz="3402" dirty="0">
-              <a:latin typeface="Geogrotesque Regular" panose="02000506040000020004" pitchFamily="50" charset="0"/>
-            </a:endParaRPr>
-          </a:p>
-        </p:txBody>
-      </p:sp>
+              </a14:hiddenFill>
+            </a:ext>
+          </a:extLst>
+        </p:spPr>
+      </p:pic>
     </p:spTree>
     <p:extLst>
       <p:ext uri="{BB962C8B-B14F-4D97-AF65-F5344CB8AC3E}">
-        <p14:creationId xmlns:p14="http://schemas.microsoft.com/office/powerpoint/2010/main" val="1994065593"/>
+        <p14:creationId xmlns:p14="http://schemas.microsoft.com/office/powerpoint/2010/main" val="1104762749"/>
       </p:ext>
     </p:extLst>
   </p:cSld>
   <p:clrMapOvr>
     <a:masterClrMapping/>
   </p:clrMapOvr>
-  <mc:AlternateContent xmlns:mc="http://schemas.openxmlformats.org/markup-compatibility/2006" xmlns:p14="http://schemas.microsoft.com/office/powerpoint/2010/main">
-    <mc:Choice Requires="p14">
-      <p:transition spd="slow" p14:dur="2000" advTm="10000"/>
-    </mc:Choice>
-    <mc:Fallback xmlns="">
-      <p:transition spd="slow" advTm="10000"/>
-    </mc:Fallback>
-  </mc:AlternateContent>
 </p:sld>
 </file>
 
 <file path=ppt/slides/slide59.xml><?xml version="1.0" encoding="utf-8"?>
+<p:sld xmlns:a="http://schemas.openxmlformats.org/drawingml/2006/main" xmlns:r="http://schemas.openxmlformats.org/officeDocument/2006/relationships" xmlns:p="http://schemas.openxmlformats.org/presentationml/2006/main">
+  <p:cSld>
+    <p:bg>
+      <p:bgPr>
+        <a:solidFill>
+          <a:srgbClr val="0078D7"/>
+        </a:solidFill>
+        <a:effectLst/>
+      </p:bgPr>
+    </p:bg>
+    <p:spTree>
+      <p:nvGrpSpPr>
+        <p:cNvPr id="1" name=""/>
+        <p:cNvGrpSpPr/>
+        <p:nvPr/>
+      </p:nvGrpSpPr>
+      <p:grpSpPr>
+        <a:xfrm>
+          <a:off x="0" y="0"/>
+          <a:ext cx="0" cy="0"/>
+          <a:chOff x="0" y="0"/>
+          <a:chExt cx="0" cy="0"/>
+        </a:xfrm>
+      </p:grpSpPr>
+      <p:pic>
+        <p:nvPicPr>
+          <p:cNvPr id="1026" name="Picture 2" descr="SQL Server 2017 Administration Inside Out book cover"/>
+          <p:cNvPicPr>
+            <a:picLocks noChangeAspect="1" noChangeArrowheads="1"/>
+          </p:cNvPicPr>
+          <p:nvPr/>
+        </p:nvPicPr>
+        <p:blipFill>
+          <a:blip r:embed="rId2">
+            <a:extLst>
+              <a:ext uri="{28A0092B-C50C-407E-A947-70E740481C1C}">
+                <a14:useLocalDpi xmlns:a14="http://schemas.microsoft.com/office/drawing/2010/main" val="0"/>
+              </a:ext>
+            </a:extLst>
+          </a:blip>
+          <a:srcRect/>
+          <a:stretch>
+            <a:fillRect/>
+          </a:stretch>
+        </p:blipFill>
+        <p:spPr bwMode="auto">
+          <a:xfrm>
+            <a:off x="118535" y="1997000"/>
+            <a:ext cx="3580871" cy="4371181"/>
+          </a:xfrm>
+          <a:prstGeom prst="rect">
+            <a:avLst/>
+          </a:prstGeom>
+          <a:noFill/>
+          <a:effectLst>
+            <a:outerShdw blurRad="63500" sx="102000" sy="102000" algn="ctr" rotWithShape="0">
+              <a:prstClr val="black">
+                <a:alpha val="40000"/>
+              </a:prstClr>
+            </a:outerShdw>
+          </a:effectLst>
+          <a:extLst>
+            <a:ext uri="{909E8E84-426E-40DD-AFC4-6F175D3DCCD1}">
+              <a14:hiddenFill xmlns:a14="http://schemas.microsoft.com/office/drawing/2010/main">
+                <a:solidFill>
+                  <a:srgbClr val="FFFFFF"/>
+                </a:solidFill>
+              </a14:hiddenFill>
+            </a:ext>
+          </a:extLst>
+        </p:spPr>
+      </p:pic>
+      <p:sp>
+        <p:nvSpPr>
+          <p:cNvPr id="2" name="Rectangle 1">
+            <a:extLst>
+              <a:ext uri="{FF2B5EF4-FFF2-40B4-BE49-F238E27FC236}">
+                <a16:creationId xmlns:a16="http://schemas.microsoft.com/office/drawing/2014/main" id="{A142EB46-D0F2-4A77-85A1-6FD48128CE80}"/>
+              </a:ext>
+            </a:extLst>
+          </p:cNvPr>
+          <p:cNvSpPr/>
+          <p:nvPr/>
+        </p:nvSpPr>
+        <p:spPr>
+          <a:xfrm>
+            <a:off x="5328232" y="576016"/>
+            <a:ext cx="5760156" cy="5502212"/>
+          </a:xfrm>
+          <a:prstGeom prst="rect">
+            <a:avLst/>
+          </a:prstGeom>
+        </p:spPr>
+        <p:txBody>
+          <a:bodyPr>
+            <a:spAutoFit/>
+          </a:bodyPr>
+          <a:lstStyle/>
+          <a:p>
+            <a:pPr defTabSz="864017">
+              <a:defRPr/>
+            </a:pPr>
+            <a:r>
+              <a:rPr lang="en-US" sz="3402" b="1" dirty="0">
+                <a:solidFill>
+                  <a:prstClr val="white"/>
+                </a:solidFill>
+                <a:latin typeface="Roboto" panose="02000000000000000000" pitchFamily="2" charset="0"/>
+                <a:ea typeface="Roboto" panose="02000000000000000000" pitchFamily="2" charset="0"/>
+              </a:rPr>
+              <a:t>SQL Server 2019 Administration Inside Out</a:t>
+            </a:r>
+          </a:p>
+          <a:p>
+            <a:pPr defTabSz="864017">
+              <a:defRPr/>
+            </a:pPr>
+            <a:r>
+              <a:rPr lang="en-US" sz="3402" dirty="0">
+                <a:solidFill>
+                  <a:prstClr val="white"/>
+                </a:solidFill>
+                <a:latin typeface="Roboto" panose="02000000000000000000" pitchFamily="2" charset="0"/>
+                <a:ea typeface="Roboto" panose="02000000000000000000" pitchFamily="2" charset="0"/>
+              </a:rPr>
+              <a:t>by Microsoft Press</a:t>
+            </a:r>
+          </a:p>
+          <a:p>
+            <a:pPr defTabSz="864017">
+              <a:defRPr/>
+            </a:pPr>
+            <a:endParaRPr lang="en-US" sz="3402" dirty="0">
+              <a:solidFill>
+                <a:prstClr val="white"/>
+              </a:solidFill>
+              <a:latin typeface="Roboto" panose="02000000000000000000" pitchFamily="2" charset="0"/>
+              <a:ea typeface="Roboto" panose="02000000000000000000" pitchFamily="2" charset="0"/>
+            </a:endParaRPr>
+          </a:p>
+          <a:p>
+            <a:pPr defTabSz="864017">
+              <a:defRPr/>
+            </a:pPr>
+            <a:r>
+              <a:rPr lang="en-US" sz="3402" dirty="0">
+                <a:solidFill>
+                  <a:prstClr val="white"/>
+                </a:solidFill>
+                <a:latin typeface="Roboto" panose="02000000000000000000" pitchFamily="2" charset="0"/>
+                <a:ea typeface="Roboto" panose="02000000000000000000" pitchFamily="2" charset="0"/>
+              </a:rPr>
+              <a:t>2017 published Feb 2018</a:t>
+            </a:r>
+          </a:p>
+          <a:p>
+            <a:pPr defTabSz="864017">
+              <a:defRPr/>
+            </a:pPr>
+            <a:endParaRPr lang="en-US" sz="3402" dirty="0">
+              <a:solidFill>
+                <a:prstClr val="white"/>
+              </a:solidFill>
+              <a:latin typeface="Roboto" panose="02000000000000000000" pitchFamily="2" charset="0"/>
+              <a:ea typeface="Roboto" panose="02000000000000000000" pitchFamily="2" charset="0"/>
+            </a:endParaRPr>
+          </a:p>
+          <a:p>
+            <a:pPr defTabSz="864017">
+              <a:defRPr/>
+            </a:pPr>
+            <a:r>
+              <a:rPr lang="en-US" sz="3402" dirty="0">
+                <a:solidFill>
+                  <a:prstClr val="white"/>
+                </a:solidFill>
+                <a:latin typeface="Roboto" panose="02000000000000000000" pitchFamily="2" charset="0"/>
+                <a:ea typeface="Roboto" panose="02000000000000000000" pitchFamily="2" charset="0"/>
+              </a:rPr>
+              <a:t>2019 published March 2020</a:t>
+            </a:r>
+          </a:p>
+          <a:p>
+            <a:pPr defTabSz="864017">
+              <a:defRPr/>
+            </a:pPr>
+            <a:endParaRPr lang="en-US" sz="1890" dirty="0">
+              <a:solidFill>
+                <a:prstClr val="white"/>
+              </a:solidFill>
+              <a:latin typeface="Roboto" panose="02000000000000000000" pitchFamily="2" charset="0"/>
+              <a:ea typeface="Roboto" panose="02000000000000000000" pitchFamily="2" charset="0"/>
+            </a:endParaRPr>
+          </a:p>
+          <a:p>
+            <a:pPr defTabSz="864017">
+              <a:defRPr/>
+            </a:pPr>
+            <a:endParaRPr lang="en-US" sz="1890" dirty="0">
+              <a:solidFill>
+                <a:prstClr val="white"/>
+              </a:solidFill>
+              <a:latin typeface="Roboto" panose="02000000000000000000" pitchFamily="2" charset="0"/>
+              <a:ea typeface="Roboto" panose="02000000000000000000" pitchFamily="2" charset="0"/>
+            </a:endParaRPr>
+          </a:p>
+          <a:p>
+            <a:pPr defTabSz="864017">
+              <a:defRPr/>
+            </a:pPr>
+            <a:endParaRPr lang="en-US" sz="1890" dirty="0">
+              <a:solidFill>
+                <a:prstClr val="white"/>
+              </a:solidFill>
+              <a:latin typeface="Roboto" panose="02000000000000000000" pitchFamily="2" charset="0"/>
+              <a:ea typeface="Roboto" panose="02000000000000000000" pitchFamily="2" charset="0"/>
+            </a:endParaRPr>
+          </a:p>
+          <a:p>
+            <a:pPr defTabSz="864017">
+              <a:defRPr/>
+            </a:pPr>
+            <a:endParaRPr lang="en-US" sz="1890" dirty="0">
+              <a:solidFill>
+                <a:prstClr val="white"/>
+              </a:solidFill>
+              <a:latin typeface="Roboto" panose="02000000000000000000" pitchFamily="2" charset="0"/>
+              <a:ea typeface="Roboto" panose="02000000000000000000" pitchFamily="2" charset="0"/>
+            </a:endParaRPr>
+          </a:p>
+          <a:p>
+            <a:pPr defTabSz="864017">
+              <a:defRPr/>
+            </a:pPr>
+            <a:endParaRPr lang="en-US" sz="1890" dirty="0">
+              <a:solidFill>
+                <a:prstClr val="white"/>
+              </a:solidFill>
+              <a:latin typeface="Roboto" panose="02000000000000000000" pitchFamily="2" charset="0"/>
+              <a:ea typeface="Roboto" panose="02000000000000000000" pitchFamily="2" charset="0"/>
+            </a:endParaRPr>
+          </a:p>
+          <a:p>
+            <a:pPr defTabSz="864017">
+              <a:defRPr/>
+            </a:pPr>
+            <a:endParaRPr lang="en-US" sz="1890" dirty="0">
+              <a:solidFill>
+                <a:prstClr val="white"/>
+              </a:solidFill>
+              <a:latin typeface="Roboto" panose="02000000000000000000" pitchFamily="2" charset="0"/>
+              <a:ea typeface="Roboto" panose="02000000000000000000" pitchFamily="2" charset="0"/>
+            </a:endParaRPr>
+          </a:p>
+        </p:txBody>
+      </p:sp>
+      <p:sp>
+        <p:nvSpPr>
+          <p:cNvPr id="3" name="Title 2" hidden="1">
+            <a:extLst>
+              <a:ext uri="{FF2B5EF4-FFF2-40B4-BE49-F238E27FC236}">
+                <a16:creationId xmlns:a16="http://schemas.microsoft.com/office/drawing/2014/main" id="{2622AB68-80DB-4C9D-8E8B-3AC1B2AC2799}"/>
+              </a:ext>
+            </a:extLst>
+          </p:cNvPr>
+          <p:cNvSpPr>
+            <a:spLocks noGrp="1"/>
+          </p:cNvSpPr>
+          <p:nvPr>
+            <p:ph type="ctrTitle"/>
+          </p:nvPr>
+        </p:nvSpPr>
+        <p:spPr/>
+        <p:txBody>
+          <a:bodyPr/>
+          <a:lstStyle/>
+          <a:p>
+            <a:r>
+              <a:rPr lang="en-US" dirty="0"/>
+              <a:t>SQL Server 2017 Inside Out</a:t>
+            </a:r>
+          </a:p>
+        </p:txBody>
+      </p:sp>
+      <p:pic>
+        <p:nvPicPr>
+          <p:cNvPr id="4" name="Picture 2">
+            <a:extLst>
+              <a:ext uri="{FF2B5EF4-FFF2-40B4-BE49-F238E27FC236}">
+                <a16:creationId xmlns:a16="http://schemas.microsoft.com/office/drawing/2014/main" id="{BD4A47C2-CD56-4B1E-AE27-9339E64E4ADB}"/>
+              </a:ext>
+            </a:extLst>
+          </p:cNvPr>
+          <p:cNvPicPr>
+            <a:picLocks noChangeAspect="1" noChangeArrowheads="1"/>
+          </p:cNvPicPr>
+          <p:nvPr/>
+        </p:nvPicPr>
+        <p:blipFill>
+          <a:blip r:embed="rId3">
+            <a:extLst>
+              <a:ext uri="{28A0092B-C50C-407E-A947-70E740481C1C}">
+                <a14:useLocalDpi xmlns:a14="http://schemas.microsoft.com/office/drawing/2010/main" val="0"/>
+              </a:ext>
+            </a:extLst>
+          </a:blip>
+          <a:srcRect/>
+          <a:stretch>
+            <a:fillRect/>
+          </a:stretch>
+        </p:blipFill>
+        <p:spPr bwMode="auto">
+          <a:xfrm>
+            <a:off x="1440061" y="83858"/>
+            <a:ext cx="3823270" cy="4779088"/>
+          </a:xfrm>
+          <a:prstGeom prst="rect">
+            <a:avLst/>
+          </a:prstGeom>
+          <a:noFill/>
+          <a:extLst>
+            <a:ext uri="{909E8E84-426E-40DD-AFC4-6F175D3DCCD1}">
+              <a14:hiddenFill xmlns:a14="http://schemas.microsoft.com/office/drawing/2010/main">
+                <a:solidFill>
+                  <a:srgbClr val="FFFFFF"/>
+                </a:solidFill>
+              </a14:hiddenFill>
+            </a:ext>
+          </a:extLst>
+        </p:spPr>
+      </p:pic>
+    </p:spTree>
+    <p:extLst>
+      <p:ext uri="{BB962C8B-B14F-4D97-AF65-F5344CB8AC3E}">
+        <p14:creationId xmlns:p14="http://schemas.microsoft.com/office/powerpoint/2010/main" val="282819259"/>
+      </p:ext>
+    </p:extLst>
+  </p:cSld>
+  <p:clrMapOvr>
+    <a:masterClrMapping/>
+  </p:clrMapOvr>
+</p:sld>
+</file>
+
+<file path=ppt/slides/slide6.xml><?xml version="1.0" encoding="utf-8"?>
 <p:sld xmlns:a="http://schemas.openxmlformats.org/drawingml/2006/main" xmlns:r="http://schemas.openxmlformats.org/officeDocument/2006/relationships" xmlns:p="http://schemas.openxmlformats.org/presentationml/2006/main">
   <p:cSld>
     <p:spTree>
@@ -29458,10 +30785,551 @@
       </p:grpSpPr>
       <p:sp>
         <p:nvSpPr>
-          <p:cNvPr id="4" name="Title 3">
+          <p:cNvPr id="18" name="Title 17"/>
+          <p:cNvSpPr>
+            <a:spLocks noGrp="1"/>
+          </p:cNvSpPr>
+          <p:nvPr>
+            <p:ph type="title" idx="4294967295"/>
+          </p:nvPr>
+        </p:nvSpPr>
+        <p:spPr>
+          <a:xfrm>
+            <a:off x="719138" y="360363"/>
+            <a:ext cx="10801350" cy="720725"/>
+          </a:xfrm>
+        </p:spPr>
+        <p:txBody>
+          <a:bodyPr/>
+          <a:lstStyle/>
+          <a:p>
+            <a:r>
+              <a:rPr lang="en-US" b="1" dirty="0"/>
+              <a:t>SQL Version Upgrade Timeline</a:t>
+            </a:r>
+          </a:p>
+        </p:txBody>
+      </p:sp>
+      <p:sp>
+        <p:nvSpPr>
+          <p:cNvPr id="19" name="Content Placeholder 18"/>
+          <p:cNvSpPr>
+            <a:spLocks noGrp="1"/>
+          </p:cNvSpPr>
+          <p:nvPr>
+            <p:ph idx="4294967295"/>
+          </p:nvPr>
+        </p:nvSpPr>
+        <p:spPr>
+          <a:xfrm>
+            <a:off x="541337" y="1271588"/>
+            <a:ext cx="10473407" cy="4679950"/>
+          </a:xfrm>
+        </p:spPr>
+        <p:txBody>
+          <a:bodyPr>
+            <a:normAutofit lnSpcReduction="10000"/>
+          </a:bodyPr>
+          <a:lstStyle/>
+          <a:p>
+            <a:pPr marL="457200" indent="-457200">
+              <a:buFont typeface="Arial" panose="020B0604020202020204" pitchFamily="34" charset="0"/>
+              <a:buChar char="•"/>
+            </a:pPr>
+            <a:r>
+              <a:rPr lang="en-US" sz="3600" dirty="0">
+                <a:latin typeface="+mn-lt"/>
+              </a:rPr>
+              <a:t>SQL 2008/2008 R2 are past end of life (July 2019)! </a:t>
+            </a:r>
+          </a:p>
+          <a:p>
+            <a:pPr marL="889208" lvl="1" indent="-457200"/>
+            <a:r>
+              <a:rPr lang="en-US" sz="3222" dirty="0">
+                <a:latin typeface="+mn-lt"/>
+              </a:rPr>
+              <a:t>Windows Server 2008/2008R2 end of life Jan 2020.</a:t>
+            </a:r>
+          </a:p>
+          <a:p>
+            <a:pPr marL="457200" indent="-457200">
+              <a:buFont typeface="Arial" panose="020B0604020202020204" pitchFamily="34" charset="0"/>
+              <a:buChar char="•"/>
+            </a:pPr>
+            <a:r>
+              <a:rPr lang="en-US" sz="3600" dirty="0">
+                <a:latin typeface="+mn-lt"/>
+              </a:rPr>
+              <a:t>No longer supported unless you:</a:t>
+            </a:r>
+          </a:p>
+          <a:p>
+            <a:pPr marL="946358" lvl="1" indent="-514350">
+              <a:buFont typeface="+mj-lt"/>
+              <a:buAutoNum type="arabicPeriod"/>
+            </a:pPr>
+            <a:r>
+              <a:rPr lang="en-US" sz="3222" dirty="0">
+                <a:latin typeface="+mn-lt"/>
+              </a:rPr>
+              <a:t>Pay lots of money to Microsoft. </a:t>
+            </a:r>
+            <a:r>
+              <a:rPr lang="en-US" sz="1800" dirty="0">
+                <a:latin typeface="+mn-lt"/>
+              </a:rPr>
+              <a:t>Srsly. </a:t>
+            </a:r>
+            <a:endParaRPr lang="en-US" sz="3222" dirty="0">
+              <a:latin typeface="+mn-lt"/>
+            </a:endParaRPr>
+          </a:p>
+          <a:p>
+            <a:pPr marL="946358" lvl="1" indent="-514350">
+              <a:buFont typeface="+mj-lt"/>
+              <a:buAutoNum type="arabicPeriod"/>
+            </a:pPr>
+            <a:r>
+              <a:rPr lang="en-US" sz="3222" dirty="0">
+                <a:latin typeface="+mn-lt"/>
+              </a:rPr>
+              <a:t>Migrate your SQL 2008/R2 SQL Server to an Azure VM. Considerably less money.</a:t>
+            </a:r>
+          </a:p>
+          <a:p>
+            <a:r>
+              <a:rPr lang="en-US" sz="3600" dirty="0">
+                <a:latin typeface="+mn-lt"/>
+              </a:rPr>
+              <a:t>  SQL Server 2012 latest SP End of Support is July 2022</a:t>
+            </a:r>
+          </a:p>
+          <a:p>
+            <a:r>
+              <a:rPr lang="en-US" sz="3600" dirty="0">
+                <a:latin typeface="+mn-lt"/>
+              </a:rPr>
+              <a:t>  SQL Server 2012 &lt;SP4 no longer supported!</a:t>
+            </a:r>
+          </a:p>
+          <a:p>
+            <a:r>
+              <a:rPr lang="en-US" sz="3600" dirty="0">
+                <a:latin typeface="+mn-lt"/>
+              </a:rPr>
+              <a:t>  SQL Server 2014 latest SP End of Support is July 2024</a:t>
+            </a:r>
+          </a:p>
+        </p:txBody>
+      </p:sp>
+    </p:spTree>
+    <p:extLst>
+      <p:ext uri="{BB962C8B-B14F-4D97-AF65-F5344CB8AC3E}">
+        <p14:creationId xmlns:p14="http://schemas.microsoft.com/office/powerpoint/2010/main" val="4084010780"/>
+      </p:ext>
+    </p:extLst>
+  </p:cSld>
+  <p:clrMapOvr>
+    <a:masterClrMapping/>
+  </p:clrMapOvr>
+  <p:timing>
+    <p:tnLst>
+      <p:par>
+        <p:cTn id="1" dur="indefinite" restart="never" nodeType="tmRoot">
+          <p:childTnLst>
+            <p:seq concurrent="1" nextAc="seek">
+              <p:cTn id="2" dur="indefinite" nodeType="mainSeq">
+                <p:childTnLst>
+                  <p:par>
+                    <p:cTn id="3" fill="hold">
+                      <p:stCondLst>
+                        <p:cond delay="indefinite"/>
+                      </p:stCondLst>
+                      <p:childTnLst>
+                        <p:par>
+                          <p:cTn id="4" fill="hold">
+                            <p:stCondLst>
+                              <p:cond delay="0"/>
+                            </p:stCondLst>
+                            <p:childTnLst>
+                              <p:par>
+                                <p:cTn id="5" presetID="1" presetClass="entr" presetSubtype="0" fill="hold" grpId="0" nodeType="clickEffect">
+                                  <p:stCondLst>
+                                    <p:cond delay="0"/>
+                                  </p:stCondLst>
+                                  <p:childTnLst>
+                                    <p:set>
+                                      <p:cBhvr>
+                                        <p:cTn id="6" dur="1" fill="hold">
+                                          <p:stCondLst>
+                                            <p:cond delay="0"/>
+                                          </p:stCondLst>
+                                        </p:cTn>
+                                        <p:tgtEl>
+                                          <p:spTgt spid="19">
+                                            <p:txEl>
+                                              <p:pRg st="0" end="0"/>
+                                            </p:txEl>
+                                          </p:spTgt>
+                                        </p:tgtEl>
+                                        <p:attrNameLst>
+                                          <p:attrName>style.visibility</p:attrName>
+                                        </p:attrNameLst>
+                                      </p:cBhvr>
+                                      <p:to>
+                                        <p:strVal val="visible"/>
+                                      </p:to>
+                                    </p:set>
+                                  </p:childTnLst>
+                                </p:cTn>
+                              </p:par>
+                              <p:par>
+                                <p:cTn id="7" presetID="1" presetClass="entr" presetSubtype="0" fill="hold" grpId="0" nodeType="withEffect">
+                                  <p:stCondLst>
+                                    <p:cond delay="0"/>
+                                  </p:stCondLst>
+                                  <p:childTnLst>
+                                    <p:set>
+                                      <p:cBhvr>
+                                        <p:cTn id="8" dur="1" fill="hold">
+                                          <p:stCondLst>
+                                            <p:cond delay="0"/>
+                                          </p:stCondLst>
+                                        </p:cTn>
+                                        <p:tgtEl>
+                                          <p:spTgt spid="19">
+                                            <p:txEl>
+                                              <p:pRg st="1" end="1"/>
+                                            </p:txEl>
+                                          </p:spTgt>
+                                        </p:tgtEl>
+                                        <p:attrNameLst>
+                                          <p:attrName>style.visibility</p:attrName>
+                                        </p:attrNameLst>
+                                      </p:cBhvr>
+                                      <p:to>
+                                        <p:strVal val="visible"/>
+                                      </p:to>
+                                    </p:set>
+                                  </p:childTnLst>
+                                </p:cTn>
+                              </p:par>
+                            </p:childTnLst>
+                          </p:cTn>
+                        </p:par>
+                      </p:childTnLst>
+                    </p:cTn>
+                  </p:par>
+                  <p:par>
+                    <p:cTn id="9" fill="hold">
+                      <p:stCondLst>
+                        <p:cond delay="indefinite"/>
+                      </p:stCondLst>
+                      <p:childTnLst>
+                        <p:par>
+                          <p:cTn id="10" fill="hold">
+                            <p:stCondLst>
+                              <p:cond delay="0"/>
+                            </p:stCondLst>
+                            <p:childTnLst>
+                              <p:par>
+                                <p:cTn id="11" presetID="1" presetClass="entr" presetSubtype="0" fill="hold" grpId="0" nodeType="clickEffect">
+                                  <p:stCondLst>
+                                    <p:cond delay="0"/>
+                                  </p:stCondLst>
+                                  <p:childTnLst>
+                                    <p:set>
+                                      <p:cBhvr>
+                                        <p:cTn id="12" dur="1" fill="hold">
+                                          <p:stCondLst>
+                                            <p:cond delay="0"/>
+                                          </p:stCondLst>
+                                        </p:cTn>
+                                        <p:tgtEl>
+                                          <p:spTgt spid="19">
+                                            <p:txEl>
+                                              <p:pRg st="2" end="2"/>
+                                            </p:txEl>
+                                          </p:spTgt>
+                                        </p:tgtEl>
+                                        <p:attrNameLst>
+                                          <p:attrName>style.visibility</p:attrName>
+                                        </p:attrNameLst>
+                                      </p:cBhvr>
+                                      <p:to>
+                                        <p:strVal val="visible"/>
+                                      </p:to>
+                                    </p:set>
+                                  </p:childTnLst>
+                                </p:cTn>
+                              </p:par>
+                              <p:par>
+                                <p:cTn id="13" presetID="1" presetClass="entr" presetSubtype="0" fill="hold" grpId="0" nodeType="withEffect">
+                                  <p:stCondLst>
+                                    <p:cond delay="0"/>
+                                  </p:stCondLst>
+                                  <p:childTnLst>
+                                    <p:set>
+                                      <p:cBhvr>
+                                        <p:cTn id="14" dur="1" fill="hold">
+                                          <p:stCondLst>
+                                            <p:cond delay="0"/>
+                                          </p:stCondLst>
+                                        </p:cTn>
+                                        <p:tgtEl>
+                                          <p:spTgt spid="19">
+                                            <p:txEl>
+                                              <p:pRg st="3" end="3"/>
+                                            </p:txEl>
+                                          </p:spTgt>
+                                        </p:tgtEl>
+                                        <p:attrNameLst>
+                                          <p:attrName>style.visibility</p:attrName>
+                                        </p:attrNameLst>
+                                      </p:cBhvr>
+                                      <p:to>
+                                        <p:strVal val="visible"/>
+                                      </p:to>
+                                    </p:set>
+                                  </p:childTnLst>
+                                </p:cTn>
+                              </p:par>
+                              <p:par>
+                                <p:cTn id="15" presetID="1" presetClass="entr" presetSubtype="0" fill="hold" grpId="0" nodeType="withEffect">
+                                  <p:stCondLst>
+                                    <p:cond delay="0"/>
+                                  </p:stCondLst>
+                                  <p:childTnLst>
+                                    <p:set>
+                                      <p:cBhvr>
+                                        <p:cTn id="16" dur="1" fill="hold">
+                                          <p:stCondLst>
+                                            <p:cond delay="0"/>
+                                          </p:stCondLst>
+                                        </p:cTn>
+                                        <p:tgtEl>
+                                          <p:spTgt spid="19">
+                                            <p:txEl>
+                                              <p:pRg st="4" end="4"/>
+                                            </p:txEl>
+                                          </p:spTgt>
+                                        </p:tgtEl>
+                                        <p:attrNameLst>
+                                          <p:attrName>style.visibility</p:attrName>
+                                        </p:attrNameLst>
+                                      </p:cBhvr>
+                                      <p:to>
+                                        <p:strVal val="visible"/>
+                                      </p:to>
+                                    </p:set>
+                                  </p:childTnLst>
+                                </p:cTn>
+                              </p:par>
+                            </p:childTnLst>
+                          </p:cTn>
+                        </p:par>
+                      </p:childTnLst>
+                    </p:cTn>
+                  </p:par>
+                  <p:par>
+                    <p:cTn id="17" fill="hold">
+                      <p:stCondLst>
+                        <p:cond delay="indefinite"/>
+                      </p:stCondLst>
+                      <p:childTnLst>
+                        <p:par>
+                          <p:cTn id="18" fill="hold">
+                            <p:stCondLst>
+                              <p:cond delay="0"/>
+                            </p:stCondLst>
+                            <p:childTnLst>
+                              <p:par>
+                                <p:cTn id="19" presetID="1" presetClass="entr" presetSubtype="0" fill="hold" grpId="0" nodeType="clickEffect">
+                                  <p:stCondLst>
+                                    <p:cond delay="0"/>
+                                  </p:stCondLst>
+                                  <p:childTnLst>
+                                    <p:set>
+                                      <p:cBhvr>
+                                        <p:cTn id="20" dur="1" fill="hold">
+                                          <p:stCondLst>
+                                            <p:cond delay="0"/>
+                                          </p:stCondLst>
+                                        </p:cTn>
+                                        <p:tgtEl>
+                                          <p:spTgt spid="19">
+                                            <p:txEl>
+                                              <p:pRg st="5" end="5"/>
+                                            </p:txEl>
+                                          </p:spTgt>
+                                        </p:tgtEl>
+                                        <p:attrNameLst>
+                                          <p:attrName>style.visibility</p:attrName>
+                                        </p:attrNameLst>
+                                      </p:cBhvr>
+                                      <p:to>
+                                        <p:strVal val="visible"/>
+                                      </p:to>
+                                    </p:set>
+                                  </p:childTnLst>
+                                </p:cTn>
+                              </p:par>
+                            </p:childTnLst>
+                          </p:cTn>
+                        </p:par>
+                      </p:childTnLst>
+                    </p:cTn>
+                  </p:par>
+                  <p:par>
+                    <p:cTn id="21" fill="hold">
+                      <p:stCondLst>
+                        <p:cond delay="indefinite"/>
+                      </p:stCondLst>
+                      <p:childTnLst>
+                        <p:par>
+                          <p:cTn id="22" fill="hold">
+                            <p:stCondLst>
+                              <p:cond delay="0"/>
+                            </p:stCondLst>
+                            <p:childTnLst>
+                              <p:par>
+                                <p:cTn id="23" presetID="1" presetClass="entr" presetSubtype="0" fill="hold" grpId="0" nodeType="clickEffect">
+                                  <p:stCondLst>
+                                    <p:cond delay="0"/>
+                                  </p:stCondLst>
+                                  <p:childTnLst>
+                                    <p:set>
+                                      <p:cBhvr>
+                                        <p:cTn id="24" dur="1" fill="hold">
+                                          <p:stCondLst>
+                                            <p:cond delay="0"/>
+                                          </p:stCondLst>
+                                        </p:cTn>
+                                        <p:tgtEl>
+                                          <p:spTgt spid="19">
+                                            <p:txEl>
+                                              <p:pRg st="6" end="6"/>
+                                            </p:txEl>
+                                          </p:spTgt>
+                                        </p:tgtEl>
+                                        <p:attrNameLst>
+                                          <p:attrName>style.visibility</p:attrName>
+                                        </p:attrNameLst>
+                                      </p:cBhvr>
+                                      <p:to>
+                                        <p:strVal val="visible"/>
+                                      </p:to>
+                                    </p:set>
+                                  </p:childTnLst>
+                                </p:cTn>
+                              </p:par>
+                            </p:childTnLst>
+                          </p:cTn>
+                        </p:par>
+                      </p:childTnLst>
+                    </p:cTn>
+                  </p:par>
+                  <p:par>
+                    <p:cTn id="25" fill="hold">
+                      <p:stCondLst>
+                        <p:cond delay="indefinite"/>
+                      </p:stCondLst>
+                      <p:childTnLst>
+                        <p:par>
+                          <p:cTn id="26" fill="hold">
+                            <p:stCondLst>
+                              <p:cond delay="0"/>
+                            </p:stCondLst>
+                            <p:childTnLst>
+                              <p:par>
+                                <p:cTn id="27" presetID="1" presetClass="entr" presetSubtype="0" fill="hold" grpId="0" nodeType="clickEffect">
+                                  <p:stCondLst>
+                                    <p:cond delay="0"/>
+                                  </p:stCondLst>
+                                  <p:childTnLst>
+                                    <p:set>
+                                      <p:cBhvr>
+                                        <p:cTn id="28" dur="1" fill="hold">
+                                          <p:stCondLst>
+                                            <p:cond delay="0"/>
+                                          </p:stCondLst>
+                                        </p:cTn>
+                                        <p:tgtEl>
+                                          <p:spTgt spid="19">
+                                            <p:txEl>
+                                              <p:pRg st="7" end="7"/>
+                                            </p:txEl>
+                                          </p:spTgt>
+                                        </p:tgtEl>
+                                        <p:attrNameLst>
+                                          <p:attrName>style.visibility</p:attrName>
+                                        </p:attrNameLst>
+                                      </p:cBhvr>
+                                      <p:to>
+                                        <p:strVal val="visible"/>
+                                      </p:to>
+                                    </p:set>
+                                  </p:childTnLst>
+                                </p:cTn>
+                              </p:par>
+                            </p:childTnLst>
+                          </p:cTn>
+                        </p:par>
+                      </p:childTnLst>
+                    </p:cTn>
+                  </p:par>
+                </p:childTnLst>
+              </p:cTn>
+              <p:prevCondLst>
+                <p:cond evt="onPrev" delay="0">
+                  <p:tgtEl>
+                    <p:sldTgt/>
+                  </p:tgtEl>
+                </p:cond>
+              </p:prevCondLst>
+              <p:nextCondLst>
+                <p:cond evt="onNext" delay="0">
+                  <p:tgtEl>
+                    <p:sldTgt/>
+                  </p:tgtEl>
+                </p:cond>
+              </p:nextCondLst>
+            </p:seq>
+          </p:childTnLst>
+        </p:cTn>
+      </p:par>
+    </p:tnLst>
+    <p:bldLst>
+      <p:bldP spid="19" grpId="0" build="p"/>
+    </p:bldLst>
+  </p:timing>
+</p:sld>
+</file>
+
+<file path=ppt/slides/slide60.xml><?xml version="1.0" encoding="utf-8"?>
+<p:sld xmlns:a="http://schemas.openxmlformats.org/drawingml/2006/main" xmlns:r="http://schemas.openxmlformats.org/officeDocument/2006/relationships" xmlns:p="http://schemas.openxmlformats.org/presentationml/2006/main">
+  <p:cSld>
+    <p:spTree>
+      <p:nvGrpSpPr>
+        <p:cNvPr id="1" name=""/>
+        <p:cNvGrpSpPr/>
+        <p:nvPr/>
+      </p:nvGrpSpPr>
+      <p:grpSpPr>
+        <a:xfrm>
+          <a:off x="0" y="0"/>
+          <a:ext cx="0" cy="0"/>
+          <a:chOff x="0" y="0"/>
+          <a:chExt cx="0" cy="0"/>
+        </a:xfrm>
+      </p:grpSpPr>
+      <p:sp>
+        <p:nvSpPr>
+          <p:cNvPr id="7" name="Title 6">
             <a:extLst>
               <a:ext uri="{FF2B5EF4-FFF2-40B4-BE49-F238E27FC236}">
-                <a16:creationId xmlns:a16="http://schemas.microsoft.com/office/drawing/2014/main" id="{AD50F720-AA17-42B1-B108-3F23A87D7213}"/>
+                <a16:creationId xmlns:a16="http://schemas.microsoft.com/office/drawing/2014/main" id="{20F166F8-64A3-40BE-AC80-199547ECEFC8}"/>
               </a:ext>
             </a:extLst>
           </p:cNvPr>
@@ -29472,88 +31340,37 @@
             <p:ph type="title"/>
           </p:nvPr>
         </p:nvSpPr>
-        <p:spPr>
-          <a:xfrm>
-            <a:off x="89" y="0"/>
-            <a:ext cx="11520311" cy="720019"/>
-          </a:xfrm>
-          <a:prstGeom prst="rect">
-            <a:avLst/>
-          </a:prstGeom>
-        </p:spPr>
-        <p:txBody>
-          <a:bodyPr anchor="ctr">
-            <a:normAutofit/>
-          </a:bodyPr>
+        <p:spPr/>
+        <p:txBody>
+          <a:bodyPr/>
           <a:lstStyle/>
           <a:p>
-            <a:pPr algn="ctr"/>
-            <a:r>
-              <a:rPr lang="en-US" sz="3402" b="1" cap="all" dirty="0">
+            <a:r>
+              <a:rPr lang="en-US" b="1" cap="all" dirty="0">
                 <a:solidFill>
-                  <a:schemeClr val="accent1"/>
+                  <a:srgbClr val="3D156F"/>
                 </a:solidFill>
               </a:rPr>
-              <a:t>Support your Local STEM Initiatives</a:t>
-            </a:r>
-            <a:endParaRPr lang="en-US" sz="3402" dirty="0">
-              <a:solidFill>
-                <a:schemeClr val="accent1"/>
-              </a:solidFill>
-            </a:endParaRPr>
-          </a:p>
-        </p:txBody>
-      </p:sp>
-      <p:pic>
-        <p:nvPicPr>
-          <p:cNvPr id="6" name="Picture 5">
-            <a:extLst>
-              <a:ext uri="{FF2B5EF4-FFF2-40B4-BE49-F238E27FC236}">
-                <a16:creationId xmlns:a16="http://schemas.microsoft.com/office/drawing/2014/main" id="{3DB26EE8-8C60-44EC-A68B-2BD9D038643B}"/>
-              </a:ext>
-            </a:extLst>
-          </p:cNvPr>
-          <p:cNvPicPr>
-            <a:picLocks noChangeAspect="1"/>
-          </p:cNvPicPr>
-          <p:nvPr/>
-        </p:nvPicPr>
-        <p:blipFill rotWithShape="1">
-          <a:blip r:embed="rId2"/>
-          <a:srcRect t="937" r="172" b="911"/>
-          <a:stretch/>
-        </p:blipFill>
-        <p:spPr>
-          <a:xfrm>
-            <a:off x="314077" y="643430"/>
-            <a:ext cx="5221174" cy="4350605"/>
-          </a:xfrm>
-          <a:prstGeom prst="rect">
-            <a:avLst/>
-          </a:prstGeom>
-          <a:noFill/>
-        </p:spPr>
-      </p:pic>
-      <p:sp>
-        <p:nvSpPr>
-          <p:cNvPr id="11" name="Content Placeholder 3">
-            <a:extLst>
-              <a:ext uri="{FF2B5EF4-FFF2-40B4-BE49-F238E27FC236}">
-                <a16:creationId xmlns:a16="http://schemas.microsoft.com/office/drawing/2014/main" id="{B0441F8B-FA0E-4E80-AF4C-DDF0BD5D4158}"/>
-              </a:ext>
-            </a:extLst>
-          </p:cNvPr>
+              <a:t>Bio and contact</a:t>
+            </a:r>
+            <a:endParaRPr lang="en-US" dirty="0"/>
+          </a:p>
+        </p:txBody>
+      </p:sp>
+      <p:sp>
+        <p:nvSpPr>
+          <p:cNvPr id="3" name="Content Placeholder 2"/>
           <p:cNvSpPr>
             <a:spLocks noGrp="1"/>
           </p:cNvSpPr>
           <p:nvPr>
-            <p:ph sz="half" idx="2"/>
+            <p:ph idx="1"/>
           </p:nvPr>
         </p:nvSpPr>
         <p:spPr>
           <a:xfrm>
-            <a:off x="5535251" y="2376063"/>
-            <a:ext cx="5671160" cy="3460594"/>
+            <a:off x="654398" y="3659262"/>
+            <a:ext cx="10368280" cy="2604908"/>
           </a:xfrm>
         </p:spPr>
         <p:txBody>
@@ -29562,62 +31379,325 @@
           </a:bodyPr>
           <a:lstStyle/>
           <a:p>
-            <a:r>
-              <a:rPr lang="en-US" dirty="0"/>
-              <a:t>I encourage you to find, then donate time and money to local STEM education initiatives where you live. Get involved!</a:t>
-            </a:r>
-          </a:p>
-          <a:p>
-            <a:r>
-              <a:rPr lang="en-US" dirty="0"/>
-              <a:t>There is almost certainly some nonprofit where you live that needs your enthusiasm and skills to close the achievement gap.</a:t>
-            </a:r>
-          </a:p>
-        </p:txBody>
-      </p:sp>
-      <p:sp>
-        <p:nvSpPr>
-          <p:cNvPr id="7" name="Rectangle 6">
-            <a:extLst>
-              <a:ext uri="{FF2B5EF4-FFF2-40B4-BE49-F238E27FC236}">
-                <a16:creationId xmlns:a16="http://schemas.microsoft.com/office/drawing/2014/main" id="{729D2786-0058-4A91-BB71-21530F0384CE}"/>
-              </a:ext>
-            </a:extLst>
-          </p:cNvPr>
-          <p:cNvSpPr/>
+            <a:pPr marL="0" indent="0" algn="ctr">
+              <a:buNone/>
+            </a:pPr>
+            <a:r>
+              <a:rPr lang="en-US" sz="3780" dirty="0"/>
+              <a:t>This presentation, including all source code, available at my blog:</a:t>
+            </a:r>
+          </a:p>
+          <a:p>
+            <a:pPr marL="0" indent="0" algn="ctr">
+              <a:buNone/>
+            </a:pPr>
+            <a:r>
+              <a:rPr lang="en-US" sz="6236" b="1" dirty="0">
+                <a:hlinkClick r:id="rId2"/>
+              </a:rPr>
+              <a:t>SQLTact.com</a:t>
+            </a:r>
+            <a:endParaRPr lang="en-US" sz="6236" b="1" dirty="0"/>
+          </a:p>
+          <a:p>
+            <a:endParaRPr lang="en-US" sz="4536" dirty="0"/>
+          </a:p>
+          <a:p>
+            <a:endParaRPr lang="en-US" sz="4536" dirty="0"/>
+          </a:p>
+        </p:txBody>
+      </p:sp>
+      <p:sp>
+        <p:nvSpPr>
+          <p:cNvPr id="4" name="Subtitle 2"/>
+          <p:cNvSpPr txBox="1">
+            <a:spLocks/>
+          </p:cNvSpPr>
           <p:nvPr/>
         </p:nvSpPr>
         <p:spPr>
           <a:xfrm>
-            <a:off x="183650" y="5400146"/>
-            <a:ext cx="5335563" cy="354071"/>
+            <a:off x="654398" y="828895"/>
+            <a:ext cx="8561940" cy="2830366"/>
           </a:xfrm>
           <a:prstGeom prst="rect">
             <a:avLst/>
           </a:prstGeom>
         </p:spPr>
         <p:txBody>
-          <a:bodyPr wrap="none">
-            <a:spAutoFit/>
+          <a:bodyPr vert="horz" lIns="86400" tIns="43200" rIns="86400" bIns="43200" rtlCol="0">
+            <a:normAutofit/>
           </a:bodyPr>
-          <a:lstStyle/>
-          <a:p>
-            <a:r>
-              <a:rPr lang="en-US" sz="1701" dirty="0">
+          <a:lstStyle>
+            <a:lvl1pPr marL="342900" indent="-342900" algn="l" defTabSz="914400" rtl="0" eaLnBrk="1" latinLnBrk="0" hangingPunct="1">
+              <a:spcBef>
+                <a:spcPct val="20000"/>
+              </a:spcBef>
+              <a:buFont typeface="Arial" pitchFamily="34" charset="0"/>
+              <a:buChar char="•"/>
+              <a:defRPr sz="3200" kern="1200">
+                <a:solidFill>
+                  <a:schemeClr val="tx1"/>
+                </a:solidFill>
+                <a:latin typeface="+mn-lt"/>
+                <a:ea typeface="+mn-ea"/>
+                <a:cs typeface="+mn-cs"/>
+              </a:defRPr>
+            </a:lvl1pPr>
+            <a:lvl2pPr marL="742950" indent="-285750" algn="l" defTabSz="914400" rtl="0" eaLnBrk="1" latinLnBrk="0" hangingPunct="1">
+              <a:spcBef>
+                <a:spcPct val="20000"/>
+              </a:spcBef>
+              <a:buFont typeface="Arial" pitchFamily="34" charset="0"/>
+              <a:buChar char="–"/>
+              <a:defRPr sz="2800" kern="1200">
+                <a:solidFill>
+                  <a:schemeClr val="tx1"/>
+                </a:solidFill>
+                <a:latin typeface="+mn-lt"/>
+                <a:ea typeface="+mn-ea"/>
+                <a:cs typeface="+mn-cs"/>
+              </a:defRPr>
+            </a:lvl2pPr>
+            <a:lvl3pPr marL="1143000" indent="-228600" algn="l" defTabSz="914400" rtl="0" eaLnBrk="1" latinLnBrk="0" hangingPunct="1">
+              <a:spcBef>
+                <a:spcPct val="20000"/>
+              </a:spcBef>
+              <a:buFont typeface="Arial" pitchFamily="34" charset="0"/>
+              <a:buChar char="•"/>
+              <a:defRPr sz="2400" kern="1200">
+                <a:solidFill>
+                  <a:schemeClr val="tx1"/>
+                </a:solidFill>
+                <a:latin typeface="+mn-lt"/>
+                <a:ea typeface="+mn-ea"/>
+                <a:cs typeface="+mn-cs"/>
+              </a:defRPr>
+            </a:lvl3pPr>
+            <a:lvl4pPr marL="1600200" indent="-228600" algn="l" defTabSz="914400" rtl="0" eaLnBrk="1" latinLnBrk="0" hangingPunct="1">
+              <a:spcBef>
+                <a:spcPct val="20000"/>
+              </a:spcBef>
+              <a:buFont typeface="Arial" pitchFamily="34" charset="0"/>
+              <a:buChar char="–"/>
+              <a:defRPr sz="2000" kern="1200">
+                <a:solidFill>
+                  <a:schemeClr val="tx1"/>
+                </a:solidFill>
+                <a:latin typeface="+mn-lt"/>
+                <a:ea typeface="+mn-ea"/>
+                <a:cs typeface="+mn-cs"/>
+              </a:defRPr>
+            </a:lvl4pPr>
+            <a:lvl5pPr marL="2057400" indent="-228600" algn="l" defTabSz="914400" rtl="0" eaLnBrk="1" latinLnBrk="0" hangingPunct="1">
+              <a:spcBef>
+                <a:spcPct val="20000"/>
+              </a:spcBef>
+              <a:buFont typeface="Arial" pitchFamily="34" charset="0"/>
+              <a:buChar char="»"/>
+              <a:defRPr sz="2000" kern="1200">
+                <a:solidFill>
+                  <a:schemeClr val="tx1"/>
+                </a:solidFill>
+                <a:latin typeface="+mn-lt"/>
+                <a:ea typeface="+mn-ea"/>
+                <a:cs typeface="+mn-cs"/>
+              </a:defRPr>
+            </a:lvl5pPr>
+            <a:lvl6pPr marL="2514600" indent="-228600" algn="l" defTabSz="914400" rtl="0" eaLnBrk="1" latinLnBrk="0" hangingPunct="1">
+              <a:spcBef>
+                <a:spcPct val="20000"/>
+              </a:spcBef>
+              <a:buFont typeface="Arial" pitchFamily="34" charset="0"/>
+              <a:buChar char="•"/>
+              <a:defRPr sz="2000" kern="1200">
+                <a:solidFill>
+                  <a:schemeClr val="tx1"/>
+                </a:solidFill>
+                <a:latin typeface="+mn-lt"/>
+                <a:ea typeface="+mn-ea"/>
+                <a:cs typeface="+mn-cs"/>
+              </a:defRPr>
+            </a:lvl6pPr>
+            <a:lvl7pPr marL="2971800" indent="-228600" algn="l" defTabSz="914400" rtl="0" eaLnBrk="1" latinLnBrk="0" hangingPunct="1">
+              <a:spcBef>
+                <a:spcPct val="20000"/>
+              </a:spcBef>
+              <a:buFont typeface="Arial" pitchFamily="34" charset="0"/>
+              <a:buChar char="•"/>
+              <a:defRPr sz="2000" kern="1200">
+                <a:solidFill>
+                  <a:schemeClr val="tx1"/>
+                </a:solidFill>
+                <a:latin typeface="+mn-lt"/>
+                <a:ea typeface="+mn-ea"/>
+                <a:cs typeface="+mn-cs"/>
+              </a:defRPr>
+            </a:lvl7pPr>
+            <a:lvl8pPr marL="3429000" indent="-228600" algn="l" defTabSz="914400" rtl="0" eaLnBrk="1" latinLnBrk="0" hangingPunct="1">
+              <a:spcBef>
+                <a:spcPct val="20000"/>
+              </a:spcBef>
+              <a:buFont typeface="Arial" pitchFamily="34" charset="0"/>
+              <a:buChar char="•"/>
+              <a:defRPr sz="2000" kern="1200">
+                <a:solidFill>
+                  <a:schemeClr val="tx1"/>
+                </a:solidFill>
+                <a:latin typeface="+mn-lt"/>
+                <a:ea typeface="+mn-ea"/>
+                <a:cs typeface="+mn-cs"/>
+              </a:defRPr>
+            </a:lvl8pPr>
+            <a:lvl9pPr marL="3886200" indent="-228600" algn="l" defTabSz="914400" rtl="0" eaLnBrk="1" latinLnBrk="0" hangingPunct="1">
+              <a:spcBef>
+                <a:spcPct val="20000"/>
+              </a:spcBef>
+              <a:buFont typeface="Arial" pitchFamily="34" charset="0"/>
+              <a:buChar char="•"/>
+              <a:defRPr sz="2000" kern="1200">
+                <a:solidFill>
+                  <a:schemeClr val="tx1"/>
+                </a:solidFill>
+                <a:latin typeface="+mn-lt"/>
+                <a:ea typeface="+mn-ea"/>
+                <a:cs typeface="+mn-cs"/>
+              </a:defRPr>
+            </a:lvl9pPr>
+          </a:lstStyle>
+          <a:p>
+            <a:pPr marL="342896" indent="-342896" defTabSz="914389">
+              <a:defRPr/>
+            </a:pPr>
+            <a:r>
+              <a:rPr lang="en-US" sz="3024" dirty="0">
+                <a:solidFill>
+                  <a:srgbClr val="101820"/>
+                </a:solidFill>
+                <a:latin typeface="Roboto" panose="02000000000000000000" pitchFamily="2" charset="0"/>
+                <a:ea typeface="Roboto" panose="02000000000000000000" pitchFamily="2" charset="0"/>
+              </a:rPr>
+              <a:t>William D Assaf, MCSE</a:t>
+            </a:r>
+          </a:p>
+          <a:p>
+            <a:pPr marL="342896" indent="-342896" defTabSz="914389">
+              <a:defRPr/>
+            </a:pPr>
+            <a:r>
+              <a:rPr lang="en-US" sz="3024" dirty="0">
+                <a:solidFill>
+                  <a:srgbClr val="101820"/>
+                </a:solidFill>
+                <a:latin typeface="Roboto" panose="02000000000000000000" pitchFamily="2" charset="0"/>
+                <a:ea typeface="Roboto" panose="02000000000000000000" pitchFamily="2" charset="0"/>
+              </a:rPr>
+              <a:t>Baton Rouge SQL Server UG board</a:t>
+            </a:r>
+          </a:p>
+          <a:p>
+            <a:pPr marL="342896" indent="-342896" defTabSz="914389">
+              <a:defRPr/>
+            </a:pPr>
+            <a:r>
+              <a:rPr lang="en-US" sz="3024" dirty="0">
+                <a:solidFill>
+                  <a:srgbClr val="101820"/>
+                </a:solidFill>
+                <a:latin typeface="Roboto" panose="02000000000000000000" pitchFamily="2" charset="0"/>
+                <a:ea typeface="Roboto" panose="02000000000000000000" pitchFamily="2" charset="0"/>
+              </a:rPr>
+              <a:t>Principal Consultant, SQL at Sparkhound</a:t>
+            </a:r>
+          </a:p>
+          <a:p>
+            <a:pPr marL="342896" indent="-342896" defTabSz="914389">
+              <a:defRPr/>
+            </a:pPr>
+            <a:r>
+              <a:rPr lang="en-US" sz="3024" dirty="0">
+                <a:solidFill>
+                  <a:srgbClr val="101820"/>
+                </a:solidFill>
+                <a:latin typeface="Roboto" panose="02000000000000000000" pitchFamily="2" charset="0"/>
+                <a:ea typeface="Roboto" panose="02000000000000000000" pitchFamily="2" charset="0"/>
                 <a:hlinkClick r:id="rId3"/>
               </a:rPr>
-              <a:t>https://www.thewallsproject.org/programs/futures_fund/</a:t>
-            </a:r>
-            <a:endParaRPr lang="en-US" sz="1701" dirty="0"/>
+              <a:t>William.Assaf@sparkhound.com</a:t>
+            </a:r>
+            <a:endParaRPr lang="en-US" sz="3024" dirty="0">
+              <a:solidFill>
+                <a:srgbClr val="101820"/>
+              </a:solidFill>
+              <a:latin typeface="Roboto" panose="02000000000000000000" pitchFamily="2" charset="0"/>
+              <a:ea typeface="Roboto" panose="02000000000000000000" pitchFamily="2" charset="0"/>
+            </a:endParaRPr>
+          </a:p>
+          <a:p>
+            <a:pPr marL="342896" indent="-342896" defTabSz="914389">
+              <a:defRPr/>
+            </a:pPr>
+            <a:r>
+              <a:rPr lang="en-US" sz="3024" dirty="0">
+                <a:solidFill>
+                  <a:srgbClr val="101820"/>
+                </a:solidFill>
+                <a:latin typeface="Roboto" panose="02000000000000000000" pitchFamily="2" charset="0"/>
+                <a:ea typeface="Roboto" panose="02000000000000000000" pitchFamily="2" charset="0"/>
+              </a:rPr>
+              <a:t>@</a:t>
+            </a:r>
+            <a:r>
+              <a:rPr lang="en-US" sz="3024" dirty="0" err="1">
+                <a:solidFill>
+                  <a:srgbClr val="101820"/>
+                </a:solidFill>
+                <a:latin typeface="Roboto" panose="02000000000000000000" pitchFamily="2" charset="0"/>
+                <a:ea typeface="Roboto" panose="02000000000000000000" pitchFamily="2" charset="0"/>
+              </a:rPr>
+              <a:t>william_a_dba</a:t>
+            </a:r>
+            <a:endParaRPr lang="en-US" sz="3024" dirty="0">
+              <a:solidFill>
+                <a:srgbClr val="101820"/>
+              </a:solidFill>
+              <a:latin typeface="Roboto" panose="02000000000000000000" pitchFamily="2" charset="0"/>
+              <a:ea typeface="Roboto" panose="02000000000000000000" pitchFamily="2" charset="0"/>
+            </a:endParaRPr>
+          </a:p>
+          <a:p>
+            <a:pPr marL="342896" indent="-342896" defTabSz="914389">
+              <a:defRPr/>
+            </a:pPr>
+            <a:endParaRPr lang="en-US" sz="3024" dirty="0">
+              <a:solidFill>
+                <a:srgbClr val="101820"/>
+              </a:solidFill>
+              <a:latin typeface="Roboto" panose="02000000000000000000" pitchFamily="2" charset="0"/>
+              <a:ea typeface="Roboto" panose="02000000000000000000" pitchFamily="2" charset="0"/>
+            </a:endParaRPr>
+          </a:p>
+          <a:p>
+            <a:pPr marL="0" indent="0" defTabSz="914389">
+              <a:buNone/>
+              <a:defRPr/>
+            </a:pPr>
+            <a:endParaRPr lang="en-US" sz="3024" dirty="0">
+              <a:solidFill>
+                <a:srgbClr val="101820"/>
+              </a:solidFill>
+              <a:latin typeface="Roboto" panose="02000000000000000000" pitchFamily="2" charset="0"/>
+              <a:ea typeface="Roboto" panose="02000000000000000000" pitchFamily="2" charset="0"/>
+            </a:endParaRPr>
           </a:p>
         </p:txBody>
       </p:sp>
       <p:pic>
         <p:nvPicPr>
-          <p:cNvPr id="1026" name="Picture 2" descr="Image">
+          <p:cNvPr id="6" name="Picture 2" descr="William Assaf">
             <a:extLst>
               <a:ext uri="{FF2B5EF4-FFF2-40B4-BE49-F238E27FC236}">
-                <a16:creationId xmlns:a16="http://schemas.microsoft.com/office/drawing/2014/main" id="{9FF0B331-CD93-4C21-8BF3-FE2AD0FD0007}"/>
+                <a16:creationId xmlns:a16="http://schemas.microsoft.com/office/drawing/2014/main" id="{2BAE5041-34BB-4C0C-A938-11DDAAA023DE}"/>
               </a:ext>
             </a:extLst>
           </p:cNvPr>
@@ -29626,7 +31706,7 @@
           </p:cNvPicPr>
           <p:nvPr/>
         </p:nvPicPr>
-        <p:blipFill rotWithShape="1">
+        <p:blipFill>
           <a:blip r:embed="rId4">
             <a:extLst>
               <a:ext uri="{28A0092B-C50C-407E-A947-70E740481C1C}">
@@ -29634,13 +31714,15 @@
               </a:ext>
             </a:extLst>
           </a:blip>
-          <a:srcRect t="31111" b="28889"/>
-          <a:stretch/>
+          <a:srcRect/>
+          <a:stretch>
+            <a:fillRect/>
+          </a:stretch>
         </p:blipFill>
         <p:spPr bwMode="auto">
           <a:xfrm>
-            <a:off x="5633841" y="643517"/>
-            <a:ext cx="5526549" cy="1657965"/>
+            <a:off x="8432185" y="720019"/>
+            <a:ext cx="2830366" cy="2830366"/>
           </a:xfrm>
           <a:prstGeom prst="rect">
             <a:avLst/>
@@ -29660,7 +31742,7 @@
     </p:spTree>
     <p:extLst>
       <p:ext uri="{BB962C8B-B14F-4D97-AF65-F5344CB8AC3E}">
-        <p14:creationId xmlns:p14="http://schemas.microsoft.com/office/powerpoint/2010/main" val="1104762749"/>
+        <p14:creationId xmlns:p14="http://schemas.microsoft.com/office/powerpoint/2010/main" val="2576131179"/>
       </p:ext>
     </p:extLst>
   </p:cSld>
@@ -29670,7 +31752,7 @@
 </p:sld>
 </file>
 
-<file path=ppt/slides/slide6.xml><?xml version="1.0" encoding="utf-8"?>
+<file path=ppt/slides/slide7.xml><?xml version="1.0" encoding="utf-8"?>
 <p:sld xmlns:a="http://schemas.openxmlformats.org/drawingml/2006/main" xmlns:r="http://schemas.openxmlformats.org/officeDocument/2006/relationships" xmlns:p="http://schemas.openxmlformats.org/presentationml/2006/main">
   <p:cSld>
     <p:spTree>
@@ -30102,1297 +32184,6 @@
 </p:sld>
 </file>
 
-<file path=ppt/slides/slide60.xml><?xml version="1.0" encoding="utf-8"?>
-<p:sld xmlns:a="http://schemas.openxmlformats.org/drawingml/2006/main" xmlns:r="http://schemas.openxmlformats.org/officeDocument/2006/relationships" xmlns:p="http://schemas.openxmlformats.org/presentationml/2006/main">
-  <p:cSld>
-    <p:bg>
-      <p:bgPr>
-        <a:solidFill>
-          <a:srgbClr val="0078D7"/>
-        </a:solidFill>
-        <a:effectLst/>
-      </p:bgPr>
-    </p:bg>
-    <p:spTree>
-      <p:nvGrpSpPr>
-        <p:cNvPr id="1" name=""/>
-        <p:cNvGrpSpPr/>
-        <p:nvPr/>
-      </p:nvGrpSpPr>
-      <p:grpSpPr>
-        <a:xfrm>
-          <a:off x="0" y="0"/>
-          <a:ext cx="0" cy="0"/>
-          <a:chOff x="0" y="0"/>
-          <a:chExt cx="0" cy="0"/>
-        </a:xfrm>
-      </p:grpSpPr>
-      <p:pic>
-        <p:nvPicPr>
-          <p:cNvPr id="1026" name="Picture 2" descr="SQL Server 2017 Administration Inside Out book cover"/>
-          <p:cNvPicPr>
-            <a:picLocks noChangeAspect="1" noChangeArrowheads="1"/>
-          </p:cNvPicPr>
-          <p:nvPr/>
-        </p:nvPicPr>
-        <p:blipFill>
-          <a:blip r:embed="rId2">
-            <a:extLst>
-              <a:ext uri="{28A0092B-C50C-407E-A947-70E740481C1C}">
-                <a14:useLocalDpi xmlns:a14="http://schemas.microsoft.com/office/drawing/2010/main" val="0"/>
-              </a:ext>
-            </a:extLst>
-          </a:blip>
-          <a:srcRect/>
-          <a:stretch>
-            <a:fillRect/>
-          </a:stretch>
-        </p:blipFill>
-        <p:spPr bwMode="auto">
-          <a:xfrm>
-            <a:off x="146671" y="1800048"/>
-            <a:ext cx="3580871" cy="4371181"/>
-          </a:xfrm>
-          <a:prstGeom prst="rect">
-            <a:avLst/>
-          </a:prstGeom>
-          <a:noFill/>
-          <a:effectLst>
-            <a:outerShdw blurRad="63500" sx="102000" sy="102000" algn="ctr" rotWithShape="0">
-              <a:prstClr val="black">
-                <a:alpha val="40000"/>
-              </a:prstClr>
-            </a:outerShdw>
-          </a:effectLst>
-          <a:extLst>
-            <a:ext uri="{909E8E84-426E-40DD-AFC4-6F175D3DCCD1}">
-              <a14:hiddenFill xmlns:a14="http://schemas.microsoft.com/office/drawing/2010/main">
-                <a:solidFill>
-                  <a:srgbClr val="FFFFFF"/>
-                </a:solidFill>
-              </a14:hiddenFill>
-            </a:ext>
-          </a:extLst>
-        </p:spPr>
-      </p:pic>
-      <p:sp>
-        <p:nvSpPr>
-          <p:cNvPr id="2" name="Rectangle 1">
-            <a:extLst>
-              <a:ext uri="{FF2B5EF4-FFF2-40B4-BE49-F238E27FC236}">
-                <a16:creationId xmlns:a16="http://schemas.microsoft.com/office/drawing/2014/main" id="{A142EB46-D0F2-4A77-85A1-6FD48128CE80}"/>
-              </a:ext>
-            </a:extLst>
-          </p:cNvPr>
-          <p:cNvSpPr/>
-          <p:nvPr/>
-        </p:nvSpPr>
-        <p:spPr>
-          <a:xfrm>
-            <a:off x="5328232" y="576016"/>
-            <a:ext cx="5760156" cy="5502212"/>
-          </a:xfrm>
-          <a:prstGeom prst="rect">
-            <a:avLst/>
-          </a:prstGeom>
-        </p:spPr>
-        <p:txBody>
-          <a:bodyPr>
-            <a:spAutoFit/>
-          </a:bodyPr>
-          <a:lstStyle/>
-          <a:p>
-            <a:pPr defTabSz="864017">
-              <a:defRPr/>
-            </a:pPr>
-            <a:r>
-              <a:rPr lang="en-US" sz="3402" b="1" dirty="0">
-                <a:solidFill>
-                  <a:prstClr val="white"/>
-                </a:solidFill>
-                <a:latin typeface="Roboto" panose="02000000000000000000" pitchFamily="2" charset="0"/>
-                <a:ea typeface="Roboto" panose="02000000000000000000" pitchFamily="2" charset="0"/>
-              </a:rPr>
-              <a:t>SQL Server 2019 Administration Inside Out</a:t>
-            </a:r>
-          </a:p>
-          <a:p>
-            <a:pPr defTabSz="864017">
-              <a:defRPr/>
-            </a:pPr>
-            <a:r>
-              <a:rPr lang="en-US" sz="3402" dirty="0">
-                <a:solidFill>
-                  <a:prstClr val="white"/>
-                </a:solidFill>
-                <a:latin typeface="Roboto" panose="02000000000000000000" pitchFamily="2" charset="0"/>
-                <a:ea typeface="Roboto" panose="02000000000000000000" pitchFamily="2" charset="0"/>
-              </a:rPr>
-              <a:t>by Microsoft Press</a:t>
-            </a:r>
-          </a:p>
-          <a:p>
-            <a:pPr defTabSz="864017">
-              <a:defRPr/>
-            </a:pPr>
-            <a:endParaRPr lang="en-US" sz="3402" dirty="0">
-              <a:solidFill>
-                <a:prstClr val="white"/>
-              </a:solidFill>
-              <a:latin typeface="Roboto" panose="02000000000000000000" pitchFamily="2" charset="0"/>
-              <a:ea typeface="Roboto" panose="02000000000000000000" pitchFamily="2" charset="0"/>
-            </a:endParaRPr>
-          </a:p>
-          <a:p>
-            <a:pPr defTabSz="864017">
-              <a:defRPr/>
-            </a:pPr>
-            <a:r>
-              <a:rPr lang="en-US" sz="3402" dirty="0">
-                <a:solidFill>
-                  <a:prstClr val="white"/>
-                </a:solidFill>
-                <a:latin typeface="Roboto" panose="02000000000000000000" pitchFamily="2" charset="0"/>
-                <a:ea typeface="Roboto" panose="02000000000000000000" pitchFamily="2" charset="0"/>
-              </a:rPr>
-              <a:t>2017 published Feb 2018</a:t>
-            </a:r>
-          </a:p>
-          <a:p>
-            <a:pPr defTabSz="864017">
-              <a:defRPr/>
-            </a:pPr>
-            <a:endParaRPr lang="en-US" sz="3402" dirty="0">
-              <a:solidFill>
-                <a:prstClr val="white"/>
-              </a:solidFill>
-              <a:latin typeface="Roboto" panose="02000000000000000000" pitchFamily="2" charset="0"/>
-              <a:ea typeface="Roboto" panose="02000000000000000000" pitchFamily="2" charset="0"/>
-            </a:endParaRPr>
-          </a:p>
-          <a:p>
-            <a:pPr defTabSz="864017">
-              <a:defRPr/>
-            </a:pPr>
-            <a:r>
-              <a:rPr lang="en-US" sz="3402" dirty="0">
-                <a:solidFill>
-                  <a:prstClr val="white"/>
-                </a:solidFill>
-                <a:latin typeface="Roboto" panose="02000000000000000000" pitchFamily="2" charset="0"/>
-                <a:ea typeface="Roboto" panose="02000000000000000000" pitchFamily="2" charset="0"/>
-              </a:rPr>
-              <a:t>2019 coming March 2020</a:t>
-            </a:r>
-          </a:p>
-          <a:p>
-            <a:pPr defTabSz="864017">
-              <a:defRPr/>
-            </a:pPr>
-            <a:endParaRPr lang="en-US" sz="1890" dirty="0">
-              <a:solidFill>
-                <a:prstClr val="white"/>
-              </a:solidFill>
-              <a:latin typeface="Roboto" panose="02000000000000000000" pitchFamily="2" charset="0"/>
-              <a:ea typeface="Roboto" panose="02000000000000000000" pitchFamily="2" charset="0"/>
-            </a:endParaRPr>
-          </a:p>
-          <a:p>
-            <a:pPr defTabSz="864017">
-              <a:defRPr/>
-            </a:pPr>
-            <a:endParaRPr lang="en-US" sz="1890" dirty="0">
-              <a:solidFill>
-                <a:prstClr val="white"/>
-              </a:solidFill>
-              <a:latin typeface="Roboto" panose="02000000000000000000" pitchFamily="2" charset="0"/>
-              <a:ea typeface="Roboto" panose="02000000000000000000" pitchFamily="2" charset="0"/>
-            </a:endParaRPr>
-          </a:p>
-          <a:p>
-            <a:pPr defTabSz="864017">
-              <a:defRPr/>
-            </a:pPr>
-            <a:endParaRPr lang="en-US" sz="1890" dirty="0">
-              <a:solidFill>
-                <a:prstClr val="white"/>
-              </a:solidFill>
-              <a:latin typeface="Roboto" panose="02000000000000000000" pitchFamily="2" charset="0"/>
-              <a:ea typeface="Roboto" panose="02000000000000000000" pitchFamily="2" charset="0"/>
-            </a:endParaRPr>
-          </a:p>
-          <a:p>
-            <a:pPr defTabSz="864017">
-              <a:defRPr/>
-            </a:pPr>
-            <a:endParaRPr lang="en-US" sz="1890" dirty="0">
-              <a:solidFill>
-                <a:prstClr val="white"/>
-              </a:solidFill>
-              <a:latin typeface="Roboto" panose="02000000000000000000" pitchFamily="2" charset="0"/>
-              <a:ea typeface="Roboto" panose="02000000000000000000" pitchFamily="2" charset="0"/>
-            </a:endParaRPr>
-          </a:p>
-          <a:p>
-            <a:pPr defTabSz="864017">
-              <a:defRPr/>
-            </a:pPr>
-            <a:endParaRPr lang="en-US" sz="1890" dirty="0">
-              <a:solidFill>
-                <a:prstClr val="white"/>
-              </a:solidFill>
-              <a:latin typeface="Roboto" panose="02000000000000000000" pitchFamily="2" charset="0"/>
-              <a:ea typeface="Roboto" panose="02000000000000000000" pitchFamily="2" charset="0"/>
-            </a:endParaRPr>
-          </a:p>
-          <a:p>
-            <a:pPr defTabSz="864017">
-              <a:defRPr/>
-            </a:pPr>
-            <a:endParaRPr lang="en-US" sz="1890" dirty="0">
-              <a:solidFill>
-                <a:prstClr val="white"/>
-              </a:solidFill>
-              <a:latin typeface="Roboto" panose="02000000000000000000" pitchFamily="2" charset="0"/>
-              <a:ea typeface="Roboto" panose="02000000000000000000" pitchFamily="2" charset="0"/>
-            </a:endParaRPr>
-          </a:p>
-        </p:txBody>
-      </p:sp>
-      <p:sp>
-        <p:nvSpPr>
-          <p:cNvPr id="3" name="Title 2" hidden="1">
-            <a:extLst>
-              <a:ext uri="{FF2B5EF4-FFF2-40B4-BE49-F238E27FC236}">
-                <a16:creationId xmlns:a16="http://schemas.microsoft.com/office/drawing/2014/main" id="{2622AB68-80DB-4C9D-8E8B-3AC1B2AC2799}"/>
-              </a:ext>
-            </a:extLst>
-          </p:cNvPr>
-          <p:cNvSpPr>
-            <a:spLocks noGrp="1"/>
-          </p:cNvSpPr>
-          <p:nvPr>
-            <p:ph type="ctrTitle"/>
-          </p:nvPr>
-        </p:nvSpPr>
-        <p:spPr/>
-        <p:txBody>
-          <a:bodyPr/>
-          <a:lstStyle/>
-          <a:p>
-            <a:r>
-              <a:rPr lang="en-US" dirty="0"/>
-              <a:t>SQL Server 2017 Inside Out</a:t>
-            </a:r>
-          </a:p>
-        </p:txBody>
-      </p:sp>
-      <p:pic>
-        <p:nvPicPr>
-          <p:cNvPr id="4" name="Picture 2">
-            <a:extLst>
-              <a:ext uri="{FF2B5EF4-FFF2-40B4-BE49-F238E27FC236}">
-                <a16:creationId xmlns:a16="http://schemas.microsoft.com/office/drawing/2014/main" id="{BD4A47C2-CD56-4B1E-AE27-9339E64E4ADB}"/>
-              </a:ext>
-            </a:extLst>
-          </p:cNvPr>
-          <p:cNvPicPr>
-            <a:picLocks noChangeAspect="1" noChangeArrowheads="1"/>
-          </p:cNvPicPr>
-          <p:nvPr/>
-        </p:nvPicPr>
-        <p:blipFill>
-          <a:blip r:embed="rId3">
-            <a:extLst>
-              <a:ext uri="{28A0092B-C50C-407E-A947-70E740481C1C}">
-                <a14:useLocalDpi xmlns:a14="http://schemas.microsoft.com/office/drawing/2010/main" val="0"/>
-              </a:ext>
-            </a:extLst>
-          </a:blip>
-          <a:srcRect/>
-          <a:stretch>
-            <a:fillRect/>
-          </a:stretch>
-        </p:blipFill>
-        <p:spPr bwMode="auto">
-          <a:xfrm>
-            <a:off x="1533098" y="84842"/>
-            <a:ext cx="3580870" cy="4476088"/>
-          </a:xfrm>
-          <a:prstGeom prst="rect">
-            <a:avLst/>
-          </a:prstGeom>
-          <a:noFill/>
-          <a:extLst>
-            <a:ext uri="{909E8E84-426E-40DD-AFC4-6F175D3DCCD1}">
-              <a14:hiddenFill xmlns:a14="http://schemas.microsoft.com/office/drawing/2010/main">
-                <a:solidFill>
-                  <a:srgbClr val="FFFFFF"/>
-                </a:solidFill>
-              </a14:hiddenFill>
-            </a:ext>
-          </a:extLst>
-        </p:spPr>
-      </p:pic>
-    </p:spTree>
-    <p:extLst>
-      <p:ext uri="{BB962C8B-B14F-4D97-AF65-F5344CB8AC3E}">
-        <p14:creationId xmlns:p14="http://schemas.microsoft.com/office/powerpoint/2010/main" val="282819259"/>
-      </p:ext>
-    </p:extLst>
-  </p:cSld>
-  <p:clrMapOvr>
-    <a:masterClrMapping/>
-  </p:clrMapOvr>
-</p:sld>
-</file>
-
-<file path=ppt/slides/slide61.xml><?xml version="1.0" encoding="utf-8"?>
-<p:sld xmlns:a="http://schemas.openxmlformats.org/drawingml/2006/main" xmlns:r="http://schemas.openxmlformats.org/officeDocument/2006/relationships" xmlns:p="http://schemas.openxmlformats.org/presentationml/2006/main">
-  <p:cSld>
-    <p:spTree>
-      <p:nvGrpSpPr>
-        <p:cNvPr id="1" name=""/>
-        <p:cNvGrpSpPr/>
-        <p:nvPr/>
-      </p:nvGrpSpPr>
-      <p:grpSpPr>
-        <a:xfrm>
-          <a:off x="0" y="0"/>
-          <a:ext cx="0" cy="0"/>
-          <a:chOff x="0" y="0"/>
-          <a:chExt cx="0" cy="0"/>
-        </a:xfrm>
-      </p:grpSpPr>
-      <p:sp>
-        <p:nvSpPr>
-          <p:cNvPr id="7" name="Title 6">
-            <a:extLst>
-              <a:ext uri="{FF2B5EF4-FFF2-40B4-BE49-F238E27FC236}">
-                <a16:creationId xmlns:a16="http://schemas.microsoft.com/office/drawing/2014/main" id="{20F166F8-64A3-40BE-AC80-199547ECEFC8}"/>
-              </a:ext>
-            </a:extLst>
-          </p:cNvPr>
-          <p:cNvSpPr>
-            <a:spLocks noGrp="1"/>
-          </p:cNvSpPr>
-          <p:nvPr>
-            <p:ph type="title"/>
-          </p:nvPr>
-        </p:nvSpPr>
-        <p:spPr/>
-        <p:txBody>
-          <a:bodyPr/>
-          <a:lstStyle/>
-          <a:p>
-            <a:r>
-              <a:rPr lang="en-US" b="1" cap="all" dirty="0">
-                <a:solidFill>
-                  <a:srgbClr val="3D156F"/>
-                </a:solidFill>
-              </a:rPr>
-              <a:t>Bio and contact</a:t>
-            </a:r>
-            <a:endParaRPr lang="en-US" dirty="0"/>
-          </a:p>
-        </p:txBody>
-      </p:sp>
-      <p:sp>
-        <p:nvSpPr>
-          <p:cNvPr id="3" name="Content Placeholder 2"/>
-          <p:cNvSpPr>
-            <a:spLocks noGrp="1"/>
-          </p:cNvSpPr>
-          <p:nvPr>
-            <p:ph idx="1"/>
-          </p:nvPr>
-        </p:nvSpPr>
-        <p:spPr>
-          <a:xfrm>
-            <a:off x="654398" y="3659262"/>
-            <a:ext cx="10368280" cy="2604908"/>
-          </a:xfrm>
-        </p:spPr>
-        <p:txBody>
-          <a:bodyPr>
-            <a:normAutofit/>
-          </a:bodyPr>
-          <a:lstStyle/>
-          <a:p>
-            <a:pPr marL="0" indent="0" algn="ctr">
-              <a:buNone/>
-            </a:pPr>
-            <a:r>
-              <a:rPr lang="en-US" sz="3780" dirty="0"/>
-              <a:t>This presentation, including all source code, available at my blog:</a:t>
-            </a:r>
-          </a:p>
-          <a:p>
-            <a:pPr marL="0" indent="0" algn="ctr">
-              <a:buNone/>
-            </a:pPr>
-            <a:r>
-              <a:rPr lang="en-US" sz="6236" b="1" dirty="0">
-                <a:hlinkClick r:id="rId2"/>
-              </a:rPr>
-              <a:t>SQLTact.com</a:t>
-            </a:r>
-            <a:endParaRPr lang="en-US" sz="6236" b="1" dirty="0"/>
-          </a:p>
-          <a:p>
-            <a:endParaRPr lang="en-US" sz="4536" dirty="0"/>
-          </a:p>
-          <a:p>
-            <a:endParaRPr lang="en-US" sz="4536" dirty="0"/>
-          </a:p>
-        </p:txBody>
-      </p:sp>
-      <p:sp>
-        <p:nvSpPr>
-          <p:cNvPr id="4" name="Subtitle 2"/>
-          <p:cNvSpPr txBox="1">
-            <a:spLocks/>
-          </p:cNvSpPr>
-          <p:nvPr/>
-        </p:nvSpPr>
-        <p:spPr>
-          <a:xfrm>
-            <a:off x="654398" y="828895"/>
-            <a:ext cx="8561940" cy="2830366"/>
-          </a:xfrm>
-          <a:prstGeom prst="rect">
-            <a:avLst/>
-          </a:prstGeom>
-        </p:spPr>
-        <p:txBody>
-          <a:bodyPr vert="horz" lIns="86400" tIns="43200" rIns="86400" bIns="43200" rtlCol="0">
-            <a:normAutofit fontScale="92500"/>
-          </a:bodyPr>
-          <a:lstStyle>
-            <a:lvl1pPr marL="342900" indent="-342900" algn="l" defTabSz="914400" rtl="0" eaLnBrk="1" latinLnBrk="0" hangingPunct="1">
-              <a:spcBef>
-                <a:spcPct val="20000"/>
-              </a:spcBef>
-              <a:buFont typeface="Arial" pitchFamily="34" charset="0"/>
-              <a:buChar char="•"/>
-              <a:defRPr sz="3200" kern="1200">
-                <a:solidFill>
-                  <a:schemeClr val="tx1"/>
-                </a:solidFill>
-                <a:latin typeface="+mn-lt"/>
-                <a:ea typeface="+mn-ea"/>
-                <a:cs typeface="+mn-cs"/>
-              </a:defRPr>
-            </a:lvl1pPr>
-            <a:lvl2pPr marL="742950" indent="-285750" algn="l" defTabSz="914400" rtl="0" eaLnBrk="1" latinLnBrk="0" hangingPunct="1">
-              <a:spcBef>
-                <a:spcPct val="20000"/>
-              </a:spcBef>
-              <a:buFont typeface="Arial" pitchFamily="34" charset="0"/>
-              <a:buChar char="–"/>
-              <a:defRPr sz="2800" kern="1200">
-                <a:solidFill>
-                  <a:schemeClr val="tx1"/>
-                </a:solidFill>
-                <a:latin typeface="+mn-lt"/>
-                <a:ea typeface="+mn-ea"/>
-                <a:cs typeface="+mn-cs"/>
-              </a:defRPr>
-            </a:lvl2pPr>
-            <a:lvl3pPr marL="1143000" indent="-228600" algn="l" defTabSz="914400" rtl="0" eaLnBrk="1" latinLnBrk="0" hangingPunct="1">
-              <a:spcBef>
-                <a:spcPct val="20000"/>
-              </a:spcBef>
-              <a:buFont typeface="Arial" pitchFamily="34" charset="0"/>
-              <a:buChar char="•"/>
-              <a:defRPr sz="2400" kern="1200">
-                <a:solidFill>
-                  <a:schemeClr val="tx1"/>
-                </a:solidFill>
-                <a:latin typeface="+mn-lt"/>
-                <a:ea typeface="+mn-ea"/>
-                <a:cs typeface="+mn-cs"/>
-              </a:defRPr>
-            </a:lvl3pPr>
-            <a:lvl4pPr marL="1600200" indent="-228600" algn="l" defTabSz="914400" rtl="0" eaLnBrk="1" latinLnBrk="0" hangingPunct="1">
-              <a:spcBef>
-                <a:spcPct val="20000"/>
-              </a:spcBef>
-              <a:buFont typeface="Arial" pitchFamily="34" charset="0"/>
-              <a:buChar char="–"/>
-              <a:defRPr sz="2000" kern="1200">
-                <a:solidFill>
-                  <a:schemeClr val="tx1"/>
-                </a:solidFill>
-                <a:latin typeface="+mn-lt"/>
-                <a:ea typeface="+mn-ea"/>
-                <a:cs typeface="+mn-cs"/>
-              </a:defRPr>
-            </a:lvl4pPr>
-            <a:lvl5pPr marL="2057400" indent="-228600" algn="l" defTabSz="914400" rtl="0" eaLnBrk="1" latinLnBrk="0" hangingPunct="1">
-              <a:spcBef>
-                <a:spcPct val="20000"/>
-              </a:spcBef>
-              <a:buFont typeface="Arial" pitchFamily="34" charset="0"/>
-              <a:buChar char="»"/>
-              <a:defRPr sz="2000" kern="1200">
-                <a:solidFill>
-                  <a:schemeClr val="tx1"/>
-                </a:solidFill>
-                <a:latin typeface="+mn-lt"/>
-                <a:ea typeface="+mn-ea"/>
-                <a:cs typeface="+mn-cs"/>
-              </a:defRPr>
-            </a:lvl5pPr>
-            <a:lvl6pPr marL="2514600" indent="-228600" algn="l" defTabSz="914400" rtl="0" eaLnBrk="1" latinLnBrk="0" hangingPunct="1">
-              <a:spcBef>
-                <a:spcPct val="20000"/>
-              </a:spcBef>
-              <a:buFont typeface="Arial" pitchFamily="34" charset="0"/>
-              <a:buChar char="•"/>
-              <a:defRPr sz="2000" kern="1200">
-                <a:solidFill>
-                  <a:schemeClr val="tx1"/>
-                </a:solidFill>
-                <a:latin typeface="+mn-lt"/>
-                <a:ea typeface="+mn-ea"/>
-                <a:cs typeface="+mn-cs"/>
-              </a:defRPr>
-            </a:lvl6pPr>
-            <a:lvl7pPr marL="2971800" indent="-228600" algn="l" defTabSz="914400" rtl="0" eaLnBrk="1" latinLnBrk="0" hangingPunct="1">
-              <a:spcBef>
-                <a:spcPct val="20000"/>
-              </a:spcBef>
-              <a:buFont typeface="Arial" pitchFamily="34" charset="0"/>
-              <a:buChar char="•"/>
-              <a:defRPr sz="2000" kern="1200">
-                <a:solidFill>
-                  <a:schemeClr val="tx1"/>
-                </a:solidFill>
-                <a:latin typeface="+mn-lt"/>
-                <a:ea typeface="+mn-ea"/>
-                <a:cs typeface="+mn-cs"/>
-              </a:defRPr>
-            </a:lvl7pPr>
-            <a:lvl8pPr marL="3429000" indent="-228600" algn="l" defTabSz="914400" rtl="0" eaLnBrk="1" latinLnBrk="0" hangingPunct="1">
-              <a:spcBef>
-                <a:spcPct val="20000"/>
-              </a:spcBef>
-              <a:buFont typeface="Arial" pitchFamily="34" charset="0"/>
-              <a:buChar char="•"/>
-              <a:defRPr sz="2000" kern="1200">
-                <a:solidFill>
-                  <a:schemeClr val="tx1"/>
-                </a:solidFill>
-                <a:latin typeface="+mn-lt"/>
-                <a:ea typeface="+mn-ea"/>
-                <a:cs typeface="+mn-cs"/>
-              </a:defRPr>
-            </a:lvl8pPr>
-            <a:lvl9pPr marL="3886200" indent="-228600" algn="l" defTabSz="914400" rtl="0" eaLnBrk="1" latinLnBrk="0" hangingPunct="1">
-              <a:spcBef>
-                <a:spcPct val="20000"/>
-              </a:spcBef>
-              <a:buFont typeface="Arial" pitchFamily="34" charset="0"/>
-              <a:buChar char="•"/>
-              <a:defRPr sz="2000" kern="1200">
-                <a:solidFill>
-                  <a:schemeClr val="tx1"/>
-                </a:solidFill>
-                <a:latin typeface="+mn-lt"/>
-                <a:ea typeface="+mn-ea"/>
-                <a:cs typeface="+mn-cs"/>
-              </a:defRPr>
-            </a:lvl9pPr>
-          </a:lstStyle>
-          <a:p>
-            <a:pPr marL="342896" indent="-342896" defTabSz="914389">
-              <a:defRPr/>
-            </a:pPr>
-            <a:r>
-              <a:rPr lang="en-US" sz="3024" dirty="0">
-                <a:solidFill>
-                  <a:srgbClr val="101820"/>
-                </a:solidFill>
-                <a:latin typeface="Roboto" panose="02000000000000000000" pitchFamily="2" charset="0"/>
-                <a:ea typeface="Roboto" panose="02000000000000000000" pitchFamily="2" charset="0"/>
-              </a:rPr>
-              <a:t>William D Assaf, MCSE</a:t>
-            </a:r>
-          </a:p>
-          <a:p>
-            <a:pPr marL="342896" indent="-342896" defTabSz="914389">
-              <a:defRPr/>
-            </a:pPr>
-            <a:r>
-              <a:rPr lang="en-US" sz="3024" dirty="0">
-                <a:solidFill>
-                  <a:srgbClr val="101820"/>
-                </a:solidFill>
-                <a:latin typeface="Roboto" panose="02000000000000000000" pitchFamily="2" charset="0"/>
-                <a:ea typeface="Roboto" panose="02000000000000000000" pitchFamily="2" charset="0"/>
-              </a:rPr>
-              <a:t>Baton Rouge SQL Server UG board</a:t>
-            </a:r>
-          </a:p>
-          <a:p>
-            <a:pPr marL="342896" indent="-342896" defTabSz="914389">
-              <a:defRPr/>
-            </a:pPr>
-            <a:r>
-              <a:rPr lang="en-US" sz="3024" dirty="0">
-                <a:solidFill>
-                  <a:srgbClr val="101820"/>
-                </a:solidFill>
-                <a:latin typeface="Roboto" panose="02000000000000000000" pitchFamily="2" charset="0"/>
-                <a:ea typeface="Roboto" panose="02000000000000000000" pitchFamily="2" charset="0"/>
-              </a:rPr>
-              <a:t>Principal Consultant, SQL Manager at Sparkhound</a:t>
-            </a:r>
-          </a:p>
-          <a:p>
-            <a:pPr marL="342896" indent="-342896" defTabSz="914389">
-              <a:defRPr/>
-            </a:pPr>
-            <a:r>
-              <a:rPr lang="en-US" sz="3024" dirty="0">
-                <a:solidFill>
-                  <a:srgbClr val="101820"/>
-                </a:solidFill>
-                <a:latin typeface="Roboto" panose="02000000000000000000" pitchFamily="2" charset="0"/>
-                <a:ea typeface="Roboto" panose="02000000000000000000" pitchFamily="2" charset="0"/>
-                <a:hlinkClick r:id="rId3"/>
-              </a:rPr>
-              <a:t>William.Assaf@sparkhound.com</a:t>
-            </a:r>
-            <a:endParaRPr lang="en-US" sz="3024" dirty="0">
-              <a:solidFill>
-                <a:srgbClr val="101820"/>
-              </a:solidFill>
-              <a:latin typeface="Roboto" panose="02000000000000000000" pitchFamily="2" charset="0"/>
-              <a:ea typeface="Roboto" panose="02000000000000000000" pitchFamily="2" charset="0"/>
-            </a:endParaRPr>
-          </a:p>
-          <a:p>
-            <a:pPr marL="342896" indent="-342896" defTabSz="914389">
-              <a:defRPr/>
-            </a:pPr>
-            <a:r>
-              <a:rPr lang="en-US" sz="3024" dirty="0">
-                <a:solidFill>
-                  <a:srgbClr val="101820"/>
-                </a:solidFill>
-                <a:latin typeface="Roboto" panose="02000000000000000000" pitchFamily="2" charset="0"/>
-                <a:ea typeface="Roboto" panose="02000000000000000000" pitchFamily="2" charset="0"/>
-              </a:rPr>
-              <a:t>Twitter: @</a:t>
-            </a:r>
-            <a:r>
-              <a:rPr lang="en-US" sz="3024" dirty="0" err="1">
-                <a:solidFill>
-                  <a:srgbClr val="101820"/>
-                </a:solidFill>
-                <a:latin typeface="Roboto" panose="02000000000000000000" pitchFamily="2" charset="0"/>
-                <a:ea typeface="Roboto" panose="02000000000000000000" pitchFamily="2" charset="0"/>
-              </a:rPr>
-              <a:t>william_a_dba</a:t>
-            </a:r>
-            <a:endParaRPr lang="en-US" sz="3024" dirty="0">
-              <a:solidFill>
-                <a:srgbClr val="101820"/>
-              </a:solidFill>
-              <a:latin typeface="Roboto" panose="02000000000000000000" pitchFamily="2" charset="0"/>
-              <a:ea typeface="Roboto" panose="02000000000000000000" pitchFamily="2" charset="0"/>
-            </a:endParaRPr>
-          </a:p>
-          <a:p>
-            <a:pPr marL="342896" indent="-342896" defTabSz="914389">
-              <a:defRPr/>
-            </a:pPr>
-            <a:endParaRPr lang="en-US" sz="3024" dirty="0">
-              <a:solidFill>
-                <a:srgbClr val="101820"/>
-              </a:solidFill>
-              <a:latin typeface="Roboto" panose="02000000000000000000" pitchFamily="2" charset="0"/>
-              <a:ea typeface="Roboto" panose="02000000000000000000" pitchFamily="2" charset="0"/>
-            </a:endParaRPr>
-          </a:p>
-          <a:p>
-            <a:pPr marL="0" indent="0" defTabSz="914389">
-              <a:buNone/>
-              <a:defRPr/>
-            </a:pPr>
-            <a:endParaRPr lang="en-US" sz="3024" dirty="0">
-              <a:solidFill>
-                <a:srgbClr val="101820"/>
-              </a:solidFill>
-              <a:latin typeface="Roboto" panose="02000000000000000000" pitchFamily="2" charset="0"/>
-              <a:ea typeface="Roboto" panose="02000000000000000000" pitchFamily="2" charset="0"/>
-            </a:endParaRPr>
-          </a:p>
-        </p:txBody>
-      </p:sp>
-      <p:pic>
-        <p:nvPicPr>
-          <p:cNvPr id="6" name="Picture 2" descr="William Assaf">
-            <a:extLst>
-              <a:ext uri="{FF2B5EF4-FFF2-40B4-BE49-F238E27FC236}">
-                <a16:creationId xmlns:a16="http://schemas.microsoft.com/office/drawing/2014/main" id="{2BAE5041-34BB-4C0C-A938-11DDAAA023DE}"/>
-              </a:ext>
-            </a:extLst>
-          </p:cNvPr>
-          <p:cNvPicPr>
-            <a:picLocks noChangeAspect="1" noChangeArrowheads="1"/>
-          </p:cNvPicPr>
-          <p:nvPr/>
-        </p:nvPicPr>
-        <p:blipFill>
-          <a:blip r:embed="rId4">
-            <a:extLst>
-              <a:ext uri="{28A0092B-C50C-407E-A947-70E740481C1C}">
-                <a14:useLocalDpi xmlns:a14="http://schemas.microsoft.com/office/drawing/2010/main" val="0"/>
-              </a:ext>
-            </a:extLst>
-          </a:blip>
-          <a:srcRect/>
-          <a:stretch>
-            <a:fillRect/>
-          </a:stretch>
-        </p:blipFill>
-        <p:spPr bwMode="auto">
-          <a:xfrm>
-            <a:off x="9432343" y="720057"/>
-            <a:ext cx="1872051" cy="1872051"/>
-          </a:xfrm>
-          <a:prstGeom prst="rect">
-            <a:avLst/>
-          </a:prstGeom>
-          <a:noFill/>
-          <a:extLst>
-            <a:ext uri="{909E8E84-426E-40DD-AFC4-6F175D3DCCD1}">
-              <a14:hiddenFill xmlns:a14="http://schemas.microsoft.com/office/drawing/2010/main">
-                <a:solidFill>
-                  <a:srgbClr val="FFFFFF"/>
-                </a:solidFill>
-              </a14:hiddenFill>
-            </a:ext>
-          </a:extLst>
-        </p:spPr>
-      </p:pic>
-    </p:spTree>
-    <p:extLst>
-      <p:ext uri="{BB962C8B-B14F-4D97-AF65-F5344CB8AC3E}">
-        <p14:creationId xmlns:p14="http://schemas.microsoft.com/office/powerpoint/2010/main" val="2576131179"/>
-      </p:ext>
-    </p:extLst>
-  </p:cSld>
-  <p:clrMapOvr>
-    <a:masterClrMapping/>
-  </p:clrMapOvr>
-</p:sld>
-</file>
-
-<file path=ppt/slides/slide7.xml><?xml version="1.0" encoding="utf-8"?>
-<p:sld xmlns:a="http://schemas.openxmlformats.org/drawingml/2006/main" xmlns:r="http://schemas.openxmlformats.org/officeDocument/2006/relationships" xmlns:p="http://schemas.openxmlformats.org/presentationml/2006/main">
-  <p:cSld>
-    <p:spTree>
-      <p:nvGrpSpPr>
-        <p:cNvPr id="1" name=""/>
-        <p:cNvGrpSpPr/>
-        <p:nvPr/>
-      </p:nvGrpSpPr>
-      <p:grpSpPr>
-        <a:xfrm>
-          <a:off x="0" y="0"/>
-          <a:ext cx="0" cy="0"/>
-          <a:chOff x="0" y="0"/>
-          <a:chExt cx="0" cy="0"/>
-        </a:xfrm>
-      </p:grpSpPr>
-      <p:sp>
-        <p:nvSpPr>
-          <p:cNvPr id="18" name="Title 17"/>
-          <p:cNvSpPr>
-            <a:spLocks noGrp="1"/>
-          </p:cNvSpPr>
-          <p:nvPr>
-            <p:ph type="title" idx="4294967295"/>
-          </p:nvPr>
-        </p:nvSpPr>
-        <p:spPr>
-          <a:xfrm>
-            <a:off x="719138" y="360363"/>
-            <a:ext cx="10801350" cy="720725"/>
-          </a:xfrm>
-        </p:spPr>
-        <p:txBody>
-          <a:bodyPr/>
-          <a:lstStyle/>
-          <a:p>
-            <a:r>
-              <a:rPr lang="en-US" b="1" dirty="0"/>
-              <a:t>SQL Version Upgrade Timeline</a:t>
-            </a:r>
-          </a:p>
-        </p:txBody>
-      </p:sp>
-      <p:sp>
-        <p:nvSpPr>
-          <p:cNvPr id="19" name="Content Placeholder 18"/>
-          <p:cNvSpPr>
-            <a:spLocks noGrp="1"/>
-          </p:cNvSpPr>
-          <p:nvPr>
-            <p:ph idx="4294967295"/>
-          </p:nvPr>
-        </p:nvSpPr>
-        <p:spPr>
-          <a:xfrm>
-            <a:off x="541337" y="1271588"/>
-            <a:ext cx="10473407" cy="4679950"/>
-          </a:xfrm>
-        </p:spPr>
-        <p:txBody>
-          <a:bodyPr>
-            <a:normAutofit/>
-          </a:bodyPr>
-          <a:lstStyle/>
-          <a:p>
-            <a:pPr marL="457200" indent="-457200">
-              <a:buFont typeface="Arial" panose="020B0604020202020204" pitchFamily="34" charset="0"/>
-              <a:buChar char="•"/>
-            </a:pPr>
-            <a:r>
-              <a:rPr lang="en-US" sz="3600" dirty="0">
-                <a:latin typeface="+mn-lt"/>
-              </a:rPr>
-              <a:t>SQL 2008/R2 are past end of life (July 2019)! </a:t>
-            </a:r>
-          </a:p>
-          <a:p>
-            <a:pPr marL="457200" indent="-457200">
-              <a:buFont typeface="Arial" panose="020B0604020202020204" pitchFamily="34" charset="0"/>
-              <a:buChar char="•"/>
-            </a:pPr>
-            <a:r>
-              <a:rPr lang="en-US" sz="3600" dirty="0">
-                <a:latin typeface="+mn-lt"/>
-              </a:rPr>
-              <a:t>No longer supported unless you:</a:t>
-            </a:r>
-          </a:p>
-          <a:p>
-            <a:pPr marL="946358" lvl="1" indent="-514350">
-              <a:buFont typeface="+mj-lt"/>
-              <a:buAutoNum type="arabicPeriod"/>
-            </a:pPr>
-            <a:r>
-              <a:rPr lang="en-US" sz="3222" dirty="0">
-                <a:latin typeface="+mn-lt"/>
-              </a:rPr>
-              <a:t>Pay lots of money to Microsoft. </a:t>
-            </a:r>
-            <a:r>
-              <a:rPr lang="en-US" sz="1800" dirty="0">
-                <a:latin typeface="+mn-lt"/>
-              </a:rPr>
-              <a:t>Srsly. </a:t>
-            </a:r>
-            <a:endParaRPr lang="en-US" sz="3222" dirty="0">
-              <a:latin typeface="+mn-lt"/>
-            </a:endParaRPr>
-          </a:p>
-          <a:p>
-            <a:pPr marL="946358" lvl="1" indent="-514350">
-              <a:buFont typeface="+mj-lt"/>
-              <a:buAutoNum type="arabicPeriod"/>
-            </a:pPr>
-            <a:r>
-              <a:rPr lang="en-US" sz="3222" dirty="0">
-                <a:latin typeface="+mn-lt"/>
-              </a:rPr>
-              <a:t>Migrate your SQL 2008/R2 SQL Server to an Azure VM. Considerably less money.</a:t>
-            </a:r>
-          </a:p>
-          <a:p>
-            <a:r>
-              <a:rPr lang="en-US" sz="3600" dirty="0">
-                <a:latin typeface="+mn-lt"/>
-              </a:rPr>
-              <a:t>  SQL Server 2012 SP4 End of Support is July 12 2022.</a:t>
-            </a:r>
-          </a:p>
-          <a:p>
-            <a:r>
-              <a:rPr lang="en-US" sz="3600" dirty="0">
-                <a:latin typeface="+mn-lt"/>
-              </a:rPr>
-              <a:t>  SQL Server 2012 &lt;SP4 no longer supported!</a:t>
-            </a:r>
-          </a:p>
-          <a:p>
-            <a:r>
-              <a:rPr lang="en-US" sz="3600" dirty="0">
-                <a:latin typeface="+mn-lt"/>
-              </a:rPr>
-              <a:t>  SQL Server 2014 SP3 End of Support is July 9 2024.</a:t>
-            </a:r>
-          </a:p>
-        </p:txBody>
-      </p:sp>
-    </p:spTree>
-    <p:extLst>
-      <p:ext uri="{BB962C8B-B14F-4D97-AF65-F5344CB8AC3E}">
-        <p14:creationId xmlns:p14="http://schemas.microsoft.com/office/powerpoint/2010/main" val="4084010780"/>
-      </p:ext>
-    </p:extLst>
-  </p:cSld>
-  <p:clrMapOvr>
-    <a:masterClrMapping/>
-  </p:clrMapOvr>
-  <p:timing>
-    <p:tnLst>
-      <p:par>
-        <p:cTn id="1" dur="indefinite" restart="never" nodeType="tmRoot">
-          <p:childTnLst>
-            <p:seq concurrent="1" nextAc="seek">
-              <p:cTn id="2" dur="indefinite" nodeType="mainSeq">
-                <p:childTnLst>
-                  <p:par>
-                    <p:cTn id="3" fill="hold">
-                      <p:stCondLst>
-                        <p:cond delay="indefinite"/>
-                      </p:stCondLst>
-                      <p:childTnLst>
-                        <p:par>
-                          <p:cTn id="4" fill="hold">
-                            <p:stCondLst>
-                              <p:cond delay="0"/>
-                            </p:stCondLst>
-                            <p:childTnLst>
-                              <p:par>
-                                <p:cTn id="5" presetID="1" presetClass="entr" presetSubtype="0" fill="hold" grpId="0" nodeType="clickEffect">
-                                  <p:stCondLst>
-                                    <p:cond delay="0"/>
-                                  </p:stCondLst>
-                                  <p:childTnLst>
-                                    <p:set>
-                                      <p:cBhvr>
-                                        <p:cTn id="6" dur="1" fill="hold">
-                                          <p:stCondLst>
-                                            <p:cond delay="0"/>
-                                          </p:stCondLst>
-                                        </p:cTn>
-                                        <p:tgtEl>
-                                          <p:spTgt spid="19">
-                                            <p:txEl>
-                                              <p:pRg st="0" end="0"/>
-                                            </p:txEl>
-                                          </p:spTgt>
-                                        </p:tgtEl>
-                                        <p:attrNameLst>
-                                          <p:attrName>style.visibility</p:attrName>
-                                        </p:attrNameLst>
-                                      </p:cBhvr>
-                                      <p:to>
-                                        <p:strVal val="visible"/>
-                                      </p:to>
-                                    </p:set>
-                                  </p:childTnLst>
-                                </p:cTn>
-                              </p:par>
-                            </p:childTnLst>
-                          </p:cTn>
-                        </p:par>
-                      </p:childTnLst>
-                    </p:cTn>
-                  </p:par>
-                  <p:par>
-                    <p:cTn id="7" fill="hold">
-                      <p:stCondLst>
-                        <p:cond delay="indefinite"/>
-                      </p:stCondLst>
-                      <p:childTnLst>
-                        <p:par>
-                          <p:cTn id="8" fill="hold">
-                            <p:stCondLst>
-                              <p:cond delay="0"/>
-                            </p:stCondLst>
-                            <p:childTnLst>
-                              <p:par>
-                                <p:cTn id="9" presetID="1" presetClass="entr" presetSubtype="0" fill="hold" grpId="0" nodeType="clickEffect">
-                                  <p:stCondLst>
-                                    <p:cond delay="0"/>
-                                  </p:stCondLst>
-                                  <p:childTnLst>
-                                    <p:set>
-                                      <p:cBhvr>
-                                        <p:cTn id="10" dur="1" fill="hold">
-                                          <p:stCondLst>
-                                            <p:cond delay="0"/>
-                                          </p:stCondLst>
-                                        </p:cTn>
-                                        <p:tgtEl>
-                                          <p:spTgt spid="19">
-                                            <p:txEl>
-                                              <p:pRg st="1" end="1"/>
-                                            </p:txEl>
-                                          </p:spTgt>
-                                        </p:tgtEl>
-                                        <p:attrNameLst>
-                                          <p:attrName>style.visibility</p:attrName>
-                                        </p:attrNameLst>
-                                      </p:cBhvr>
-                                      <p:to>
-                                        <p:strVal val="visible"/>
-                                      </p:to>
-                                    </p:set>
-                                  </p:childTnLst>
-                                </p:cTn>
-                              </p:par>
-                              <p:par>
-                                <p:cTn id="11" presetID="1" presetClass="entr" presetSubtype="0" fill="hold" grpId="0" nodeType="withEffect">
-                                  <p:stCondLst>
-                                    <p:cond delay="0"/>
-                                  </p:stCondLst>
-                                  <p:childTnLst>
-                                    <p:set>
-                                      <p:cBhvr>
-                                        <p:cTn id="12" dur="1" fill="hold">
-                                          <p:stCondLst>
-                                            <p:cond delay="0"/>
-                                          </p:stCondLst>
-                                        </p:cTn>
-                                        <p:tgtEl>
-                                          <p:spTgt spid="19">
-                                            <p:txEl>
-                                              <p:pRg st="2" end="2"/>
-                                            </p:txEl>
-                                          </p:spTgt>
-                                        </p:tgtEl>
-                                        <p:attrNameLst>
-                                          <p:attrName>style.visibility</p:attrName>
-                                        </p:attrNameLst>
-                                      </p:cBhvr>
-                                      <p:to>
-                                        <p:strVal val="visible"/>
-                                      </p:to>
-                                    </p:set>
-                                  </p:childTnLst>
-                                </p:cTn>
-                              </p:par>
-                              <p:par>
-                                <p:cTn id="13" presetID="1" presetClass="entr" presetSubtype="0" fill="hold" grpId="0" nodeType="withEffect">
-                                  <p:stCondLst>
-                                    <p:cond delay="0"/>
-                                  </p:stCondLst>
-                                  <p:childTnLst>
-                                    <p:set>
-                                      <p:cBhvr>
-                                        <p:cTn id="14" dur="1" fill="hold">
-                                          <p:stCondLst>
-                                            <p:cond delay="0"/>
-                                          </p:stCondLst>
-                                        </p:cTn>
-                                        <p:tgtEl>
-                                          <p:spTgt spid="19">
-                                            <p:txEl>
-                                              <p:pRg st="3" end="3"/>
-                                            </p:txEl>
-                                          </p:spTgt>
-                                        </p:tgtEl>
-                                        <p:attrNameLst>
-                                          <p:attrName>style.visibility</p:attrName>
-                                        </p:attrNameLst>
-                                      </p:cBhvr>
-                                      <p:to>
-                                        <p:strVal val="visible"/>
-                                      </p:to>
-                                    </p:set>
-                                  </p:childTnLst>
-                                </p:cTn>
-                              </p:par>
-                            </p:childTnLst>
-                          </p:cTn>
-                        </p:par>
-                      </p:childTnLst>
-                    </p:cTn>
-                  </p:par>
-                  <p:par>
-                    <p:cTn id="15" fill="hold">
-                      <p:stCondLst>
-                        <p:cond delay="indefinite"/>
-                      </p:stCondLst>
-                      <p:childTnLst>
-                        <p:par>
-                          <p:cTn id="16" fill="hold">
-                            <p:stCondLst>
-                              <p:cond delay="0"/>
-                            </p:stCondLst>
-                            <p:childTnLst>
-                              <p:par>
-                                <p:cTn id="17" presetID="1" presetClass="entr" presetSubtype="0" fill="hold" grpId="0" nodeType="clickEffect">
-                                  <p:stCondLst>
-                                    <p:cond delay="0"/>
-                                  </p:stCondLst>
-                                  <p:childTnLst>
-                                    <p:set>
-                                      <p:cBhvr>
-                                        <p:cTn id="18" dur="1" fill="hold">
-                                          <p:stCondLst>
-                                            <p:cond delay="0"/>
-                                          </p:stCondLst>
-                                        </p:cTn>
-                                        <p:tgtEl>
-                                          <p:spTgt spid="19">
-                                            <p:txEl>
-                                              <p:pRg st="4" end="4"/>
-                                            </p:txEl>
-                                          </p:spTgt>
-                                        </p:tgtEl>
-                                        <p:attrNameLst>
-                                          <p:attrName>style.visibility</p:attrName>
-                                        </p:attrNameLst>
-                                      </p:cBhvr>
-                                      <p:to>
-                                        <p:strVal val="visible"/>
-                                      </p:to>
-                                    </p:set>
-                                  </p:childTnLst>
-                                </p:cTn>
-                              </p:par>
-                            </p:childTnLst>
-                          </p:cTn>
-                        </p:par>
-                      </p:childTnLst>
-                    </p:cTn>
-                  </p:par>
-                  <p:par>
-                    <p:cTn id="19" fill="hold">
-                      <p:stCondLst>
-                        <p:cond delay="indefinite"/>
-                      </p:stCondLst>
-                      <p:childTnLst>
-                        <p:par>
-                          <p:cTn id="20" fill="hold">
-                            <p:stCondLst>
-                              <p:cond delay="0"/>
-                            </p:stCondLst>
-                            <p:childTnLst>
-                              <p:par>
-                                <p:cTn id="21" presetID="1" presetClass="entr" presetSubtype="0" fill="hold" grpId="0" nodeType="clickEffect">
-                                  <p:stCondLst>
-                                    <p:cond delay="0"/>
-                                  </p:stCondLst>
-                                  <p:childTnLst>
-                                    <p:set>
-                                      <p:cBhvr>
-                                        <p:cTn id="22" dur="1" fill="hold">
-                                          <p:stCondLst>
-                                            <p:cond delay="0"/>
-                                          </p:stCondLst>
-                                        </p:cTn>
-                                        <p:tgtEl>
-                                          <p:spTgt spid="19">
-                                            <p:txEl>
-                                              <p:pRg st="5" end="5"/>
-                                            </p:txEl>
-                                          </p:spTgt>
-                                        </p:tgtEl>
-                                        <p:attrNameLst>
-                                          <p:attrName>style.visibility</p:attrName>
-                                        </p:attrNameLst>
-                                      </p:cBhvr>
-                                      <p:to>
-                                        <p:strVal val="visible"/>
-                                      </p:to>
-                                    </p:set>
-                                  </p:childTnLst>
-                                </p:cTn>
-                              </p:par>
-                            </p:childTnLst>
-                          </p:cTn>
-                        </p:par>
-                      </p:childTnLst>
-                    </p:cTn>
-                  </p:par>
-                  <p:par>
-                    <p:cTn id="23" fill="hold">
-                      <p:stCondLst>
-                        <p:cond delay="indefinite"/>
-                      </p:stCondLst>
-                      <p:childTnLst>
-                        <p:par>
-                          <p:cTn id="24" fill="hold">
-                            <p:stCondLst>
-                              <p:cond delay="0"/>
-                            </p:stCondLst>
-                            <p:childTnLst>
-                              <p:par>
-                                <p:cTn id="25" presetID="1" presetClass="entr" presetSubtype="0" fill="hold" grpId="0" nodeType="clickEffect">
-                                  <p:stCondLst>
-                                    <p:cond delay="0"/>
-                                  </p:stCondLst>
-                                  <p:childTnLst>
-                                    <p:set>
-                                      <p:cBhvr>
-                                        <p:cTn id="26" dur="1" fill="hold">
-                                          <p:stCondLst>
-                                            <p:cond delay="0"/>
-                                          </p:stCondLst>
-                                        </p:cTn>
-                                        <p:tgtEl>
-                                          <p:spTgt spid="19">
-                                            <p:txEl>
-                                              <p:pRg st="6" end="6"/>
-                                            </p:txEl>
-                                          </p:spTgt>
-                                        </p:tgtEl>
-                                        <p:attrNameLst>
-                                          <p:attrName>style.visibility</p:attrName>
-                                        </p:attrNameLst>
-                                      </p:cBhvr>
-                                      <p:to>
-                                        <p:strVal val="visible"/>
-                                      </p:to>
-                                    </p:set>
-                                  </p:childTnLst>
-                                </p:cTn>
-                              </p:par>
-                            </p:childTnLst>
-                          </p:cTn>
-                        </p:par>
-                      </p:childTnLst>
-                    </p:cTn>
-                  </p:par>
-                </p:childTnLst>
-              </p:cTn>
-              <p:prevCondLst>
-                <p:cond evt="onPrev" delay="0">
-                  <p:tgtEl>
-                    <p:sldTgt/>
-                  </p:tgtEl>
-                </p:cond>
-              </p:prevCondLst>
-              <p:nextCondLst>
-                <p:cond evt="onNext" delay="0">
-                  <p:tgtEl>
-                    <p:sldTgt/>
-                  </p:tgtEl>
-                </p:cond>
-              </p:nextCondLst>
-            </p:seq>
-          </p:childTnLst>
-        </p:cTn>
-      </p:par>
-    </p:tnLst>
-    <p:bldLst>
-      <p:bldP spid="19" grpId="0" build="p"/>
-    </p:bldLst>
-  </p:timing>
-</p:sld>
-</file>
-
 <file path=ppt/slides/slide8.xml><?xml version="1.0" encoding="utf-8"?>
 <p:sld xmlns:a="http://schemas.openxmlformats.org/drawingml/2006/main" xmlns:r="http://schemas.openxmlformats.org/officeDocument/2006/relationships" xmlns:p="http://schemas.openxmlformats.org/presentationml/2006/main">
   <p:cSld>
@@ -31506,7 +32297,7 @@
             </a:pPr>
             <a:r>
               <a:rPr lang="en-US" sz="3600" dirty="0"/>
-              <a:t>Major performance boosts</a:t>
+              <a:t>Major performance improvements, no code changes</a:t>
             </a:r>
           </a:p>
           <a:p>
@@ -31526,7 +32317,7 @@
             </a:pPr>
             <a:r>
               <a:rPr lang="en-US" sz="3600" dirty="0"/>
-              <a:t>More little things throughout this presentation</a:t>
+              <a:t>More little things</a:t>
             </a:r>
           </a:p>
         </p:txBody>
@@ -31611,7 +32402,7 @@
         <p:spPr>
           <a:xfrm>
             <a:off x="118053" y="5964344"/>
-            <a:ext cx="7742092" cy="461665"/>
+            <a:ext cx="7742092" cy="230832"/>
           </a:xfrm>
           <a:prstGeom prst="rect">
             <a:avLst/>
@@ -31624,12 +32415,12 @@
           <a:lstStyle/>
           <a:p>
             <a:r>
-              <a:rPr lang="en-US" sz="1200" dirty="0">
+              <a:rPr lang="en-US" sz="900" dirty="0">
                 <a:hlinkClick r:id="rId2"/>
               </a:rPr>
               <a:t>https://cloudblogs.microsoft.com/sqlserver/2018/09/26/sql-server-2019-celebrating-25-years-of-sql-server-database-engine-and-the-path-forward/</a:t>
             </a:r>
-            <a:endParaRPr lang="en-US" sz="1200" dirty="0"/>
+            <a:endParaRPr lang="en-US" sz="900" dirty="0"/>
           </a:p>
         </p:txBody>
       </p:sp>
